--- a/lectures/week8/lecture1/slides/week8_lecture1.pptx
+++ b/lectures/week8/lecture1/slides/week8_lecture1.pptx
@@ -10,23 +10,24 @@
     <p:sldId id="328" r:id="rId4"/>
     <p:sldId id="327" r:id="rId5"/>
     <p:sldId id="326" r:id="rId6"/>
-    <p:sldId id="352" r:id="rId7"/>
-    <p:sldId id="354" r:id="rId8"/>
-    <p:sldId id="355" r:id="rId9"/>
-    <p:sldId id="356" r:id="rId10"/>
-    <p:sldId id="358" r:id="rId11"/>
-    <p:sldId id="361" r:id="rId12"/>
-    <p:sldId id="359" r:id="rId13"/>
-    <p:sldId id="362" r:id="rId14"/>
-    <p:sldId id="360" r:id="rId15"/>
-    <p:sldId id="363" r:id="rId16"/>
-    <p:sldId id="364" r:id="rId17"/>
-    <p:sldId id="365" r:id="rId18"/>
-    <p:sldId id="366" r:id="rId19"/>
-    <p:sldId id="367" r:id="rId20"/>
-    <p:sldId id="369" r:id="rId21"/>
-    <p:sldId id="324" r:id="rId22"/>
-    <p:sldId id="325" r:id="rId23"/>
+    <p:sldId id="370" r:id="rId7"/>
+    <p:sldId id="352" r:id="rId8"/>
+    <p:sldId id="354" r:id="rId9"/>
+    <p:sldId id="355" r:id="rId10"/>
+    <p:sldId id="356" r:id="rId11"/>
+    <p:sldId id="358" r:id="rId12"/>
+    <p:sldId id="361" r:id="rId13"/>
+    <p:sldId id="359" r:id="rId14"/>
+    <p:sldId id="362" r:id="rId15"/>
+    <p:sldId id="360" r:id="rId16"/>
+    <p:sldId id="363" r:id="rId17"/>
+    <p:sldId id="364" r:id="rId18"/>
+    <p:sldId id="365" r:id="rId19"/>
+    <p:sldId id="366" r:id="rId20"/>
+    <p:sldId id="367" r:id="rId21"/>
+    <p:sldId id="369" r:id="rId22"/>
+    <p:sldId id="324" r:id="rId23"/>
+    <p:sldId id="325" r:id="rId24"/>
   </p:sldIdLst>
   <p:sldSz cx="12192000" cy="6858000"/>
   <p:notesSz cx="6858000" cy="9144000"/>
@@ -135,6 +136,7 @@
             <p14:sldId id="328"/>
             <p14:sldId id="327"/>
             <p14:sldId id="326"/>
+            <p14:sldId id="370"/>
             <p14:sldId id="352"/>
             <p14:sldId id="354"/>
             <p14:sldId id="355"/>
@@ -1541,7 +1543,7 @@
           <p:cNvPr id="2" name="Title 1">
             <a:extLst>
               <a:ext uri="{FF2B5EF4-FFF2-40B4-BE49-F238E27FC236}">
-                <a16:creationId xmlns:a16="http://schemas.microsoft.com/office/drawing/2014/main" id="{2B890242-F9AE-4F83-9284-FEF027024B13}"/>
+                <a16:creationId xmlns:a16="http://schemas.microsoft.com/office/drawing/2014/main" id="{0433A3CA-A664-40EE-8BBF-1CAB72B09A8D}"/>
               </a:ext>
             </a:extLst>
           </p:cNvPr>
@@ -1561,8 +1563,17 @@
           <a:p>
             <a:r>
               <a:rPr lang="en-US" b="1" dirty="0"/>
-              <a:t>Unpacking Tuples</a:t>
-            </a:r>
+              <a:t>Why Tuples</a:t>
+            </a:r>
+            <a:r>
+              <a:rPr lang="en-US" b="1" dirty="0">
+                <a:solidFill>
+                  <a:schemeClr val="accent1"/>
+                </a:solidFill>
+              </a:rPr>
+              <a:t>?</a:t>
+            </a:r>
+            <a:endParaRPr lang="en-US" dirty="0"/>
           </a:p>
         </p:txBody>
       </p:sp>
@@ -1571,7 +1582,7 @@
           <p:cNvPr id="3" name="Content Placeholder 2">
             <a:extLst>
               <a:ext uri="{FF2B5EF4-FFF2-40B4-BE49-F238E27FC236}">
-                <a16:creationId xmlns:a16="http://schemas.microsoft.com/office/drawing/2014/main" id="{815EE6AB-A029-4EEE-B18C-9C78720CD03A}"/>
+                <a16:creationId xmlns:a16="http://schemas.microsoft.com/office/drawing/2014/main" id="{A7BDABAF-E097-4B50-8897-9FDE41539DBC}"/>
               </a:ext>
             </a:extLst>
           </p:cNvPr>
@@ -1585,7 +1596,7 @@
         <p:spPr>
           <a:xfrm>
             <a:off x="838200" y="1825624"/>
-            <a:ext cx="7263527" cy="4835479"/>
+            <a:ext cx="10253354" cy="4835479"/>
           </a:xfrm>
         </p:spPr>
         <p:txBody>
@@ -1593,212 +1604,230 @@
           <a:lstStyle/>
           <a:p>
             <a:r>
-              <a:rPr lang="en-US" b="1" dirty="0">
-                <a:solidFill>
-                  <a:schemeClr val="accent6"/>
-                </a:solidFill>
-              </a:rPr>
-              <a:t>Tuple Packing</a:t>
+              <a:rPr lang="en-US" sz="3600" b="1" dirty="0">
+                <a:solidFill>
+                  <a:schemeClr val="accent6"/>
+                </a:solidFill>
+              </a:rPr>
+              <a:t>Reason 3</a:t>
             </a:r>
           </a:p>
           <a:p>
             <a:r>
               <a:rPr lang="en-US" dirty="0"/>
-              <a:t>The values on the right are ‘packed’ together in the tuple.</a:t>
-            </a:r>
-          </a:p>
-          <a:p>
-            <a:r>
-              <a:rPr lang="en-US" dirty="0">
-                <a:solidFill>
-                  <a:srgbClr val="E00BE5"/>
-                </a:solidFill>
-                <a:latin typeface="Consolas" panose="020B0609020204030204" pitchFamily="49" charset="0"/>
-              </a:rPr>
-              <a:t>&gt;&gt;&gt; </a:t>
-            </a:r>
-            <a:r>
-              <a:rPr lang="en-US" dirty="0">
+              <a:t>You can always unpack tuples successfully because you always know how many items are in them </a:t>
+            </a:r>
+            <a:r>
+              <a:rPr lang="en-US" dirty="0">
+                <a:solidFill>
+                  <a:schemeClr val="accent6"/>
+                </a:solidFill>
+              </a:rPr>
+              <a:t>(</a:t>
+            </a:r>
+            <a:r>
+              <a:rPr lang="en-US" dirty="0"/>
+              <a:t>Immutability</a:t>
+            </a:r>
+            <a:r>
+              <a:rPr lang="en-US" dirty="0">
+                <a:solidFill>
+                  <a:schemeClr val="accent6"/>
+                </a:solidFill>
+              </a:rPr>
+              <a:t>)</a:t>
+            </a:r>
+            <a:r>
+              <a:rPr lang="en-US" dirty="0">
+                <a:solidFill>
+                  <a:schemeClr val="accent1"/>
+                </a:solidFill>
+              </a:rPr>
+              <a:t>.</a:t>
+            </a:r>
+          </a:p>
+        </p:txBody>
+      </p:sp>
+      <p:sp>
+        <p:nvSpPr>
+          <p:cNvPr id="5" name="TextBox 4">
+            <a:extLst>
+              <a:ext uri="{FF2B5EF4-FFF2-40B4-BE49-F238E27FC236}">
+                <a16:creationId xmlns:a16="http://schemas.microsoft.com/office/drawing/2014/main" id="{42DAA33F-C56A-4EC6-B274-3732C24ACE0C}"/>
+              </a:ext>
+            </a:extLst>
+          </p:cNvPr>
+          <p:cNvSpPr txBox="1"/>
+          <p:nvPr/>
+        </p:nvSpPr>
+        <p:spPr>
+          <a:xfrm>
+            <a:off x="542255" y="4844478"/>
+            <a:ext cx="5125121" cy="954107"/>
+          </a:xfrm>
+          <a:prstGeom prst="rect">
+            <a:avLst/>
+          </a:prstGeom>
+          <a:noFill/>
+        </p:spPr>
+        <p:txBody>
+          <a:bodyPr wrap="none" rtlCol="0">
+            <a:spAutoFit/>
+          </a:bodyPr>
+          <a:lstStyle/>
+          <a:p>
+            <a:r>
+              <a:rPr lang="en-US" sz="2800" b="1" dirty="0">
                 <a:solidFill>
                   <a:srgbClr val="00FF00"/>
                 </a:solidFill>
-                <a:latin typeface="Consolas" panose="020B0609020204030204" pitchFamily="49" charset="0"/>
-              </a:rPr>
-              <a:t>record = ("Joe", 19, "CIV")</a:t>
-            </a:r>
-          </a:p>
-          <a:p>
-            <a:r>
-              <a:rPr lang="en-US" b="1" dirty="0">
-                <a:solidFill>
-                  <a:schemeClr val="accent6"/>
-                </a:solidFill>
-              </a:rPr>
-              <a:t>Tuple Unpacking</a:t>
-            </a:r>
-          </a:p>
-          <a:p>
-            <a:r>
-              <a:rPr lang="en-US" dirty="0"/>
-              <a:t>The values in a tuple on the right are ‘unpacked’ into the variables on the left.</a:t>
-            </a:r>
-          </a:p>
-          <a:p>
-            <a:r>
-              <a:rPr lang="en-US" dirty="0">
-                <a:solidFill>
-                  <a:srgbClr val="E00BE5"/>
-                </a:solidFill>
-                <a:latin typeface="Consolas" panose="020B0609020204030204" pitchFamily="49" charset="0"/>
-              </a:rPr>
-              <a:t>&gt;&gt;&gt; </a:t>
-            </a:r>
-            <a:r>
-              <a:rPr lang="en-US" dirty="0">
+                <a:latin typeface="Courier New" panose="02070309020205020404" pitchFamily="49" charset="0"/>
+                <a:cs typeface="Courier New" panose="02070309020205020404" pitchFamily="49" charset="0"/>
+              </a:rPr>
+              <a:t>data = (20,01,1985)</a:t>
+            </a:r>
+          </a:p>
+          <a:p>
+            <a:r>
+              <a:rPr lang="en-US" sz="2800" b="1" dirty="0">
                 <a:solidFill>
                   <a:srgbClr val="00FF00"/>
                 </a:solidFill>
-                <a:latin typeface="Consolas" panose="020B0609020204030204" pitchFamily="49" charset="0"/>
-              </a:rPr>
-              <a:t>name, age, studies = record</a:t>
-            </a:r>
-          </a:p>
-          <a:p>
-            <a:r>
-              <a:rPr lang="en-US" dirty="0">
-                <a:solidFill>
-                  <a:srgbClr val="E00BE5"/>
-                </a:solidFill>
-                <a:latin typeface="Consolas" panose="020B0609020204030204" pitchFamily="49" charset="0"/>
-              </a:rPr>
-              <a:t>&gt;&gt;&gt; </a:t>
-            </a:r>
-            <a:r>
-              <a:rPr lang="en-US" dirty="0">
+                <a:latin typeface="Courier New" panose="02070309020205020404" pitchFamily="49" charset="0"/>
+                <a:cs typeface="Courier New" panose="02070309020205020404" pitchFamily="49" charset="0"/>
+              </a:rPr>
+              <a:t>day, month, year = data</a:t>
+            </a:r>
+          </a:p>
+        </p:txBody>
+      </p:sp>
+      <p:sp>
+        <p:nvSpPr>
+          <p:cNvPr id="6" name="TextBox 5">
+            <a:extLst>
+              <a:ext uri="{FF2B5EF4-FFF2-40B4-BE49-F238E27FC236}">
+                <a16:creationId xmlns:a16="http://schemas.microsoft.com/office/drawing/2014/main" id="{4DFD13B8-A628-40B3-9428-E05A586C6C16}"/>
+              </a:ext>
+            </a:extLst>
+          </p:cNvPr>
+          <p:cNvSpPr txBox="1"/>
+          <p:nvPr/>
+        </p:nvSpPr>
+        <p:spPr>
+          <a:xfrm>
+            <a:off x="6596690" y="4844478"/>
+            <a:ext cx="5125121" cy="954107"/>
+          </a:xfrm>
+          <a:prstGeom prst="rect">
+            <a:avLst/>
+          </a:prstGeom>
+          <a:noFill/>
+        </p:spPr>
+        <p:txBody>
+          <a:bodyPr wrap="none" rtlCol="0">
+            <a:spAutoFit/>
+          </a:bodyPr>
+          <a:lstStyle/>
+          <a:p>
+            <a:r>
+              <a:rPr lang="en-US" sz="2800" b="1" dirty="0">
                 <a:solidFill>
                   <a:srgbClr val="00FF00"/>
                 </a:solidFill>
-                <a:latin typeface="Consolas" panose="020B0609020204030204" pitchFamily="49" charset="0"/>
-              </a:rPr>
-              <a:t>name</a:t>
-            </a:r>
-          </a:p>
-          <a:p>
-            <a:r>
-              <a:rPr lang="en-US" dirty="0">
+                <a:latin typeface="Courier New" panose="02070309020205020404" pitchFamily="49" charset="0"/>
+                <a:cs typeface="Courier New" panose="02070309020205020404" pitchFamily="49" charset="0"/>
+              </a:rPr>
+              <a:t>data = [20,01,1985]</a:t>
+            </a:r>
+          </a:p>
+          <a:p>
+            <a:r>
+              <a:rPr lang="en-US" sz="2800" b="1" dirty="0">
                 <a:solidFill>
                   <a:srgbClr val="00FF00"/>
                 </a:solidFill>
-                <a:latin typeface="Consolas" panose="020B0609020204030204" pitchFamily="49" charset="0"/>
-              </a:rPr>
-              <a:t>‘Joe’</a:t>
-            </a:r>
-          </a:p>
-          <a:p>
-            <a:endParaRPr lang="en-US" dirty="0"/>
-          </a:p>
-          <a:p>
-            <a:endParaRPr lang="en-US" dirty="0"/>
-          </a:p>
-        </p:txBody>
-      </p:sp>
-      <p:sp>
-        <p:nvSpPr>
-          <p:cNvPr id="9" name="Rectangle: Rounded Corners 8">
-            <a:extLst>
-              <a:ext uri="{FF2B5EF4-FFF2-40B4-BE49-F238E27FC236}">
-                <a16:creationId xmlns:a16="http://schemas.microsoft.com/office/drawing/2014/main" id="{4927EF1D-2D71-46EC-BCD6-7EE53F1B23D7}"/>
-              </a:ext>
-            </a:extLst>
-          </p:cNvPr>
-          <p:cNvSpPr/>
-          <p:nvPr/>
-        </p:nvSpPr>
-        <p:spPr>
-          <a:xfrm>
-            <a:off x="7844590" y="1949006"/>
-            <a:ext cx="3958389" cy="4418765"/>
-          </a:xfrm>
-          <a:prstGeom prst="roundRect">
+                <a:latin typeface="Courier New" panose="02070309020205020404" pitchFamily="49" charset="0"/>
+                <a:cs typeface="Courier New" panose="02070309020205020404" pitchFamily="49" charset="0"/>
+              </a:rPr>
+              <a:t>day, month, year = data</a:t>
+            </a:r>
+          </a:p>
+        </p:txBody>
+      </p:sp>
+      <p:sp>
+        <p:nvSpPr>
+          <p:cNvPr id="4" name="TextBox 3">
+            <a:extLst>
+              <a:ext uri="{FF2B5EF4-FFF2-40B4-BE49-F238E27FC236}">
+                <a16:creationId xmlns:a16="http://schemas.microsoft.com/office/drawing/2014/main" id="{A39D3CB3-D806-4069-9A3A-79ACFA28E6DE}"/>
+              </a:ext>
+            </a:extLst>
+          </p:cNvPr>
+          <p:cNvSpPr txBox="1"/>
+          <p:nvPr/>
+        </p:nvSpPr>
+        <p:spPr>
+          <a:xfrm>
+            <a:off x="542255" y="4170912"/>
+            <a:ext cx="3743204" cy="523220"/>
+          </a:xfrm>
+          <a:prstGeom prst="rect">
             <a:avLst/>
           </a:prstGeom>
           <a:noFill/>
-          <a:ln w="76200">
-            <a:solidFill>
-              <a:schemeClr val="accent2"/>
-            </a:solidFill>
-          </a:ln>
-        </p:spPr>
-        <p:style>
-          <a:lnRef idx="2">
-            <a:schemeClr val="accent1">
-              <a:shade val="50000"/>
-            </a:schemeClr>
-          </a:lnRef>
-          <a:fillRef idx="1">
-            <a:schemeClr val="accent1"/>
-          </a:fillRef>
-          <a:effectRef idx="0">
-            <a:schemeClr val="accent1"/>
-          </a:effectRef>
-          <a:fontRef idx="minor">
-            <a:schemeClr val="lt1"/>
-          </a:fontRef>
-        </p:style>
-        <p:txBody>
-          <a:bodyPr rtlCol="0" anchor="ctr"/>
-          <a:lstStyle/>
-          <a:p>
-            <a:r>
-              <a:rPr lang="en-US" sz="4400" b="1" dirty="0">
-                <a:solidFill>
-                  <a:srgbClr val="FFFFFF"/>
-                </a:solidFill>
-              </a:rPr>
-              <a:t>Open your notebook</a:t>
-            </a:r>
-          </a:p>
-          <a:p>
-            <a:endParaRPr lang="en-US" sz="4400" b="1" dirty="0">
-              <a:solidFill>
-                <a:srgbClr val="FFFFFF"/>
-              </a:solidFill>
-            </a:endParaRPr>
-          </a:p>
+        </p:spPr>
+        <p:txBody>
+          <a:bodyPr wrap="none" rtlCol="0">
+            <a:spAutoFit/>
+          </a:bodyPr>
+          <a:lstStyle/>
           <a:p>
             <a:r>
               <a:rPr lang="en-US" sz="2800" b="1" dirty="0">
                 <a:solidFill>
-                  <a:srgbClr val="FFFFFF"/>
-                </a:solidFill>
-              </a:rPr>
-              <a:t>Click Link</a:t>
-            </a:r>
+                  <a:schemeClr val="accent1"/>
+                </a:solidFill>
+              </a:rPr>
+              <a:t>This will always work</a:t>
+            </a:r>
+          </a:p>
+        </p:txBody>
+      </p:sp>
+      <p:sp>
+        <p:nvSpPr>
+          <p:cNvPr id="8" name="TextBox 7">
+            <a:extLst>
+              <a:ext uri="{FF2B5EF4-FFF2-40B4-BE49-F238E27FC236}">
+                <a16:creationId xmlns:a16="http://schemas.microsoft.com/office/drawing/2014/main" id="{559E92FD-7D0A-459B-AAF3-2961EAEAE510}"/>
+              </a:ext>
+            </a:extLst>
+          </p:cNvPr>
+          <p:cNvSpPr txBox="1"/>
+          <p:nvPr/>
+        </p:nvSpPr>
+        <p:spPr>
+          <a:xfrm>
+            <a:off x="6596690" y="4170912"/>
+            <a:ext cx="4419671" cy="523220"/>
+          </a:xfrm>
+          <a:prstGeom prst="rect">
+            <a:avLst/>
+          </a:prstGeom>
+          <a:noFill/>
+        </p:spPr>
+        <p:txBody>
+          <a:bodyPr wrap="none" rtlCol="0">
+            <a:spAutoFit/>
+          </a:bodyPr>
+          <a:lstStyle/>
+          <a:p>
             <a:r>
               <a:rPr lang="en-US" sz="2800" b="1" dirty="0">
                 <a:solidFill>
-                  <a:schemeClr val="accent6"/>
-                </a:solidFill>
-              </a:rPr>
-              <a:t>:</a:t>
-            </a:r>
-          </a:p>
-          <a:p>
-            <a:r>
-              <a:rPr lang="en-US" sz="2800" b="1" dirty="0">
-                <a:solidFill>
-                  <a:schemeClr val="accent6"/>
-                </a:solidFill>
-              </a:rPr>
-              <a:t>4. </a:t>
-            </a:r>
-            <a:r>
-              <a:rPr lang="en-US" sz="2600" b="1" dirty="0">
-                <a:solidFill>
-                  <a:schemeClr val="accent6"/>
-                </a:solidFill>
-              </a:rPr>
-              <a:t>Unpacking Tuples</a:t>
+                  <a:schemeClr val="accent1"/>
+                </a:solidFill>
+              </a:rPr>
+              <a:t>This will not always work</a:t>
             </a:r>
           </a:p>
         </p:txBody>
@@ -1806,7 +1835,7 @@
     </p:spTree>
     <p:extLst>
       <p:ext uri="{BB962C8B-B14F-4D97-AF65-F5344CB8AC3E}">
-        <p14:creationId xmlns:p14="http://schemas.microsoft.com/office/powerpoint/2010/main" val="39330145"/>
+        <p14:creationId xmlns:p14="http://schemas.microsoft.com/office/powerpoint/2010/main" val="1650007063"/>
       </p:ext>
     </p:extLst>
   </p:cSld>
@@ -1858,20 +1887,7 @@
           <a:p>
             <a:r>
               <a:rPr lang="en-US" b="1" dirty="0"/>
-              <a:t>Tuples as </a:t>
-            </a:r>
-            <a:r>
-              <a:rPr lang="en-US" b="1" dirty="0">
-                <a:solidFill>
-                  <a:schemeClr val="accent6"/>
-                </a:solidFill>
-                <a:latin typeface="Consolas" panose="020B0609020204030204" pitchFamily="49" charset="0"/>
-              </a:rPr>
-              <a:t>return</a:t>
-            </a:r>
-            <a:r>
-              <a:rPr lang="en-US" b="1" dirty="0"/>
-              <a:t> Values</a:t>
+              <a:t>Unpacking Tuples</a:t>
             </a:r>
           </a:p>
         </p:txBody>
@@ -1895,7 +1911,7 @@
         <p:spPr>
           <a:xfrm>
             <a:off x="838200" y="1825624"/>
-            <a:ext cx="7006390" cy="4835479"/>
+            <a:ext cx="7263527" cy="4835479"/>
           </a:xfrm>
         </p:spPr>
         <p:txBody>
@@ -1903,128 +1919,106 @@
           <a:lstStyle/>
           <a:p>
             <a:r>
+              <a:rPr lang="en-US" b="1" dirty="0">
+                <a:solidFill>
+                  <a:schemeClr val="accent6"/>
+                </a:solidFill>
+              </a:rPr>
+              <a:t>Tuple Packing</a:t>
+            </a:r>
+          </a:p>
+          <a:p>
+            <a:r>
               <a:rPr lang="en-US" dirty="0"/>
-              <a:t>Functions can only return a single value, but by making that value a </a:t>
-            </a:r>
-            <a:r>
-              <a:rPr lang="en-US" dirty="0">
-                <a:solidFill>
-                  <a:schemeClr val="accent6"/>
+              <a:t>The values on the right are ‘packed’ together in the tuple.</a:t>
+            </a:r>
+          </a:p>
+          <a:p>
+            <a:r>
+              <a:rPr lang="en-US" dirty="0">
+                <a:solidFill>
+                  <a:srgbClr val="E00BE5"/>
                 </a:solidFill>
                 <a:latin typeface="Consolas" panose="020B0609020204030204" pitchFamily="49" charset="0"/>
               </a:rPr>
-              <a:t>tuple</a:t>
-            </a:r>
-            <a:r>
-              <a:rPr lang="en-US" dirty="0">
-                <a:solidFill>
-                  <a:schemeClr val="accent1"/>
-                </a:solidFill>
-              </a:rPr>
-              <a:t>,</a:t>
-            </a:r>
+              <a:t>&gt;&gt;&gt; </a:t>
+            </a:r>
+            <a:r>
+              <a:rPr lang="en-US" dirty="0">
+                <a:solidFill>
+                  <a:srgbClr val="00FF00"/>
+                </a:solidFill>
+                <a:latin typeface="Consolas" panose="020B0609020204030204" pitchFamily="49" charset="0"/>
+              </a:rPr>
+              <a:t>record = ("Joe", 19, "CIV")</a:t>
+            </a:r>
+          </a:p>
+          <a:p>
+            <a:r>
+              <a:rPr lang="en-US" b="1" dirty="0">
+                <a:solidFill>
+                  <a:schemeClr val="accent6"/>
+                </a:solidFill>
+              </a:rPr>
+              <a:t>Tuple Unpacking</a:t>
+            </a:r>
+          </a:p>
+          <a:p>
             <a:r>
               <a:rPr lang="en-US" dirty="0"/>
-              <a:t> we can effectively group together as many values as we like </a:t>
-            </a:r>
-            <a:r>
-              <a:rPr lang="en-US" dirty="0">
-                <a:solidFill>
-                  <a:schemeClr val="accent6"/>
-                </a:solidFill>
-              </a:rPr>
-              <a:t>(</a:t>
-            </a:r>
-            <a:r>
-              <a:rPr lang="en-US" dirty="0">
-                <a:solidFill>
-                  <a:schemeClr val="accent6"/>
+              <a:t>The values in a tuple on the right are ‘unpacked’ into the variables on the left.</a:t>
+            </a:r>
+          </a:p>
+          <a:p>
+            <a:r>
+              <a:rPr lang="en-US" dirty="0">
+                <a:solidFill>
+                  <a:srgbClr val="E00BE5"/>
                 </a:solidFill>
                 <a:latin typeface="Consolas" panose="020B0609020204030204" pitchFamily="49" charset="0"/>
               </a:rPr>
-              <a:t>tuple</a:t>
-            </a:r>
-            <a:r>
-              <a:rPr lang="en-US" dirty="0"/>
-              <a:t> packing</a:t>
-            </a:r>
-            <a:r>
-              <a:rPr lang="en-US" dirty="0">
-                <a:solidFill>
-                  <a:schemeClr val="accent6"/>
-                </a:solidFill>
-              </a:rPr>
-              <a:t>)</a:t>
-            </a:r>
-            <a:r>
-              <a:rPr lang="en-US" dirty="0">
-                <a:solidFill>
-                  <a:schemeClr val="accent1"/>
-                </a:solidFill>
-              </a:rPr>
-              <a:t>,</a:t>
-            </a:r>
-            <a:r>
-              <a:rPr lang="en-US" dirty="0"/>
-              <a:t> and </a:t>
-            </a:r>
-            <a:r>
-              <a:rPr lang="en-US" dirty="0">
-                <a:solidFill>
-                  <a:schemeClr val="accent6"/>
+              <a:t>&gt;&gt;&gt; </a:t>
+            </a:r>
+            <a:r>
+              <a:rPr lang="en-US" dirty="0">
+                <a:solidFill>
+                  <a:srgbClr val="00FF00"/>
                 </a:solidFill>
                 <a:latin typeface="Consolas" panose="020B0609020204030204" pitchFamily="49" charset="0"/>
               </a:rPr>
-              <a:t>return</a:t>
-            </a:r>
-            <a:r>
-              <a:rPr lang="en-US" dirty="0"/>
-              <a:t> them together</a:t>
-            </a:r>
-            <a:r>
-              <a:rPr lang="en-US" dirty="0">
-                <a:solidFill>
-                  <a:schemeClr val="accent1"/>
-                </a:solidFill>
-              </a:rPr>
-              <a:t>.</a:t>
-            </a:r>
-          </a:p>
-          <a:p>
-            <a:endParaRPr lang="en-US" dirty="0"/>
-          </a:p>
-          <a:p>
-            <a:endParaRPr lang="en-US" dirty="0"/>
-          </a:p>
-          <a:p>
-            <a:r>
-              <a:rPr lang="en-US" dirty="0"/>
-              <a:t>When we call the function we can unpack the </a:t>
-            </a:r>
-            <a:r>
-              <a:rPr lang="en-US" dirty="0">
-                <a:solidFill>
-                  <a:schemeClr val="accent6"/>
+              <a:t>name, age, studies = record</a:t>
+            </a:r>
+          </a:p>
+          <a:p>
+            <a:r>
+              <a:rPr lang="en-US" dirty="0">
+                <a:solidFill>
+                  <a:srgbClr val="E00BE5"/>
                 </a:solidFill>
                 <a:latin typeface="Consolas" panose="020B0609020204030204" pitchFamily="49" charset="0"/>
               </a:rPr>
-              <a:t>tuple</a:t>
-            </a:r>
-            <a:r>
-              <a:rPr lang="en-US" dirty="0"/>
-              <a:t> into multiple variables</a:t>
-            </a:r>
-            <a:r>
-              <a:rPr lang="en-US" dirty="0">
-                <a:solidFill>
-                  <a:schemeClr val="accent1"/>
-                </a:solidFill>
-              </a:rPr>
-              <a:t>.</a:t>
-            </a:r>
-          </a:p>
-          <a:p>
-            <a:endParaRPr lang="en-US" dirty="0"/>
+              <a:t>&gt;&gt;&gt; </a:t>
+            </a:r>
+            <a:r>
+              <a:rPr lang="en-US" dirty="0">
+                <a:solidFill>
+                  <a:srgbClr val="00FF00"/>
+                </a:solidFill>
+                <a:latin typeface="Consolas" panose="020B0609020204030204" pitchFamily="49" charset="0"/>
+              </a:rPr>
+              <a:t>name</a:t>
+            </a:r>
+          </a:p>
+          <a:p>
+            <a:r>
+              <a:rPr lang="en-US" dirty="0">
+                <a:solidFill>
+                  <a:srgbClr val="00FF00"/>
+                </a:solidFill>
+                <a:latin typeface="Consolas" panose="020B0609020204030204" pitchFamily="49" charset="0"/>
+              </a:rPr>
+              <a:t>‘Joe’</a:t>
+            </a:r>
           </a:p>
           <a:p>
             <a:endParaRPr lang="en-US" dirty="0"/>
@@ -2122,7 +2116,7 @@
                   <a:schemeClr val="accent6"/>
                 </a:solidFill>
               </a:rPr>
-              <a:t>5. </a:t>
+              <a:t>4. </a:t>
             </a:r>
             <a:r>
               <a:rPr lang="en-US" sz="2600" b="1" dirty="0">
@@ -2130,101 +2124,7 @@
                   <a:schemeClr val="accent6"/>
                 </a:solidFill>
               </a:rPr>
-              <a:t>Tuples as return Values</a:t>
-            </a:r>
-          </a:p>
-        </p:txBody>
-      </p:sp>
-      <p:sp>
-        <p:nvSpPr>
-          <p:cNvPr id="5" name="TextBox 4">
-            <a:extLst>
-              <a:ext uri="{FF2B5EF4-FFF2-40B4-BE49-F238E27FC236}">
-                <a16:creationId xmlns:a16="http://schemas.microsoft.com/office/drawing/2014/main" id="{0AD0ADAB-1E64-4DEC-AAA3-EAE6BF3DC540}"/>
-              </a:ext>
-            </a:extLst>
-          </p:cNvPr>
-          <p:cNvSpPr txBox="1"/>
-          <p:nvPr/>
-        </p:nvSpPr>
-        <p:spPr>
-          <a:xfrm>
-            <a:off x="1072329" y="3897410"/>
-            <a:ext cx="6478055" cy="954107"/>
-          </a:xfrm>
-          <a:prstGeom prst="rect">
-            <a:avLst/>
-          </a:prstGeom>
-          <a:noFill/>
-        </p:spPr>
-        <p:txBody>
-          <a:bodyPr wrap="none" rtlCol="0">
-            <a:spAutoFit/>
-          </a:bodyPr>
-          <a:lstStyle/>
-          <a:p>
-            <a:r>
-              <a:rPr lang="en-US" sz="2800" b="1" dirty="0">
-                <a:solidFill>
-                  <a:srgbClr val="00FF00"/>
-                </a:solidFill>
-                <a:latin typeface="Courier New" panose="02070309020205020404" pitchFamily="49" charset="0"/>
-                <a:cs typeface="Courier New" panose="02070309020205020404" pitchFamily="49" charset="0"/>
-              </a:rPr>
-              <a:t>def func_name(parameters):</a:t>
-            </a:r>
-          </a:p>
-          <a:p>
-            <a:r>
-              <a:rPr lang="en-US" sz="2800" b="1" dirty="0">
-                <a:solidFill>
-                  <a:srgbClr val="00FF00"/>
-                </a:solidFill>
-                <a:latin typeface="Courier New" panose="02070309020205020404" pitchFamily="49" charset="0"/>
-                <a:cs typeface="Courier New" panose="02070309020205020404" pitchFamily="49" charset="0"/>
-              </a:rPr>
-              <a:t>	return (expr1, expr2, ...</a:t>
-            </a:r>
-          </a:p>
-        </p:txBody>
-      </p:sp>
-      <p:sp>
-        <p:nvSpPr>
-          <p:cNvPr id="6" name="TextBox 5">
-            <a:extLst>
-              <a:ext uri="{FF2B5EF4-FFF2-40B4-BE49-F238E27FC236}">
-                <a16:creationId xmlns:a16="http://schemas.microsoft.com/office/drawing/2014/main" id="{2076BF44-61E1-43C1-9C18-8C54C087C378}"/>
-              </a:ext>
-            </a:extLst>
-          </p:cNvPr>
-          <p:cNvSpPr txBox="1"/>
-          <p:nvPr/>
-        </p:nvSpPr>
-        <p:spPr>
-          <a:xfrm>
-            <a:off x="1072328" y="5938217"/>
-            <a:ext cx="6797054" cy="492443"/>
-          </a:xfrm>
-          <a:prstGeom prst="rect">
-            <a:avLst/>
-          </a:prstGeom>
-          <a:noFill/>
-        </p:spPr>
-        <p:txBody>
-          <a:bodyPr wrap="none" rtlCol="0">
-            <a:spAutoFit/>
-          </a:bodyPr>
-          <a:lstStyle/>
-          <a:p>
-            <a:r>
-              <a:rPr lang="en-US" sz="2600" b="1" dirty="0">
-                <a:solidFill>
-                  <a:srgbClr val="00FF00"/>
-                </a:solidFill>
-                <a:latin typeface="Courier New" panose="02070309020205020404" pitchFamily="49" charset="0"/>
-                <a:cs typeface="Courier New" panose="02070309020205020404" pitchFamily="49" charset="0"/>
-              </a:rPr>
-              <a:t>var1, var2, ... = func_name(args)</a:t>
+              <a:t>Unpacking Tuples</a:t>
             </a:r>
           </a:p>
         </p:txBody>
@@ -2232,7 +2132,7 @@
     </p:spTree>
     <p:extLst>
       <p:ext uri="{BB962C8B-B14F-4D97-AF65-F5344CB8AC3E}">
-        <p14:creationId xmlns:p14="http://schemas.microsoft.com/office/powerpoint/2010/main" val="4055888180"/>
+        <p14:creationId xmlns:p14="http://schemas.microsoft.com/office/powerpoint/2010/main" val="39330145"/>
       </p:ext>
     </p:extLst>
   </p:cSld>
@@ -2264,7 +2164,7 @@
           <p:cNvPr id="2" name="Title 1">
             <a:extLst>
               <a:ext uri="{FF2B5EF4-FFF2-40B4-BE49-F238E27FC236}">
-                <a16:creationId xmlns:a16="http://schemas.microsoft.com/office/drawing/2014/main" id="{560FA3E4-D06F-4F67-959E-5EB384385035}"/>
+                <a16:creationId xmlns:a16="http://schemas.microsoft.com/office/drawing/2014/main" id="{2B890242-F9AE-4F83-9284-FEF027024B13}"/>
               </a:ext>
             </a:extLst>
           </p:cNvPr>
@@ -2283,32 +2183,31 @@
           <a:lstStyle/>
           <a:p>
             <a:r>
+              <a:rPr lang="en-US" b="1" dirty="0"/>
+              <a:t>Tuples as </a:t>
+            </a:r>
+            <a:r>
               <a:rPr lang="en-US" b="1" dirty="0">
                 <a:solidFill>
                   <a:schemeClr val="accent6"/>
                 </a:solidFill>
-              </a:rPr>
-              <a:t>Breakout Session </a:t>
+                <a:latin typeface="Consolas" panose="020B0609020204030204" pitchFamily="49" charset="0"/>
+              </a:rPr>
+              <a:t>return</a:t>
             </a:r>
             <a:r>
               <a:rPr lang="en-US" b="1" dirty="0"/>
-              <a:t>2</a:t>
-            </a:r>
-            <a:endParaRPr lang="en-US" dirty="0">
-              <a:solidFill>
-                <a:schemeClr val="accent6"/>
-              </a:solidFill>
-              <a:latin typeface="Consolas" panose="020B0609020204030204" pitchFamily="49" charset="0"/>
-            </a:endParaRPr>
-          </a:p>
-        </p:txBody>
-      </p:sp>
-      <p:sp>
-        <p:nvSpPr>
-          <p:cNvPr id="6" name="Content Placeholder 5">
-            <a:extLst>
-              <a:ext uri="{FF2B5EF4-FFF2-40B4-BE49-F238E27FC236}">
-                <a16:creationId xmlns:a16="http://schemas.microsoft.com/office/drawing/2014/main" id="{F93F64D9-1EBE-4498-9407-D1C67AB3CF2B}"/>
+              <a:t> Values</a:t>
+            </a:r>
+          </a:p>
+        </p:txBody>
+      </p:sp>
+      <p:sp>
+        <p:nvSpPr>
+          <p:cNvPr id="3" name="Content Placeholder 2">
+            <a:extLst>
+              <a:ext uri="{FF2B5EF4-FFF2-40B4-BE49-F238E27FC236}">
+                <a16:creationId xmlns:a16="http://schemas.microsoft.com/office/drawing/2014/main" id="{815EE6AB-A029-4EEE-B18C-9C78720CD03A}"/>
               </a:ext>
             </a:extLst>
           </p:cNvPr>
@@ -2322,52 +2221,143 @@
         <p:spPr>
           <a:xfrm>
             <a:off x="838200" y="1825624"/>
-            <a:ext cx="6821384" cy="3061180"/>
-          </a:xfrm>
-        </p:spPr>
-        <p:txBody>
-          <a:bodyPr>
-            <a:normAutofit/>
-          </a:bodyPr>
-          <a:lstStyle/>
-          <a:p>
-            <a:r>
-              <a:rPr lang="en-US" sz="4000" dirty="0"/>
-              <a:t>In this Breakout Session</a:t>
-            </a:r>
-            <a:r>
-              <a:rPr lang="en-US" sz="4000" dirty="0">
-                <a:solidFill>
-                  <a:schemeClr val="accent2"/>
+            <a:ext cx="7006390" cy="4835479"/>
+          </a:xfrm>
+        </p:spPr>
+        <p:txBody>
+          <a:bodyPr/>
+          <a:lstStyle/>
+          <a:p>
+            <a:r>
+              <a:rPr lang="en-US" dirty="0"/>
+              <a:t>Functions can only return a single value, but by making that value a </a:t>
+            </a:r>
+            <a:r>
+              <a:rPr lang="en-US" dirty="0">
+                <a:solidFill>
+                  <a:schemeClr val="accent6"/>
+                </a:solidFill>
+                <a:latin typeface="Consolas" panose="020B0609020204030204" pitchFamily="49" charset="0"/>
+              </a:rPr>
+              <a:t>tuple</a:t>
+            </a:r>
+            <a:r>
+              <a:rPr lang="en-US" dirty="0">
+                <a:solidFill>
+                  <a:schemeClr val="accent1"/>
                 </a:solidFill>
               </a:rPr>
               <a:t>,</a:t>
             </a:r>
             <a:r>
-              <a:rPr lang="en-US" sz="4000" dirty="0"/>
-              <a:t> you</a:t>
-            </a:r>
-            <a:r>
-              <a:rPr lang="en-US" sz="4000" dirty="0">
-                <a:solidFill>
-                  <a:schemeClr val="accent2"/>
-                </a:solidFill>
-              </a:rPr>
-              <a:t>’</a:t>
-            </a:r>
-            <a:r>
-              <a:rPr lang="en-US" sz="4000" dirty="0"/>
-              <a:t>ll loop through a collection of some of my favorite albums and print the content</a:t>
-            </a:r>
-            <a:r>
-              <a:rPr lang="en-US" sz="4000" dirty="0">
+              <a:rPr lang="en-US" dirty="0"/>
+              <a:t> we can effectively group together as many values as we like </a:t>
+            </a:r>
+            <a:r>
+              <a:rPr lang="en-US" dirty="0">
+                <a:solidFill>
+                  <a:schemeClr val="accent6"/>
+                </a:solidFill>
+              </a:rPr>
+              <a:t>(</a:t>
+            </a:r>
+            <a:r>
+              <a:rPr lang="en-US" dirty="0">
+                <a:solidFill>
+                  <a:schemeClr val="accent6"/>
+                </a:solidFill>
+                <a:latin typeface="Consolas" panose="020B0609020204030204" pitchFamily="49" charset="0"/>
+              </a:rPr>
+              <a:t>tuple</a:t>
+            </a:r>
+            <a:r>
+              <a:rPr lang="en-US" dirty="0"/>
+              <a:t> packing</a:t>
+            </a:r>
+            <a:r>
+              <a:rPr lang="en-US" dirty="0">
+                <a:solidFill>
+                  <a:schemeClr val="accent6"/>
+                </a:solidFill>
+              </a:rPr>
+              <a:t>)</a:t>
+            </a:r>
+            <a:r>
+              <a:rPr lang="en-US" dirty="0">
                 <a:solidFill>
                   <a:schemeClr val="accent1"/>
                 </a:solidFill>
               </a:rPr>
+              <a:t>,</a:t>
+            </a:r>
+            <a:r>
+              <a:rPr lang="en-US" dirty="0"/>
+              <a:t> and </a:t>
+            </a:r>
+            <a:r>
+              <a:rPr lang="en-US" dirty="0">
+                <a:solidFill>
+                  <a:schemeClr val="accent6"/>
+                </a:solidFill>
+                <a:latin typeface="Consolas" panose="020B0609020204030204" pitchFamily="49" charset="0"/>
+              </a:rPr>
+              <a:t>return</a:t>
+            </a:r>
+            <a:r>
+              <a:rPr lang="en-US" dirty="0"/>
+              <a:t> them together</a:t>
+            </a:r>
+            <a:r>
+              <a:rPr lang="en-US" dirty="0">
+                <a:solidFill>
+                  <a:schemeClr val="accent1"/>
+                </a:solidFill>
+              </a:rPr>
               <a:t>.</a:t>
             </a:r>
           </a:p>
+          <a:p>
+            <a:endParaRPr lang="en-US" dirty="0"/>
+          </a:p>
+          <a:p>
+            <a:endParaRPr lang="en-US" dirty="0"/>
+          </a:p>
+          <a:p>
+            <a:r>
+              <a:rPr lang="en-US" dirty="0"/>
+              <a:t>When we call the function we can unpack the </a:t>
+            </a:r>
+            <a:r>
+              <a:rPr lang="en-US" dirty="0">
+                <a:solidFill>
+                  <a:schemeClr val="accent6"/>
+                </a:solidFill>
+                <a:latin typeface="Consolas" panose="020B0609020204030204" pitchFamily="49" charset="0"/>
+              </a:rPr>
+              <a:t>tuple</a:t>
+            </a:r>
+            <a:r>
+              <a:rPr lang="en-US" dirty="0"/>
+              <a:t> into multiple variables</a:t>
+            </a:r>
+            <a:r>
+              <a:rPr lang="en-US" dirty="0">
+                <a:solidFill>
+                  <a:schemeClr val="accent1"/>
+                </a:solidFill>
+              </a:rPr>
+              <a:t>.</a:t>
+            </a:r>
+          </a:p>
+          <a:p>
+            <a:endParaRPr lang="en-US" dirty="0"/>
+          </a:p>
+          <a:p>
+            <a:endParaRPr lang="en-US" dirty="0"/>
+          </a:p>
+          <a:p>
+            <a:endParaRPr lang="en-US" dirty="0"/>
+          </a:p>
         </p:txBody>
       </p:sp>
       <p:sp>
@@ -2375,7 +2365,7 @@
           <p:cNvPr id="9" name="Rectangle: Rounded Corners 8">
             <a:extLst>
               <a:ext uri="{FF2B5EF4-FFF2-40B4-BE49-F238E27FC236}">
-                <a16:creationId xmlns:a16="http://schemas.microsoft.com/office/drawing/2014/main" id="{526C0B66-D21E-4DAE-871C-5EC33E4FD3BD}"/>
+                <a16:creationId xmlns:a16="http://schemas.microsoft.com/office/drawing/2014/main" id="{4927EF1D-2D71-46EC-BCD6-7EE53F1B23D7}"/>
               </a:ext>
             </a:extLst>
           </p:cNvPr>
@@ -2458,7 +2448,7 @@
                   <a:schemeClr val="accent6"/>
                 </a:solidFill>
               </a:rPr>
-              <a:t>6. </a:t>
+              <a:t>5. </a:t>
             </a:r>
             <a:r>
               <a:rPr lang="en-US" sz="2600" b="1" dirty="0">
@@ -2466,7 +2456,101 @@
                   <a:schemeClr val="accent6"/>
                 </a:solidFill>
               </a:rPr>
-              <a:t>Breakout Session 2</a:t>
+              <a:t>Tuples as return Values</a:t>
+            </a:r>
+          </a:p>
+        </p:txBody>
+      </p:sp>
+      <p:sp>
+        <p:nvSpPr>
+          <p:cNvPr id="5" name="TextBox 4">
+            <a:extLst>
+              <a:ext uri="{FF2B5EF4-FFF2-40B4-BE49-F238E27FC236}">
+                <a16:creationId xmlns:a16="http://schemas.microsoft.com/office/drawing/2014/main" id="{0AD0ADAB-1E64-4DEC-AAA3-EAE6BF3DC540}"/>
+              </a:ext>
+            </a:extLst>
+          </p:cNvPr>
+          <p:cNvSpPr txBox="1"/>
+          <p:nvPr/>
+        </p:nvSpPr>
+        <p:spPr>
+          <a:xfrm>
+            <a:off x="1072329" y="3897410"/>
+            <a:ext cx="6478055" cy="954107"/>
+          </a:xfrm>
+          <a:prstGeom prst="rect">
+            <a:avLst/>
+          </a:prstGeom>
+          <a:noFill/>
+        </p:spPr>
+        <p:txBody>
+          <a:bodyPr wrap="none" rtlCol="0">
+            <a:spAutoFit/>
+          </a:bodyPr>
+          <a:lstStyle/>
+          <a:p>
+            <a:r>
+              <a:rPr lang="en-US" sz="2800" b="1" dirty="0">
+                <a:solidFill>
+                  <a:srgbClr val="00FF00"/>
+                </a:solidFill>
+                <a:latin typeface="Courier New" panose="02070309020205020404" pitchFamily="49" charset="0"/>
+                <a:cs typeface="Courier New" panose="02070309020205020404" pitchFamily="49" charset="0"/>
+              </a:rPr>
+              <a:t>def func_name(parameters):</a:t>
+            </a:r>
+          </a:p>
+          <a:p>
+            <a:r>
+              <a:rPr lang="en-US" sz="2800" b="1" dirty="0">
+                <a:solidFill>
+                  <a:srgbClr val="00FF00"/>
+                </a:solidFill>
+                <a:latin typeface="Courier New" panose="02070309020205020404" pitchFamily="49" charset="0"/>
+                <a:cs typeface="Courier New" panose="02070309020205020404" pitchFamily="49" charset="0"/>
+              </a:rPr>
+              <a:t>	return (expr1, expr2, ...</a:t>
+            </a:r>
+          </a:p>
+        </p:txBody>
+      </p:sp>
+      <p:sp>
+        <p:nvSpPr>
+          <p:cNvPr id="6" name="TextBox 5">
+            <a:extLst>
+              <a:ext uri="{FF2B5EF4-FFF2-40B4-BE49-F238E27FC236}">
+                <a16:creationId xmlns:a16="http://schemas.microsoft.com/office/drawing/2014/main" id="{2076BF44-61E1-43C1-9C18-8C54C087C378}"/>
+              </a:ext>
+            </a:extLst>
+          </p:cNvPr>
+          <p:cNvSpPr txBox="1"/>
+          <p:nvPr/>
+        </p:nvSpPr>
+        <p:spPr>
+          <a:xfrm>
+            <a:off x="1072328" y="5938217"/>
+            <a:ext cx="6797054" cy="492443"/>
+          </a:xfrm>
+          <a:prstGeom prst="rect">
+            <a:avLst/>
+          </a:prstGeom>
+          <a:noFill/>
+        </p:spPr>
+        <p:txBody>
+          <a:bodyPr wrap="none" rtlCol="0">
+            <a:spAutoFit/>
+          </a:bodyPr>
+          <a:lstStyle/>
+          <a:p>
+            <a:r>
+              <a:rPr lang="en-US" sz="2600" b="1" dirty="0">
+                <a:solidFill>
+                  <a:srgbClr val="00FF00"/>
+                </a:solidFill>
+                <a:latin typeface="Courier New" panose="02070309020205020404" pitchFamily="49" charset="0"/>
+                <a:cs typeface="Courier New" panose="02070309020205020404" pitchFamily="49" charset="0"/>
+              </a:rPr>
+              <a:t>var1, var2, ... = func_name(args)</a:t>
             </a:r>
           </a:p>
         </p:txBody>
@@ -2474,7 +2558,7 @@
     </p:spTree>
     <p:extLst>
       <p:ext uri="{BB962C8B-B14F-4D97-AF65-F5344CB8AC3E}">
-        <p14:creationId xmlns:p14="http://schemas.microsoft.com/office/powerpoint/2010/main" val="792570783"/>
+        <p14:creationId xmlns:p14="http://schemas.microsoft.com/office/powerpoint/2010/main" val="4055888180"/>
       </p:ext>
     </p:extLst>
   </p:cSld>
@@ -2506,7 +2590,7 @@
           <p:cNvPr id="2" name="Title 1">
             <a:extLst>
               <a:ext uri="{FF2B5EF4-FFF2-40B4-BE49-F238E27FC236}">
-                <a16:creationId xmlns:a16="http://schemas.microsoft.com/office/drawing/2014/main" id="{2B890242-F9AE-4F83-9284-FEF027024B13}"/>
+                <a16:creationId xmlns:a16="http://schemas.microsoft.com/office/drawing/2014/main" id="{560FA3E4-D06F-4F67-959E-5EB384385035}"/>
               </a:ext>
             </a:extLst>
           </p:cNvPr>
@@ -2517,12 +2601,7 @@
             <p:ph type="title"/>
           </p:nvPr>
         </p:nvSpPr>
-        <p:spPr>
-          <a:xfrm>
-            <a:off x="838200" y="727514"/>
-            <a:ext cx="10515600" cy="656148"/>
-          </a:xfrm>
-        </p:spPr>
+        <p:spPr/>
         <p:txBody>
           <a:bodyPr>
             <a:normAutofit fontScale="90000"/>
@@ -2530,18 +2609,32 @@
           <a:lstStyle/>
           <a:p>
             <a:r>
+              <a:rPr lang="en-US" b="1" dirty="0">
+                <a:solidFill>
+                  <a:schemeClr val="accent6"/>
+                </a:solidFill>
+              </a:rPr>
+              <a:t>Breakout Session </a:t>
+            </a:r>
+            <a:r>
               <a:rPr lang="en-US" b="1" dirty="0"/>
-              <a:t>Sets</a:t>
-            </a:r>
-          </a:p>
-        </p:txBody>
-      </p:sp>
-      <p:sp>
-        <p:nvSpPr>
-          <p:cNvPr id="3" name="Content Placeholder 2">
-            <a:extLst>
-              <a:ext uri="{FF2B5EF4-FFF2-40B4-BE49-F238E27FC236}">
-                <a16:creationId xmlns:a16="http://schemas.microsoft.com/office/drawing/2014/main" id="{815EE6AB-A029-4EEE-B18C-9C78720CD03A}"/>
+              <a:t>2</a:t>
+            </a:r>
+            <a:endParaRPr lang="en-US" dirty="0">
+              <a:solidFill>
+                <a:schemeClr val="accent6"/>
+              </a:solidFill>
+              <a:latin typeface="Consolas" panose="020B0609020204030204" pitchFamily="49" charset="0"/>
+            </a:endParaRPr>
+          </a:p>
+        </p:txBody>
+      </p:sp>
+      <p:sp>
+        <p:nvSpPr>
+          <p:cNvPr id="6" name="Content Placeholder 5">
+            <a:extLst>
+              <a:ext uri="{FF2B5EF4-FFF2-40B4-BE49-F238E27FC236}">
+                <a16:creationId xmlns:a16="http://schemas.microsoft.com/office/drawing/2014/main" id="{F93F64D9-1EBE-4498-9407-D1C67AB3CF2B}"/>
               </a:ext>
             </a:extLst>
           </p:cNvPr>
@@ -2554,34 +2647,22 @@
         </p:nvSpPr>
         <p:spPr>
           <a:xfrm>
-            <a:off x="838201" y="1825624"/>
-            <a:ext cx="4695092" cy="4835479"/>
+            <a:off x="838200" y="1825624"/>
+            <a:ext cx="6821384" cy="3061180"/>
           </a:xfrm>
         </p:spPr>
         <p:txBody>
           <a:bodyPr>
-            <a:normAutofit lnSpcReduction="10000"/>
-          </a:bodyPr>
-          <a:lstStyle/>
-          <a:p>
-            <a:r>
-              <a:rPr lang="en-US" dirty="0"/>
-              <a:t>A set </a:t>
-            </a:r>
-            <a:r>
-              <a:rPr lang="en-US" b="1" dirty="0">
-                <a:solidFill>
-                  <a:schemeClr val="accent6"/>
-                </a:solidFill>
-              </a:rPr>
-              <a:t>{</a:t>
-            </a:r>
-            <a:r>
-              <a:rPr lang="en-US" b="1" dirty="0"/>
-              <a:t>exp1</a:t>
-            </a:r>
-            <a:r>
-              <a:rPr lang="en-US" b="1" dirty="0">
+            <a:normAutofit/>
+          </a:bodyPr>
+          <a:lstStyle/>
+          <a:p>
+            <a:r>
+              <a:rPr lang="en-US" sz="4000" dirty="0"/>
+              <a:t>In this Breakout Session</a:t>
+            </a:r>
+            <a:r>
+              <a:rPr lang="en-US" sz="4000" dirty="0">
                 <a:solidFill>
                   <a:schemeClr val="accent2"/>
                 </a:solidFill>
@@ -2589,366 +2670,129 @@
               <a:t>,</a:t>
             </a:r>
             <a:r>
-              <a:rPr lang="en-US" b="1" dirty="0"/>
-              <a:t> exp2</a:t>
-            </a:r>
-            <a:r>
-              <a:rPr lang="en-US" b="1" dirty="0">
+              <a:rPr lang="en-US" sz="4000" dirty="0"/>
+              <a:t> you</a:t>
+            </a:r>
+            <a:r>
+              <a:rPr lang="en-US" sz="4000" dirty="0">
                 <a:solidFill>
                   <a:schemeClr val="accent2"/>
                 </a:solidFill>
               </a:rPr>
-              <a:t>,</a:t>
-            </a:r>
-            <a:r>
-              <a:rPr lang="en-US" b="1" dirty="0"/>
-              <a:t> …</a:t>
-            </a:r>
-            <a:r>
-              <a:rPr lang="en-US" b="1" dirty="0">
-                <a:solidFill>
-                  <a:schemeClr val="accent6"/>
-                </a:solidFill>
-              </a:rPr>
-              <a:t>}</a:t>
-            </a:r>
-            <a:r>
-              <a:rPr lang="en-US" b="1" dirty="0"/>
-              <a:t> </a:t>
-            </a:r>
-            <a:r>
-              <a:rPr lang="en-US" dirty="0"/>
-              <a:t>is an unordered collection of distinct items that does not record element position or order of insertion</a:t>
-            </a:r>
-            <a:r>
-              <a:rPr lang="en-US" dirty="0">
-                <a:solidFill>
-                  <a:schemeClr val="accent2"/>
+              <a:t>’</a:t>
+            </a:r>
+            <a:r>
+              <a:rPr lang="en-US" sz="4000" dirty="0"/>
+              <a:t>ll loop through a collection of some of my favorite albums and print the content</a:t>
+            </a:r>
+            <a:r>
+              <a:rPr lang="en-US" sz="4000" dirty="0">
+                <a:solidFill>
+                  <a:schemeClr val="accent1"/>
                 </a:solidFill>
               </a:rPr>
               <a:t>.</a:t>
             </a:r>
           </a:p>
-          <a:p>
-            <a:r>
-              <a:rPr lang="en-US" dirty="0"/>
-              <a:t>Accordingly</a:t>
-            </a:r>
-            <a:r>
-              <a:rPr lang="en-US" dirty="0">
-                <a:solidFill>
-                  <a:schemeClr val="accent2"/>
-                </a:solidFill>
-              </a:rPr>
-              <a:t>,</a:t>
-            </a:r>
-            <a:r>
-              <a:rPr lang="en-US" dirty="0"/>
-              <a:t> sets do not support indexing</a:t>
-            </a:r>
-            <a:r>
-              <a:rPr lang="en-US" dirty="0">
-                <a:solidFill>
-                  <a:schemeClr val="accent2"/>
-                </a:solidFill>
-              </a:rPr>
-              <a:t>,</a:t>
-            </a:r>
-            <a:r>
-              <a:rPr lang="en-US" dirty="0"/>
-              <a:t> slicing, or other sequence</a:t>
-            </a:r>
-            <a:r>
-              <a:rPr lang="en-US" dirty="0">
-                <a:solidFill>
-                  <a:schemeClr val="accent2"/>
-                </a:solidFill>
-              </a:rPr>
-              <a:t>-</a:t>
-            </a:r>
-            <a:r>
-              <a:rPr lang="en-US" dirty="0"/>
-              <a:t>like behavior</a:t>
-            </a:r>
-            <a:r>
-              <a:rPr lang="en-US" dirty="0">
-                <a:solidFill>
-                  <a:schemeClr val="accent2"/>
-                </a:solidFill>
-              </a:rPr>
-              <a:t>.</a:t>
-            </a:r>
-          </a:p>
-          <a:p>
-            <a:r>
-              <a:rPr lang="en-US" dirty="0"/>
-              <a:t>Their primary purpose is to hold distinct items</a:t>
-            </a:r>
-            <a:r>
-              <a:rPr lang="en-US" dirty="0">
-                <a:solidFill>
-                  <a:schemeClr val="accent2"/>
+        </p:txBody>
+      </p:sp>
+      <p:sp>
+        <p:nvSpPr>
+          <p:cNvPr id="9" name="Rectangle: Rounded Corners 8">
+            <a:extLst>
+              <a:ext uri="{FF2B5EF4-FFF2-40B4-BE49-F238E27FC236}">
+                <a16:creationId xmlns:a16="http://schemas.microsoft.com/office/drawing/2014/main" id="{526C0B66-D21E-4DAE-871C-5EC33E4FD3BD}"/>
+              </a:ext>
+            </a:extLst>
+          </p:cNvPr>
+          <p:cNvSpPr/>
+          <p:nvPr/>
+        </p:nvSpPr>
+        <p:spPr>
+          <a:xfrm>
+            <a:off x="7844590" y="1949006"/>
+            <a:ext cx="3958389" cy="4418765"/>
+          </a:xfrm>
+          <a:prstGeom prst="roundRect">
+            <a:avLst/>
+          </a:prstGeom>
+          <a:noFill/>
+          <a:ln w="76200">
+            <a:solidFill>
+              <a:schemeClr val="accent2"/>
+            </a:solidFill>
+          </a:ln>
+        </p:spPr>
+        <p:style>
+          <a:lnRef idx="2">
+            <a:schemeClr val="accent1">
+              <a:shade val="50000"/>
+            </a:schemeClr>
+          </a:lnRef>
+          <a:fillRef idx="1">
+            <a:schemeClr val="accent1"/>
+          </a:fillRef>
+          <a:effectRef idx="0">
+            <a:schemeClr val="accent1"/>
+          </a:effectRef>
+          <a:fontRef idx="minor">
+            <a:schemeClr val="lt1"/>
+          </a:fontRef>
+        </p:style>
+        <p:txBody>
+          <a:bodyPr rtlCol="0" anchor="ctr"/>
+          <a:lstStyle/>
+          <a:p>
+            <a:r>
+              <a:rPr lang="en-US" sz="4400" b="1" dirty="0">
+                <a:solidFill>
+                  <a:srgbClr val="FFFFFF"/>
+                </a:solidFill>
+              </a:rPr>
+              <a:t>Open your notebook</a:t>
+            </a:r>
+          </a:p>
+          <a:p>
+            <a:endParaRPr lang="en-US" sz="4400" b="1" dirty="0">
+              <a:solidFill>
+                <a:srgbClr val="FFFFFF"/>
+              </a:solidFill>
+            </a:endParaRPr>
+          </a:p>
+          <a:p>
+            <a:r>
+              <a:rPr lang="en-US" sz="2800" b="1" dirty="0">
+                <a:solidFill>
+                  <a:srgbClr val="FFFFFF"/>
+                </a:solidFill>
+              </a:rPr>
+              <a:t>Click Link</a:t>
+            </a:r>
+            <a:r>
+              <a:rPr lang="en-US" sz="2800" b="1" dirty="0">
+                <a:solidFill>
+                  <a:schemeClr val="accent6"/>
                 </a:solidFill>
               </a:rPr>
               <a:t>:</a:t>
             </a:r>
-            <a:r>
-              <a:rPr lang="en-US" dirty="0"/>
-              <a:t> there are no duplicates in sets</a:t>
-            </a:r>
-            <a:r>
-              <a:rPr lang="en-US" dirty="0">
-                <a:solidFill>
-                  <a:schemeClr val="accent2"/>
-                </a:solidFill>
-              </a:rPr>
-              <a:t>.</a:t>
-            </a:r>
-          </a:p>
-        </p:txBody>
-      </p:sp>
-      <p:sp>
-        <p:nvSpPr>
-          <p:cNvPr id="24" name="TextBox 23">
-            <a:extLst>
-              <a:ext uri="{FF2B5EF4-FFF2-40B4-BE49-F238E27FC236}">
-                <a16:creationId xmlns:a16="http://schemas.microsoft.com/office/drawing/2014/main" id="{577D10B9-8DFE-4CD5-BCEB-F5B82CD17E76}"/>
-              </a:ext>
-            </a:extLst>
-          </p:cNvPr>
-          <p:cNvSpPr txBox="1"/>
-          <p:nvPr/>
-        </p:nvSpPr>
-        <p:spPr>
-          <a:xfrm>
-            <a:off x="5533293" y="2294544"/>
-            <a:ext cx="6636753" cy="1569660"/>
-          </a:xfrm>
-          <a:prstGeom prst="rect">
-            <a:avLst/>
-          </a:prstGeom>
-          <a:noFill/>
-        </p:spPr>
-        <p:txBody>
-          <a:bodyPr wrap="none" rtlCol="0">
-            <a:spAutoFit/>
-          </a:bodyPr>
-          <a:lstStyle/>
-          <a:p>
-            <a:r>
-              <a:rPr lang="en-US" sz="2400" b="1" dirty="0">
-                <a:solidFill>
-                  <a:srgbClr val="00FF00"/>
-                </a:solidFill>
-                <a:latin typeface="Courier New" panose="02070309020205020404" pitchFamily="49" charset="0"/>
-                <a:cs typeface="Courier New" panose="02070309020205020404" pitchFamily="49" charset="0"/>
-              </a:rPr>
-              <a:t>[‘ford’, ‘tesla’, ‘dodge’, ‘tesla’]</a:t>
-            </a:r>
-          </a:p>
-          <a:p>
-            <a:endParaRPr lang="en-US" sz="2400" b="1" dirty="0">
-              <a:solidFill>
-                <a:srgbClr val="00FF00"/>
-              </a:solidFill>
-              <a:latin typeface="Courier New" panose="02070309020205020404" pitchFamily="49" charset="0"/>
-              <a:cs typeface="Courier New" panose="02070309020205020404" pitchFamily="49" charset="0"/>
-            </a:endParaRPr>
-          </a:p>
-          <a:p>
-            <a:r>
-              <a:rPr lang="en-US" sz="2400" b="1" dirty="0">
-                <a:solidFill>
-                  <a:srgbClr val="E00BE5"/>
-                </a:solidFill>
-                <a:latin typeface="Courier New" panose="02070309020205020404" pitchFamily="49" charset="0"/>
-                <a:cs typeface="Courier New" panose="02070309020205020404" pitchFamily="49" charset="0"/>
-              </a:rPr>
-              <a:t>&gt;&gt;&gt;</a:t>
-            </a:r>
-            <a:r>
-              <a:rPr lang="en-US" sz="2400" b="1" dirty="0">
-                <a:solidFill>
-                  <a:srgbClr val="00FF00"/>
-                </a:solidFill>
-                <a:latin typeface="Courier New" panose="02070309020205020404" pitchFamily="49" charset="0"/>
-                <a:cs typeface="Courier New" panose="02070309020205020404" pitchFamily="49" charset="0"/>
-              </a:rPr>
-              <a:t> cars[0:2]</a:t>
-            </a:r>
-          </a:p>
-          <a:p>
-            <a:r>
-              <a:rPr lang="en-US" sz="2400" b="1" dirty="0">
-                <a:solidFill>
-                  <a:srgbClr val="00FF00"/>
-                </a:solidFill>
-                <a:latin typeface="Courier New" panose="02070309020205020404" pitchFamily="49" charset="0"/>
-                <a:cs typeface="Courier New" panose="02070309020205020404" pitchFamily="49" charset="0"/>
-              </a:rPr>
-              <a:t>‘ford’, ‘tesla’</a:t>
-            </a:r>
-          </a:p>
-        </p:txBody>
-      </p:sp>
-      <p:sp>
-        <p:nvSpPr>
-          <p:cNvPr id="27" name="TextBox 26">
-            <a:extLst>
-              <a:ext uri="{FF2B5EF4-FFF2-40B4-BE49-F238E27FC236}">
-                <a16:creationId xmlns:a16="http://schemas.microsoft.com/office/drawing/2014/main" id="{E77F3189-61DA-4805-8120-F6D6A1E8E1D1}"/>
-              </a:ext>
-            </a:extLst>
-          </p:cNvPr>
-          <p:cNvSpPr txBox="1"/>
-          <p:nvPr/>
-        </p:nvSpPr>
-        <p:spPr>
-          <a:xfrm>
-            <a:off x="5533292" y="5119799"/>
-            <a:ext cx="4977645" cy="1569660"/>
-          </a:xfrm>
-          <a:prstGeom prst="rect">
-            <a:avLst/>
-          </a:prstGeom>
-          <a:noFill/>
-        </p:spPr>
-        <p:txBody>
-          <a:bodyPr wrap="none" rtlCol="0">
-            <a:spAutoFit/>
-          </a:bodyPr>
-          <a:lstStyle/>
-          <a:p>
-            <a:r>
-              <a:rPr lang="en-US" sz="2400" b="1" dirty="0">
-                <a:solidFill>
-                  <a:srgbClr val="00FF00"/>
-                </a:solidFill>
-                <a:latin typeface="Courier New" panose="02070309020205020404" pitchFamily="49" charset="0"/>
-                <a:cs typeface="Courier New" panose="02070309020205020404" pitchFamily="49" charset="0"/>
-              </a:rPr>
-              <a:t>{‘ford’, ‘tesla’, ‘dodge’}</a:t>
-            </a:r>
-          </a:p>
-          <a:p>
-            <a:r>
-              <a:rPr lang="en-US" sz="2400" b="1" dirty="0">
-                <a:solidFill>
-                  <a:srgbClr val="E00BE5"/>
-                </a:solidFill>
-                <a:latin typeface="Courier New" panose="02070309020205020404" pitchFamily="49" charset="0"/>
-                <a:cs typeface="Courier New" panose="02070309020205020404" pitchFamily="49" charset="0"/>
-              </a:rPr>
-              <a:t>&gt;&gt;&gt;</a:t>
-            </a:r>
-            <a:r>
-              <a:rPr lang="en-US" sz="2400" b="1" dirty="0">
-                <a:solidFill>
-                  <a:srgbClr val="00FF00"/>
-                </a:solidFill>
-                <a:latin typeface="Courier New" panose="02070309020205020404" pitchFamily="49" charset="0"/>
-                <a:cs typeface="Courier New" panose="02070309020205020404" pitchFamily="49" charset="0"/>
-              </a:rPr>
-              <a:t> cars[0:2]</a:t>
-            </a:r>
-          </a:p>
-          <a:p>
-            <a:r>
-              <a:rPr lang="en-US" sz="2400" b="1" dirty="0">
-                <a:solidFill>
-                  <a:srgbClr val="FF0000"/>
-                </a:solidFill>
-                <a:latin typeface="Courier New" panose="02070309020205020404" pitchFamily="49" charset="0"/>
-                <a:cs typeface="Courier New" panose="02070309020205020404" pitchFamily="49" charset="0"/>
-              </a:rPr>
-              <a:t>Error</a:t>
-            </a:r>
-          </a:p>
-          <a:p>
-            <a:endParaRPr lang="en-US" sz="2400" b="1" dirty="0">
-              <a:solidFill>
-                <a:srgbClr val="00FF00"/>
-              </a:solidFill>
-              <a:latin typeface="Courier New" panose="02070309020205020404" pitchFamily="49" charset="0"/>
-              <a:cs typeface="Courier New" panose="02070309020205020404" pitchFamily="49" charset="0"/>
-            </a:endParaRPr>
-          </a:p>
-        </p:txBody>
-      </p:sp>
-      <p:sp>
-        <p:nvSpPr>
-          <p:cNvPr id="4" name="TextBox 3">
-            <a:extLst>
-              <a:ext uri="{FF2B5EF4-FFF2-40B4-BE49-F238E27FC236}">
-                <a16:creationId xmlns:a16="http://schemas.microsoft.com/office/drawing/2014/main" id="{8D783FE1-F677-4B94-8E58-4F485CDF9A60}"/>
-              </a:ext>
-            </a:extLst>
-          </p:cNvPr>
-          <p:cNvSpPr txBox="1"/>
-          <p:nvPr/>
-        </p:nvSpPr>
-        <p:spPr>
-          <a:xfrm>
-            <a:off x="5533290" y="1709769"/>
-            <a:ext cx="853119" cy="584775"/>
-          </a:xfrm>
-          <a:prstGeom prst="rect">
-            <a:avLst/>
-          </a:prstGeom>
-          <a:noFill/>
-        </p:spPr>
-        <p:txBody>
-          <a:bodyPr wrap="none" rtlCol="0">
-            <a:spAutoFit/>
-          </a:bodyPr>
-          <a:lstStyle/>
-          <a:p>
-            <a:r>
-              <a:rPr lang="en-US" sz="3200" b="1" dirty="0">
-                <a:solidFill>
-                  <a:schemeClr val="accent6"/>
-                </a:solidFill>
-              </a:rPr>
-              <a:t>List</a:t>
-            </a:r>
-          </a:p>
-        </p:txBody>
-      </p:sp>
-      <p:sp>
-        <p:nvSpPr>
-          <p:cNvPr id="28" name="TextBox 27">
-            <a:extLst>
-              <a:ext uri="{FF2B5EF4-FFF2-40B4-BE49-F238E27FC236}">
-                <a16:creationId xmlns:a16="http://schemas.microsoft.com/office/drawing/2014/main" id="{C2F6EE2C-026E-4A89-8521-1E344EC1AD6D}"/>
-              </a:ext>
-            </a:extLst>
-          </p:cNvPr>
-          <p:cNvSpPr txBox="1"/>
-          <p:nvPr/>
-        </p:nvSpPr>
-        <p:spPr>
-          <a:xfrm>
-            <a:off x="5533290" y="4535024"/>
-            <a:ext cx="798617" cy="584775"/>
-          </a:xfrm>
-          <a:prstGeom prst="rect">
-            <a:avLst/>
-          </a:prstGeom>
-          <a:noFill/>
-        </p:spPr>
-        <p:txBody>
-          <a:bodyPr wrap="none" rtlCol="0">
-            <a:spAutoFit/>
-          </a:bodyPr>
-          <a:lstStyle/>
-          <a:p>
-            <a:r>
-              <a:rPr lang="en-US" sz="3200" b="1" dirty="0">
-                <a:solidFill>
-                  <a:schemeClr val="accent6"/>
-                </a:solidFill>
-              </a:rPr>
-              <a:t>Set</a:t>
+          </a:p>
+          <a:p>
+            <a:r>
+              <a:rPr lang="en-US" sz="2800" b="1" dirty="0">
+                <a:solidFill>
+                  <a:schemeClr val="accent6"/>
+                </a:solidFill>
+              </a:rPr>
+              <a:t>6. </a:t>
+            </a:r>
+            <a:r>
+              <a:rPr lang="en-US" sz="2600" b="1" dirty="0">
+                <a:solidFill>
+                  <a:schemeClr val="accent6"/>
+                </a:solidFill>
+              </a:rPr>
+              <a:t>Breakout Session 2</a:t>
             </a:r>
           </a:p>
         </p:txBody>
@@ -2956,7 +2800,7 @@
     </p:spTree>
     <p:extLst>
       <p:ext uri="{BB962C8B-B14F-4D97-AF65-F5344CB8AC3E}">
-        <p14:creationId xmlns:p14="http://schemas.microsoft.com/office/powerpoint/2010/main" val="4162892297"/>
+        <p14:creationId xmlns:p14="http://schemas.microsoft.com/office/powerpoint/2010/main" val="792570783"/>
       </p:ext>
     </p:extLst>
   </p:cSld>
@@ -3036,33 +2880,85 @@
         </p:nvSpPr>
         <p:spPr>
           <a:xfrm>
-            <a:off x="838200" y="1825624"/>
-            <a:ext cx="3578845" cy="4835479"/>
+            <a:off x="838201" y="1825624"/>
+            <a:ext cx="4695092" cy="4835479"/>
           </a:xfrm>
         </p:spPr>
         <p:txBody>
           <a:bodyPr>
-            <a:normAutofit/>
+            <a:normAutofit lnSpcReduction="10000"/>
           </a:bodyPr>
           <a:lstStyle/>
           <a:p>
             <a:r>
               <a:rPr lang="en-US" dirty="0"/>
-              <a:t>Here we have two Sets</a:t>
-            </a:r>
-            <a:r>
-              <a:rPr lang="en-US" dirty="0">
+              <a:t>A set </a:t>
+            </a:r>
+            <a:r>
+              <a:rPr lang="en-US" b="1" dirty="0">
+                <a:solidFill>
+                  <a:schemeClr val="accent6"/>
+                </a:solidFill>
+              </a:rPr>
+              <a:t>{</a:t>
+            </a:r>
+            <a:r>
+              <a:rPr lang="en-US" b="1" dirty="0"/>
+              <a:t>exp1</a:t>
+            </a:r>
+            <a:r>
+              <a:rPr lang="en-US" b="1" dirty="0">
                 <a:solidFill>
                   <a:schemeClr val="accent2"/>
                 </a:solidFill>
               </a:rPr>
+              <a:t>,</a:t>
+            </a:r>
+            <a:r>
+              <a:rPr lang="en-US" b="1" dirty="0"/>
+              <a:t> exp2</a:t>
+            </a:r>
+            <a:r>
+              <a:rPr lang="en-US" b="1" dirty="0">
+                <a:solidFill>
+                  <a:schemeClr val="accent2"/>
+                </a:solidFill>
+              </a:rPr>
+              <a:t>,</a:t>
+            </a:r>
+            <a:r>
+              <a:rPr lang="en-US" b="1" dirty="0"/>
+              <a:t> …</a:t>
+            </a:r>
+            <a:r>
+              <a:rPr lang="en-US" b="1" dirty="0">
+                <a:solidFill>
+                  <a:schemeClr val="accent6"/>
+                </a:solidFill>
+              </a:rPr>
+              <a:t>}</a:t>
+            </a:r>
+            <a:r>
+              <a:rPr lang="en-US" b="1" dirty="0"/>
+              <a:t> </a:t>
+            </a:r>
+            <a:r>
+              <a:rPr lang="en-US" dirty="0"/>
+              <a:t>is an unordered collection of distinct items that does not record element position or order of insertion</a:t>
+            </a:r>
+            <a:r>
+              <a:rPr lang="en-US" dirty="0">
+                <a:solidFill>
+                  <a:schemeClr val="accent2"/>
+                </a:solidFill>
+              </a:rPr>
               <a:t>.</a:t>
             </a:r>
           </a:p>
           <a:p>
             <a:r>
               <a:rPr lang="en-US" dirty="0"/>
-              <a:t>Cars sold in North America and cars sold in Europe</a:t>
+              <a:t>Accordingly</a:t>
             </a:r>
             <a:r>
               <a:rPr lang="en-US" dirty="0">
@@ -3070,13 +2966,49 @@
                   <a:schemeClr val="accent2"/>
                 </a:solidFill>
               </a:rPr>
+              <a:t>,</a:t>
+            </a:r>
+            <a:r>
+              <a:rPr lang="en-US" dirty="0"/>
+              <a:t> sets do not support indexing</a:t>
+            </a:r>
+            <a:r>
+              <a:rPr lang="en-US" dirty="0">
+                <a:solidFill>
+                  <a:schemeClr val="accent2"/>
+                </a:solidFill>
+              </a:rPr>
+              <a:t>,</a:t>
+            </a:r>
+            <a:r>
+              <a:rPr lang="en-US" dirty="0"/>
+              <a:t> slicing, or other sequence</a:t>
+            </a:r>
+            <a:r>
+              <a:rPr lang="en-US" dirty="0">
+                <a:solidFill>
+                  <a:schemeClr val="accent2"/>
+                </a:solidFill>
+              </a:rPr>
+              <a:t>-</a:t>
+            </a:r>
+            <a:r>
+              <a:rPr lang="en-US" dirty="0"/>
+              <a:t>like behavior</a:t>
+            </a:r>
+            <a:r>
+              <a:rPr lang="en-US" dirty="0">
+                <a:solidFill>
+                  <a:schemeClr val="accent2"/>
+                </a:solidFill>
+              </a:rPr>
               <a:t>.</a:t>
             </a:r>
           </a:p>
           <a:p>
             <a:r>
               <a:rPr lang="en-US" dirty="0"/>
-              <a:t>From this graphic</a:t>
+              <a:t>Their primary purpose is to hold distinct items</a:t>
             </a:r>
             <a:r>
               <a:rPr lang="en-US" dirty="0">
@@ -3084,11 +3016,11 @@
                   <a:schemeClr val="accent2"/>
                 </a:solidFill>
               </a:rPr>
-              <a:t>,</a:t>
+              <a:t>:</a:t>
             </a:r>
             <a:r>
               <a:rPr lang="en-US" dirty="0"/>
-              <a:t> its easy to see that Sets are unordered</a:t>
+              <a:t> there are no duplicates in sets</a:t>
             </a:r>
             <a:r>
               <a:rPr lang="en-US" dirty="0">
@@ -3103,114 +3035,10 @@
       </p:sp>
       <p:sp>
         <p:nvSpPr>
-          <p:cNvPr id="5" name="Oval 4">
-            <a:extLst>
-              <a:ext uri="{FF2B5EF4-FFF2-40B4-BE49-F238E27FC236}">
-                <a16:creationId xmlns:a16="http://schemas.microsoft.com/office/drawing/2014/main" id="{539B31E6-F9C0-4333-A726-864A7D55522A}"/>
-              </a:ext>
-            </a:extLst>
-          </p:cNvPr>
-          <p:cNvSpPr/>
-          <p:nvPr/>
-        </p:nvSpPr>
-        <p:spPr>
-          <a:xfrm>
-            <a:off x="4583716" y="1940174"/>
-            <a:ext cx="3329353" cy="3329353"/>
-          </a:xfrm>
-          <a:prstGeom prst="ellipse">
-            <a:avLst/>
-          </a:prstGeom>
-          <a:noFill/>
-          <a:ln w="76200">
-            <a:solidFill>
-              <a:schemeClr val="accent2"/>
-            </a:solidFill>
-          </a:ln>
-        </p:spPr>
-        <p:style>
-          <a:lnRef idx="2">
-            <a:schemeClr val="accent1">
-              <a:shade val="50000"/>
-            </a:schemeClr>
-          </a:lnRef>
-          <a:fillRef idx="1">
-            <a:schemeClr val="accent1"/>
-          </a:fillRef>
-          <a:effectRef idx="0">
-            <a:schemeClr val="accent1"/>
-          </a:effectRef>
-          <a:fontRef idx="minor">
-            <a:schemeClr val="lt1"/>
-          </a:fontRef>
-        </p:style>
-        <p:txBody>
-          <a:bodyPr rtlCol="0" anchor="ctr"/>
-          <a:lstStyle/>
-          <a:p>
-            <a:pPr algn="ctr"/>
-            <a:endParaRPr lang="en-US"/>
-          </a:p>
-        </p:txBody>
-      </p:sp>
-      <p:sp>
-        <p:nvSpPr>
-          <p:cNvPr id="9" name="Oval 8">
-            <a:extLst>
-              <a:ext uri="{FF2B5EF4-FFF2-40B4-BE49-F238E27FC236}">
-                <a16:creationId xmlns:a16="http://schemas.microsoft.com/office/drawing/2014/main" id="{C580CE74-D910-4DE7-8241-2B5E2BD5E42F}"/>
-              </a:ext>
-            </a:extLst>
-          </p:cNvPr>
-          <p:cNvSpPr/>
-          <p:nvPr/>
-        </p:nvSpPr>
-        <p:spPr>
-          <a:xfrm>
-            <a:off x="8487499" y="1940174"/>
-            <a:ext cx="3329353" cy="3329353"/>
-          </a:xfrm>
-          <a:prstGeom prst="ellipse">
-            <a:avLst/>
-          </a:prstGeom>
-          <a:noFill/>
-          <a:ln w="76200">
-            <a:solidFill>
-              <a:schemeClr val="accent2"/>
-            </a:solidFill>
-          </a:ln>
-        </p:spPr>
-        <p:style>
-          <a:lnRef idx="2">
-            <a:schemeClr val="accent1">
-              <a:shade val="50000"/>
-            </a:schemeClr>
-          </a:lnRef>
-          <a:fillRef idx="1">
-            <a:schemeClr val="accent1"/>
-          </a:fillRef>
-          <a:effectRef idx="0">
-            <a:schemeClr val="accent1"/>
-          </a:effectRef>
-          <a:fontRef idx="minor">
-            <a:schemeClr val="lt1"/>
-          </a:fontRef>
-        </p:style>
-        <p:txBody>
-          <a:bodyPr rtlCol="0" anchor="ctr"/>
-          <a:lstStyle/>
-          <a:p>
-            <a:pPr algn="ctr"/>
-            <a:endParaRPr lang="en-US"/>
-          </a:p>
-        </p:txBody>
-      </p:sp>
-      <p:sp>
-        <p:nvSpPr>
-          <p:cNvPr id="10" name="TextBox 9">
-            <a:extLst>
-              <a:ext uri="{FF2B5EF4-FFF2-40B4-BE49-F238E27FC236}">
-                <a16:creationId xmlns:a16="http://schemas.microsoft.com/office/drawing/2014/main" id="{F471CDF7-46E1-400A-9DFA-11E237985B2A}"/>
+          <p:cNvPr id="24" name="TextBox 23">
+            <a:extLst>
+              <a:ext uri="{FF2B5EF4-FFF2-40B4-BE49-F238E27FC236}">
+                <a16:creationId xmlns:a16="http://schemas.microsoft.com/office/drawing/2014/main" id="{577D10B9-8DFE-4CD5-BCEB-F5B82CD17E76}"/>
               </a:ext>
             </a:extLst>
           </p:cNvPr>
@@ -3219,8 +3047,8 @@
         </p:nvSpPr>
         <p:spPr>
           <a:xfrm>
-            <a:off x="5461253" y="841720"/>
-            <a:ext cx="1574277" cy="954107"/>
+            <a:off x="5533293" y="2294544"/>
+            <a:ext cx="6636753" cy="1569660"/>
           </a:xfrm>
           <a:prstGeom prst="rect">
             <a:avLst/>
@@ -3233,35 +3061,68 @@
           </a:bodyPr>
           <a:lstStyle/>
           <a:p>
-            <a:pPr algn="ctr"/>
-            <a:r>
-              <a:rPr lang="en-US" sz="2800" b="1" dirty="0">
-                <a:solidFill>
-                  <a:srgbClr val="FFFFFF"/>
-                </a:solidFill>
-              </a:rPr>
-              <a:t>North</a:t>
-            </a:r>
-          </a:p>
-          <a:p>
-            <a:pPr algn="ctr"/>
-            <a:r>
-              <a:rPr lang="en-US" sz="2800" b="1" dirty="0">
-                <a:solidFill>
-                  <a:srgbClr val="FFFFFF"/>
-                </a:solidFill>
-              </a:rPr>
-              <a:t>America</a:t>
-            </a:r>
-          </a:p>
-        </p:txBody>
-      </p:sp>
-      <p:sp>
-        <p:nvSpPr>
-          <p:cNvPr id="11" name="TextBox 10">
-            <a:extLst>
-              <a:ext uri="{FF2B5EF4-FFF2-40B4-BE49-F238E27FC236}">
-                <a16:creationId xmlns:a16="http://schemas.microsoft.com/office/drawing/2014/main" id="{D9EAE5F2-79DE-45E5-B43E-F0AEC62F4694}"/>
+            <a:r>
+              <a:rPr lang="en-US" sz="2400" b="1" dirty="0">
+                <a:solidFill>
+                  <a:srgbClr val="00FF00"/>
+                </a:solidFill>
+                <a:latin typeface="Courier New" panose="02070309020205020404" pitchFamily="49" charset="0"/>
+                <a:cs typeface="Courier New" panose="02070309020205020404" pitchFamily="49" charset="0"/>
+              </a:rPr>
+              <a:t>[‘ford’, ‘tesla’, ‘dodge’, ‘tesla’]</a:t>
+            </a:r>
+          </a:p>
+          <a:p>
+            <a:endParaRPr lang="en-US" sz="2400" b="1" dirty="0">
+              <a:solidFill>
+                <a:srgbClr val="00FF00"/>
+              </a:solidFill>
+              <a:latin typeface="Courier New" panose="02070309020205020404" pitchFamily="49" charset="0"/>
+              <a:cs typeface="Courier New" panose="02070309020205020404" pitchFamily="49" charset="0"/>
+            </a:endParaRPr>
+          </a:p>
+          <a:p>
+            <a:r>
+              <a:rPr lang="en-US" sz="2400" b="1" dirty="0">
+                <a:solidFill>
+                  <a:srgbClr val="E00BE5"/>
+                </a:solidFill>
+                <a:latin typeface="Courier New" panose="02070309020205020404" pitchFamily="49" charset="0"/>
+                <a:cs typeface="Courier New" panose="02070309020205020404" pitchFamily="49" charset="0"/>
+              </a:rPr>
+              <a:t>&gt;&gt;&gt;</a:t>
+            </a:r>
+            <a:r>
+              <a:rPr lang="en-US" sz="2400" b="1" dirty="0">
+                <a:solidFill>
+                  <a:srgbClr val="00FF00"/>
+                </a:solidFill>
+                <a:latin typeface="Courier New" panose="02070309020205020404" pitchFamily="49" charset="0"/>
+                <a:cs typeface="Courier New" panose="02070309020205020404" pitchFamily="49" charset="0"/>
+              </a:rPr>
+              <a:t> cars[0:2]</a:t>
+            </a:r>
+          </a:p>
+          <a:p>
+            <a:r>
+              <a:rPr lang="en-US" sz="2400" b="1" dirty="0">
+                <a:solidFill>
+                  <a:srgbClr val="00FF00"/>
+                </a:solidFill>
+                <a:latin typeface="Courier New" panose="02070309020205020404" pitchFamily="49" charset="0"/>
+                <a:cs typeface="Courier New" panose="02070309020205020404" pitchFamily="49" charset="0"/>
+              </a:rPr>
+              <a:t>‘ford’, ‘tesla’</a:t>
+            </a:r>
+          </a:p>
+        </p:txBody>
+      </p:sp>
+      <p:sp>
+        <p:nvSpPr>
+          <p:cNvPr id="27" name="TextBox 26">
+            <a:extLst>
+              <a:ext uri="{FF2B5EF4-FFF2-40B4-BE49-F238E27FC236}">
+                <a16:creationId xmlns:a16="http://schemas.microsoft.com/office/drawing/2014/main" id="{E77F3189-61DA-4805-8120-F6D6A1E8E1D1}"/>
               </a:ext>
             </a:extLst>
           </p:cNvPr>
@@ -3270,8 +3131,8 @@
         </p:nvSpPr>
         <p:spPr>
           <a:xfrm>
-            <a:off x="9466634" y="1272607"/>
-            <a:ext cx="1371081" cy="523220"/>
+            <a:off x="5533292" y="5119799"/>
+            <a:ext cx="4977645" cy="1569660"/>
           </a:xfrm>
           <a:prstGeom prst="rect">
             <a:avLst/>
@@ -3284,24 +3145,68 @@
           </a:bodyPr>
           <a:lstStyle/>
           <a:p>
-            <a:pPr algn="ctr"/>
-            <a:r>
-              <a:rPr lang="en-US" sz="2800" b="1" dirty="0">
-                <a:solidFill>
-                  <a:srgbClr val="FFFFFF"/>
-                </a:solidFill>
-              </a:rPr>
-              <a:t>Europe</a:t>
-            </a:r>
-          </a:p>
-        </p:txBody>
-      </p:sp>
-      <p:sp>
-        <p:nvSpPr>
-          <p:cNvPr id="12" name="TextBox 11">
-            <a:extLst>
-              <a:ext uri="{FF2B5EF4-FFF2-40B4-BE49-F238E27FC236}">
-                <a16:creationId xmlns:a16="http://schemas.microsoft.com/office/drawing/2014/main" id="{36E73A82-AAF7-403B-8A43-DCFE73C2CEE1}"/>
+            <a:r>
+              <a:rPr lang="en-US" sz="2400" b="1" dirty="0">
+                <a:solidFill>
+                  <a:srgbClr val="00FF00"/>
+                </a:solidFill>
+                <a:latin typeface="Courier New" panose="02070309020205020404" pitchFamily="49" charset="0"/>
+                <a:cs typeface="Courier New" panose="02070309020205020404" pitchFamily="49" charset="0"/>
+              </a:rPr>
+              <a:t>{‘ford’, ‘tesla’, ‘dodge’}</a:t>
+            </a:r>
+          </a:p>
+          <a:p>
+            <a:r>
+              <a:rPr lang="en-US" sz="2400" b="1" dirty="0">
+                <a:solidFill>
+                  <a:srgbClr val="E00BE5"/>
+                </a:solidFill>
+                <a:latin typeface="Courier New" panose="02070309020205020404" pitchFamily="49" charset="0"/>
+                <a:cs typeface="Courier New" panose="02070309020205020404" pitchFamily="49" charset="0"/>
+              </a:rPr>
+              <a:t>&gt;&gt;&gt;</a:t>
+            </a:r>
+            <a:r>
+              <a:rPr lang="en-US" sz="2400" b="1" dirty="0">
+                <a:solidFill>
+                  <a:srgbClr val="00FF00"/>
+                </a:solidFill>
+                <a:latin typeface="Courier New" panose="02070309020205020404" pitchFamily="49" charset="0"/>
+                <a:cs typeface="Courier New" panose="02070309020205020404" pitchFamily="49" charset="0"/>
+              </a:rPr>
+              <a:t> cars[0:2]</a:t>
+            </a:r>
+          </a:p>
+          <a:p>
+            <a:r>
+              <a:rPr lang="en-US" sz="2400" b="1" dirty="0">
+                <a:solidFill>
+                  <a:srgbClr val="FF0000"/>
+                </a:solidFill>
+                <a:latin typeface="Courier New" panose="02070309020205020404" pitchFamily="49" charset="0"/>
+                <a:cs typeface="Courier New" panose="02070309020205020404" pitchFamily="49" charset="0"/>
+              </a:rPr>
+              <a:t>Error</a:t>
+            </a:r>
+          </a:p>
+          <a:p>
+            <a:endParaRPr lang="en-US" sz="2400" b="1" dirty="0">
+              <a:solidFill>
+                <a:srgbClr val="00FF00"/>
+              </a:solidFill>
+              <a:latin typeface="Courier New" panose="02070309020205020404" pitchFamily="49" charset="0"/>
+              <a:cs typeface="Courier New" panose="02070309020205020404" pitchFamily="49" charset="0"/>
+            </a:endParaRPr>
+          </a:p>
+        </p:txBody>
+      </p:sp>
+      <p:sp>
+        <p:nvSpPr>
+          <p:cNvPr id="4" name="TextBox 3">
+            <a:extLst>
+              <a:ext uri="{FF2B5EF4-FFF2-40B4-BE49-F238E27FC236}">
+                <a16:creationId xmlns:a16="http://schemas.microsoft.com/office/drawing/2014/main" id="{8D783FE1-F677-4B94-8E58-4F485CDF9A60}"/>
               </a:ext>
             </a:extLst>
           </p:cNvPr>
@@ -3310,8 +3215,8 @@
         </p:nvSpPr>
         <p:spPr>
           <a:xfrm>
-            <a:off x="9787174" y="2259314"/>
-            <a:ext cx="1183722" cy="400110"/>
+            <a:off x="5533290" y="1709769"/>
+            <a:ext cx="853119" cy="584775"/>
           </a:xfrm>
           <a:prstGeom prst="rect">
             <a:avLst/>
@@ -3324,24 +3229,23 @@
           </a:bodyPr>
           <a:lstStyle/>
           <a:p>
-            <a:pPr algn="ctr"/>
-            <a:r>
-              <a:rPr lang="en-US" sz="2000" b="1" dirty="0">
-                <a:solidFill>
-                  <a:srgbClr val="FFFFFF"/>
-                </a:solidFill>
-              </a:rPr>
-              <a:t>Peugeot</a:t>
-            </a:r>
-          </a:p>
-        </p:txBody>
-      </p:sp>
-      <p:sp>
-        <p:nvSpPr>
-          <p:cNvPr id="14" name="TextBox 13">
-            <a:extLst>
-              <a:ext uri="{FF2B5EF4-FFF2-40B4-BE49-F238E27FC236}">
-                <a16:creationId xmlns:a16="http://schemas.microsoft.com/office/drawing/2014/main" id="{9DF2984B-9FAB-4374-B75D-B3134939BDA0}"/>
+            <a:r>
+              <a:rPr lang="en-US" sz="3200" b="1" dirty="0">
+                <a:solidFill>
+                  <a:schemeClr val="accent6"/>
+                </a:solidFill>
+              </a:rPr>
+              <a:t>List</a:t>
+            </a:r>
+          </a:p>
+        </p:txBody>
+      </p:sp>
+      <p:sp>
+        <p:nvSpPr>
+          <p:cNvPr id="28" name="TextBox 27">
+            <a:extLst>
+              <a:ext uri="{FF2B5EF4-FFF2-40B4-BE49-F238E27FC236}">
+                <a16:creationId xmlns:a16="http://schemas.microsoft.com/office/drawing/2014/main" id="{C2F6EE2C-026E-4A89-8521-1E344EC1AD6D}"/>
               </a:ext>
             </a:extLst>
           </p:cNvPr>
@@ -3350,8 +3254,8 @@
         </p:nvSpPr>
         <p:spPr>
           <a:xfrm>
-            <a:off x="8909471" y="2966199"/>
-            <a:ext cx="1344214" cy="400110"/>
+            <a:off x="5533290" y="4535024"/>
+            <a:ext cx="798617" cy="584775"/>
           </a:xfrm>
           <a:prstGeom prst="rect">
             <a:avLst/>
@@ -3364,414 +3268,13 @@
           </a:bodyPr>
           <a:lstStyle/>
           <a:p>
-            <a:pPr algn="ctr"/>
-            <a:r>
-              <a:rPr lang="en-US" sz="2000" b="1" dirty="0">
-                <a:solidFill>
-                  <a:srgbClr val="FFFFFF"/>
-                </a:solidFill>
-              </a:rPr>
-              <a:t>Mercedes</a:t>
-            </a:r>
-          </a:p>
-        </p:txBody>
-      </p:sp>
-      <p:sp>
-        <p:nvSpPr>
-          <p:cNvPr id="15" name="TextBox 14">
-            <a:extLst>
-              <a:ext uri="{FF2B5EF4-FFF2-40B4-BE49-F238E27FC236}">
-                <a16:creationId xmlns:a16="http://schemas.microsoft.com/office/drawing/2014/main" id="{2606C562-6E8B-44E3-9FD7-7135974BC49C}"/>
-              </a:ext>
-            </a:extLst>
-          </p:cNvPr>
-          <p:cNvSpPr txBox="1"/>
-          <p:nvPr/>
-        </p:nvSpPr>
-        <p:spPr>
-          <a:xfrm>
-            <a:off x="10543156" y="4097426"/>
-            <a:ext cx="735073" cy="400110"/>
-          </a:xfrm>
-          <a:prstGeom prst="rect">
-            <a:avLst/>
-          </a:prstGeom>
-          <a:noFill/>
-        </p:spPr>
-        <p:txBody>
-          <a:bodyPr wrap="none" rtlCol="0">
-            <a:spAutoFit/>
-          </a:bodyPr>
-          <a:lstStyle/>
-          <a:p>
-            <a:pPr algn="ctr"/>
-            <a:r>
-              <a:rPr lang="en-US" sz="2000" b="1" dirty="0">
-                <a:solidFill>
-                  <a:srgbClr val="FFFFFF"/>
-                </a:solidFill>
-              </a:rPr>
-              <a:t>Ford</a:t>
-            </a:r>
-          </a:p>
-        </p:txBody>
-      </p:sp>
-      <p:sp>
-        <p:nvSpPr>
-          <p:cNvPr id="16" name="TextBox 15">
-            <a:extLst>
-              <a:ext uri="{FF2B5EF4-FFF2-40B4-BE49-F238E27FC236}">
-                <a16:creationId xmlns:a16="http://schemas.microsoft.com/office/drawing/2014/main" id="{4732B1D6-2C97-495D-AC22-145222FC1E5A}"/>
-              </a:ext>
-            </a:extLst>
-          </p:cNvPr>
-          <p:cNvSpPr txBox="1"/>
-          <p:nvPr/>
-        </p:nvSpPr>
-        <p:spPr>
-          <a:xfrm>
-            <a:off x="8914238" y="3697316"/>
-            <a:ext cx="1104791" cy="400110"/>
-          </a:xfrm>
-          <a:prstGeom prst="rect">
-            <a:avLst/>
-          </a:prstGeom>
-          <a:noFill/>
-        </p:spPr>
-        <p:txBody>
-          <a:bodyPr wrap="none" rtlCol="0">
-            <a:spAutoFit/>
-          </a:bodyPr>
-          <a:lstStyle/>
-          <a:p>
-            <a:pPr algn="ctr"/>
-            <a:r>
-              <a:rPr lang="en-US" sz="2000" b="1" dirty="0">
-                <a:solidFill>
-                  <a:srgbClr val="FFFFFF"/>
-                </a:solidFill>
-              </a:rPr>
-              <a:t>Renault</a:t>
-            </a:r>
-          </a:p>
-        </p:txBody>
-      </p:sp>
-      <p:sp>
-        <p:nvSpPr>
-          <p:cNvPr id="17" name="TextBox 16">
-            <a:extLst>
-              <a:ext uri="{FF2B5EF4-FFF2-40B4-BE49-F238E27FC236}">
-                <a16:creationId xmlns:a16="http://schemas.microsoft.com/office/drawing/2014/main" id="{973C5893-C943-41C0-B778-3C200EBD8C39}"/>
-              </a:ext>
-            </a:extLst>
-          </p:cNvPr>
-          <p:cNvSpPr txBox="1"/>
-          <p:nvPr/>
-        </p:nvSpPr>
-        <p:spPr>
-          <a:xfrm>
-            <a:off x="10725611" y="3166254"/>
-            <a:ext cx="773994" cy="400110"/>
-          </a:xfrm>
-          <a:prstGeom prst="rect">
-            <a:avLst/>
-          </a:prstGeom>
-          <a:noFill/>
-        </p:spPr>
-        <p:txBody>
-          <a:bodyPr wrap="none" rtlCol="0">
-            <a:spAutoFit/>
-          </a:bodyPr>
-          <a:lstStyle/>
-          <a:p>
-            <a:pPr algn="ctr"/>
-            <a:r>
-              <a:rPr lang="en-US" sz="2000" b="1" dirty="0">
-                <a:solidFill>
-                  <a:srgbClr val="FFFFFF"/>
-                </a:solidFill>
-              </a:rPr>
-              <a:t>Tesla</a:t>
-            </a:r>
-          </a:p>
-        </p:txBody>
-      </p:sp>
-      <p:sp>
-        <p:nvSpPr>
-          <p:cNvPr id="18" name="TextBox 17">
-            <a:extLst>
-              <a:ext uri="{FF2B5EF4-FFF2-40B4-BE49-F238E27FC236}">
-                <a16:creationId xmlns:a16="http://schemas.microsoft.com/office/drawing/2014/main" id="{1ECE3098-AB27-4918-A799-3CDB5BF6144A}"/>
-              </a:ext>
-            </a:extLst>
-          </p:cNvPr>
-          <p:cNvSpPr txBox="1"/>
-          <p:nvPr/>
-        </p:nvSpPr>
-        <p:spPr>
-          <a:xfrm>
-            <a:off x="6503582" y="3857858"/>
-            <a:ext cx="853119" cy="400110"/>
-          </a:xfrm>
-          <a:prstGeom prst="rect">
-            <a:avLst/>
-          </a:prstGeom>
-          <a:noFill/>
-        </p:spPr>
-        <p:txBody>
-          <a:bodyPr wrap="none" rtlCol="0">
-            <a:spAutoFit/>
-          </a:bodyPr>
-          <a:lstStyle/>
-          <a:p>
-            <a:pPr algn="ctr"/>
-            <a:r>
-              <a:rPr lang="en-US" sz="2000" b="1" dirty="0">
-                <a:solidFill>
-                  <a:srgbClr val="FFFFFF"/>
-                </a:solidFill>
-              </a:rPr>
-              <a:t>BMW</a:t>
-            </a:r>
-          </a:p>
-        </p:txBody>
-      </p:sp>
-      <p:sp>
-        <p:nvSpPr>
-          <p:cNvPr id="19" name="TextBox 18">
-            <a:extLst>
-              <a:ext uri="{FF2B5EF4-FFF2-40B4-BE49-F238E27FC236}">
-                <a16:creationId xmlns:a16="http://schemas.microsoft.com/office/drawing/2014/main" id="{B3603004-E034-48B3-A869-43E6CF83B08B}"/>
-              </a:ext>
-            </a:extLst>
-          </p:cNvPr>
-          <p:cNvSpPr txBox="1"/>
-          <p:nvPr/>
-        </p:nvSpPr>
-        <p:spPr>
-          <a:xfrm>
-            <a:off x="5684281" y="2333611"/>
-            <a:ext cx="1344214" cy="400110"/>
-          </a:xfrm>
-          <a:prstGeom prst="rect">
-            <a:avLst/>
-          </a:prstGeom>
-          <a:noFill/>
-        </p:spPr>
-        <p:txBody>
-          <a:bodyPr wrap="none" rtlCol="0">
-            <a:spAutoFit/>
-          </a:bodyPr>
-          <a:lstStyle/>
-          <a:p>
-            <a:pPr algn="ctr"/>
-            <a:r>
-              <a:rPr lang="en-US" sz="2000" b="1" dirty="0">
-                <a:solidFill>
-                  <a:srgbClr val="FFFFFF"/>
-                </a:solidFill>
-              </a:rPr>
-              <a:t>Mercedes</a:t>
-            </a:r>
-          </a:p>
-        </p:txBody>
-      </p:sp>
-      <p:sp>
-        <p:nvSpPr>
-          <p:cNvPr id="20" name="TextBox 19">
-            <a:extLst>
-              <a:ext uri="{FF2B5EF4-FFF2-40B4-BE49-F238E27FC236}">
-                <a16:creationId xmlns:a16="http://schemas.microsoft.com/office/drawing/2014/main" id="{3F58DAC1-4ED3-4AF3-B88E-B9FD05CB08F7}"/>
-              </a:ext>
-            </a:extLst>
-          </p:cNvPr>
-          <p:cNvSpPr txBox="1"/>
-          <p:nvPr/>
-        </p:nvSpPr>
-        <p:spPr>
-          <a:xfrm>
-            <a:off x="5621315" y="4497536"/>
-            <a:ext cx="735073" cy="400110"/>
-          </a:xfrm>
-          <a:prstGeom prst="rect">
-            <a:avLst/>
-          </a:prstGeom>
-          <a:noFill/>
-        </p:spPr>
-        <p:txBody>
-          <a:bodyPr wrap="none" rtlCol="0">
-            <a:spAutoFit/>
-          </a:bodyPr>
-          <a:lstStyle/>
-          <a:p>
-            <a:pPr algn="ctr"/>
-            <a:r>
-              <a:rPr lang="en-US" sz="2000" b="1" dirty="0">
-                <a:solidFill>
-                  <a:srgbClr val="FFFFFF"/>
-                </a:solidFill>
-              </a:rPr>
-              <a:t>Ford</a:t>
-            </a:r>
-          </a:p>
-        </p:txBody>
-      </p:sp>
-      <p:sp>
-        <p:nvSpPr>
-          <p:cNvPr id="21" name="TextBox 20">
-            <a:extLst>
-              <a:ext uri="{FF2B5EF4-FFF2-40B4-BE49-F238E27FC236}">
-                <a16:creationId xmlns:a16="http://schemas.microsoft.com/office/drawing/2014/main" id="{D9458F51-A2DE-4406-8652-6CF3CB9CCE19}"/>
-              </a:ext>
-            </a:extLst>
-          </p:cNvPr>
-          <p:cNvSpPr txBox="1"/>
-          <p:nvPr/>
-        </p:nvSpPr>
-        <p:spPr>
-          <a:xfrm>
-            <a:off x="4916447" y="2999716"/>
-            <a:ext cx="773994" cy="400110"/>
-          </a:xfrm>
-          <a:prstGeom prst="rect">
-            <a:avLst/>
-          </a:prstGeom>
-          <a:noFill/>
-        </p:spPr>
-        <p:txBody>
-          <a:bodyPr wrap="none" rtlCol="0">
-            <a:spAutoFit/>
-          </a:bodyPr>
-          <a:lstStyle/>
-          <a:p>
-            <a:pPr algn="ctr"/>
-            <a:r>
-              <a:rPr lang="en-US" sz="2000" b="1" dirty="0">
-                <a:solidFill>
-                  <a:srgbClr val="FFFFFF"/>
-                </a:solidFill>
-              </a:rPr>
-              <a:t>Tesla</a:t>
-            </a:r>
-          </a:p>
-        </p:txBody>
-      </p:sp>
-      <p:sp>
-        <p:nvSpPr>
-          <p:cNvPr id="22" name="TextBox 21">
-            <a:extLst>
-              <a:ext uri="{FF2B5EF4-FFF2-40B4-BE49-F238E27FC236}">
-                <a16:creationId xmlns:a16="http://schemas.microsoft.com/office/drawing/2014/main" id="{DA2D8F9F-0081-4079-A2BD-24D984850036}"/>
-              </a:ext>
-            </a:extLst>
-          </p:cNvPr>
-          <p:cNvSpPr txBox="1"/>
-          <p:nvPr/>
-        </p:nvSpPr>
-        <p:spPr>
-          <a:xfrm>
-            <a:off x="6686843" y="3072979"/>
-            <a:ext cx="987771" cy="400110"/>
-          </a:xfrm>
-          <a:prstGeom prst="rect">
-            <a:avLst/>
-          </a:prstGeom>
-          <a:noFill/>
-        </p:spPr>
-        <p:txBody>
-          <a:bodyPr wrap="none" rtlCol="0">
-            <a:spAutoFit/>
-          </a:bodyPr>
-          <a:lstStyle/>
-          <a:p>
-            <a:pPr algn="ctr"/>
-            <a:r>
-              <a:rPr lang="en-US" sz="2000" b="1" dirty="0">
-                <a:solidFill>
-                  <a:srgbClr val="FFFFFF"/>
-                </a:solidFill>
-              </a:rPr>
-              <a:t>Dodge</a:t>
-            </a:r>
-          </a:p>
-        </p:txBody>
-      </p:sp>
-      <p:sp>
-        <p:nvSpPr>
-          <p:cNvPr id="23" name="TextBox 22">
-            <a:extLst>
-              <a:ext uri="{FF2B5EF4-FFF2-40B4-BE49-F238E27FC236}">
-                <a16:creationId xmlns:a16="http://schemas.microsoft.com/office/drawing/2014/main" id="{1FDB66F2-F81C-4133-8251-F94AC7F66727}"/>
-              </a:ext>
-            </a:extLst>
-          </p:cNvPr>
-          <p:cNvSpPr txBox="1"/>
-          <p:nvPr/>
-        </p:nvSpPr>
-        <p:spPr>
-          <a:xfrm>
-            <a:off x="4955668" y="3686556"/>
-            <a:ext cx="1175963" cy="400110"/>
-          </a:xfrm>
-          <a:prstGeom prst="rect">
-            <a:avLst/>
-          </a:prstGeom>
-          <a:noFill/>
-        </p:spPr>
-        <p:txBody>
-          <a:bodyPr wrap="none" rtlCol="0">
-            <a:spAutoFit/>
-          </a:bodyPr>
-          <a:lstStyle/>
-          <a:p>
-            <a:pPr algn="ctr"/>
-            <a:r>
-              <a:rPr lang="en-US" sz="2000" b="1" dirty="0">
-                <a:solidFill>
-                  <a:srgbClr val="FFFFFF"/>
-                </a:solidFill>
-              </a:rPr>
-              <a:t>Chrysler</a:t>
-            </a:r>
-          </a:p>
-        </p:txBody>
-      </p:sp>
-      <p:sp>
-        <p:nvSpPr>
-          <p:cNvPr id="25" name="TextBox 24">
-            <a:extLst>
-              <a:ext uri="{FF2B5EF4-FFF2-40B4-BE49-F238E27FC236}">
-                <a16:creationId xmlns:a16="http://schemas.microsoft.com/office/drawing/2014/main" id="{2028D8C2-B161-4945-8B9B-CE92E5EFD8EC}"/>
-              </a:ext>
-            </a:extLst>
-          </p:cNvPr>
-          <p:cNvSpPr txBox="1"/>
-          <p:nvPr/>
-        </p:nvSpPr>
-        <p:spPr>
-          <a:xfrm>
-            <a:off x="9455973" y="4503832"/>
-            <a:ext cx="853119" cy="400110"/>
-          </a:xfrm>
-          <a:prstGeom prst="rect">
-            <a:avLst/>
-          </a:prstGeom>
-          <a:noFill/>
-        </p:spPr>
-        <p:txBody>
-          <a:bodyPr wrap="none" rtlCol="0">
-            <a:spAutoFit/>
-          </a:bodyPr>
-          <a:lstStyle/>
-          <a:p>
-            <a:pPr algn="ctr"/>
-            <a:r>
-              <a:rPr lang="en-US" sz="2000" b="1" dirty="0">
-                <a:solidFill>
-                  <a:srgbClr val="FFFFFF"/>
-                </a:solidFill>
-              </a:rPr>
-              <a:t>BMW</a:t>
+            <a:r>
+              <a:rPr lang="en-US" sz="3200" b="1" dirty="0">
+                <a:solidFill>
+                  <a:schemeClr val="accent6"/>
+                </a:solidFill>
+              </a:rPr>
+              <a:t>Set</a:t>
             </a:r>
           </a:p>
         </p:txBody>
@@ -3779,7 +3282,7 @@
     </p:spTree>
     <p:extLst>
       <p:ext uri="{BB962C8B-B14F-4D97-AF65-F5344CB8AC3E}">
-        <p14:creationId xmlns:p14="http://schemas.microsoft.com/office/powerpoint/2010/main" val="3729743037"/>
+        <p14:creationId xmlns:p14="http://schemas.microsoft.com/office/powerpoint/2010/main" val="4162892297"/>
       </p:ext>
     </p:extLst>
   </p:cSld>
@@ -4133,7 +3636,7 @@
         </p:nvSpPr>
         <p:spPr>
           <a:xfrm>
-            <a:off x="8813862" y="3827082"/>
+            <a:off x="9787174" y="2259314"/>
             <a:ext cx="1183722" cy="400110"/>
           </a:xfrm>
           <a:prstGeom prst="rect">
@@ -4173,7 +3676,7 @@
         </p:nvSpPr>
         <p:spPr>
           <a:xfrm>
-            <a:off x="10053504" y="2756005"/>
+            <a:off x="8909471" y="2966199"/>
             <a:ext cx="1344214" cy="400110"/>
           </a:xfrm>
           <a:prstGeom prst="rect">
@@ -4213,7 +3716,7 @@
         </p:nvSpPr>
         <p:spPr>
           <a:xfrm>
-            <a:off x="9685967" y="2224652"/>
+            <a:off x="10543156" y="4097426"/>
             <a:ext cx="735073" cy="400110"/>
           </a:xfrm>
           <a:prstGeom prst="rect">
@@ -4253,7 +3756,7 @@
         </p:nvSpPr>
         <p:spPr>
           <a:xfrm>
-            <a:off x="9792470" y="4400911"/>
+            <a:off x="8914238" y="3697316"/>
             <a:ext cx="1104791" cy="400110"/>
           </a:xfrm>
           <a:prstGeom prst="rect">
@@ -4293,7 +3796,7 @@
         </p:nvSpPr>
         <p:spPr>
           <a:xfrm>
-            <a:off x="10366900" y="3406034"/>
+            <a:off x="10725611" y="3166254"/>
             <a:ext cx="773994" cy="400110"/>
           </a:xfrm>
           <a:prstGeom prst="rect">
@@ -4333,7 +3836,7 @@
         </p:nvSpPr>
         <p:spPr>
           <a:xfrm>
-            <a:off x="4958102" y="3756283"/>
+            <a:off x="6503582" y="3857858"/>
             <a:ext cx="853119" cy="400110"/>
           </a:xfrm>
           <a:prstGeom prst="rect">
@@ -4373,7 +3876,7 @@
         </p:nvSpPr>
         <p:spPr>
           <a:xfrm>
-            <a:off x="6049773" y="4205784"/>
+            <a:off x="5684281" y="2333611"/>
             <a:ext cx="1344214" cy="400110"/>
           </a:xfrm>
           <a:prstGeom prst="rect">
@@ -4413,7 +3916,7 @@
         </p:nvSpPr>
         <p:spPr>
           <a:xfrm>
-            <a:off x="5502057" y="2550240"/>
+            <a:off x="5621315" y="4497536"/>
             <a:ext cx="735073" cy="400110"/>
           </a:xfrm>
           <a:prstGeom prst="rect">
@@ -4493,7 +3996,7 @@
         </p:nvSpPr>
         <p:spPr>
           <a:xfrm>
-            <a:off x="6463117" y="2708852"/>
+            <a:off x="6686843" y="3072979"/>
             <a:ext cx="987771" cy="400110"/>
           </a:xfrm>
           <a:prstGeom prst="rect">
@@ -4533,7 +4036,7 @@
         </p:nvSpPr>
         <p:spPr>
           <a:xfrm>
-            <a:off x="6185606" y="3465419"/>
+            <a:off x="4955668" y="3686556"/>
             <a:ext cx="1175963" cy="400110"/>
           </a:xfrm>
           <a:prstGeom prst="rect">
@@ -4573,7 +4076,7 @@
         </p:nvSpPr>
         <p:spPr>
           <a:xfrm>
-            <a:off x="8939351" y="3070515"/>
+            <a:off x="9455973" y="4503832"/>
             <a:ext cx="853119" cy="400110"/>
           </a:xfrm>
           <a:prstGeom prst="rect">
@@ -4602,7 +4105,7 @@
     </p:spTree>
     <p:extLst>
       <p:ext uri="{BB962C8B-B14F-4D97-AF65-F5344CB8AC3E}">
-        <p14:creationId xmlns:p14="http://schemas.microsoft.com/office/powerpoint/2010/main" val="1411124146"/>
+        <p14:creationId xmlns:p14="http://schemas.microsoft.com/office/powerpoint/2010/main" val="3729743037"/>
       </p:ext>
     </p:extLst>
   </p:cSld>
@@ -4956,7 +4459,7 @@
         </p:nvSpPr>
         <p:spPr>
           <a:xfrm>
-            <a:off x="9949150" y="3903472"/>
+            <a:off x="8813862" y="3827082"/>
             <a:ext cx="1183722" cy="400110"/>
           </a:xfrm>
           <a:prstGeom prst="rect">
@@ -4996,7 +4499,7 @@
         </p:nvSpPr>
         <p:spPr>
           <a:xfrm>
-            <a:off x="9814504" y="2977902"/>
+            <a:off x="10053504" y="2756005"/>
             <a:ext cx="1344214" cy="400110"/>
           </a:xfrm>
           <a:prstGeom prst="rect">
@@ -5036,7 +4539,7 @@
         </p:nvSpPr>
         <p:spPr>
           <a:xfrm>
-            <a:off x="10725611" y="3585402"/>
+            <a:off x="9685967" y="2224652"/>
             <a:ext cx="735073" cy="400110"/>
           </a:xfrm>
           <a:prstGeom prst="rect">
@@ -5076,7 +4579,7 @@
         </p:nvSpPr>
         <p:spPr>
           <a:xfrm>
-            <a:off x="9262109" y="4447929"/>
+            <a:off x="9792470" y="4400911"/>
             <a:ext cx="1104791" cy="400110"/>
           </a:xfrm>
           <a:prstGeom prst="rect">
@@ -5116,7 +4619,7 @@
         </p:nvSpPr>
         <p:spPr>
           <a:xfrm>
-            <a:off x="8911973" y="3228945"/>
+            <a:off x="10366900" y="3406034"/>
             <a:ext cx="773994" cy="400110"/>
           </a:xfrm>
           <a:prstGeom prst="rect">
@@ -5156,7 +4659,7 @@
         </p:nvSpPr>
         <p:spPr>
           <a:xfrm>
-            <a:off x="6185606" y="2290689"/>
+            <a:off x="4958102" y="3756283"/>
             <a:ext cx="853119" cy="400110"/>
           </a:xfrm>
           <a:prstGeom prst="rect">
@@ -5196,7 +4699,7 @@
         </p:nvSpPr>
         <p:spPr>
           <a:xfrm>
-            <a:off x="5689670" y="4536323"/>
+            <a:off x="6049773" y="4205784"/>
             <a:ext cx="1344214" cy="400110"/>
           </a:xfrm>
           <a:prstGeom prst="rect">
@@ -5276,7 +4779,7 @@
         </p:nvSpPr>
         <p:spPr>
           <a:xfrm>
-            <a:off x="6527972" y="3228945"/>
+            <a:off x="4916447" y="2999716"/>
             <a:ext cx="773994" cy="400110"/>
           </a:xfrm>
           <a:prstGeom prst="rect">
@@ -5316,7 +4819,7 @@
         </p:nvSpPr>
         <p:spPr>
           <a:xfrm>
-            <a:off x="5602114" y="3785457"/>
+            <a:off x="6463117" y="2708852"/>
             <a:ext cx="987771" cy="400110"/>
           </a:xfrm>
           <a:prstGeom prst="rect">
@@ -5356,7 +4859,7 @@
         </p:nvSpPr>
         <p:spPr>
           <a:xfrm>
-            <a:off x="4815902" y="3177957"/>
+            <a:off x="6185606" y="3465419"/>
             <a:ext cx="1175963" cy="400110"/>
           </a:xfrm>
           <a:prstGeom prst="rect">
@@ -5396,7 +4899,7 @@
         </p:nvSpPr>
         <p:spPr>
           <a:xfrm>
-            <a:off x="8961385" y="2527797"/>
+            <a:off x="8939351" y="3070515"/>
             <a:ext cx="853119" cy="400110"/>
           </a:xfrm>
           <a:prstGeom prst="rect">
@@ -5425,7 +4928,7 @@
     </p:spTree>
     <p:extLst>
       <p:ext uri="{BB962C8B-B14F-4D97-AF65-F5344CB8AC3E}">
-        <p14:creationId xmlns:p14="http://schemas.microsoft.com/office/powerpoint/2010/main" val="1412534937"/>
+        <p14:creationId xmlns:p14="http://schemas.microsoft.com/office/powerpoint/2010/main" val="1411124146"/>
       </p:ext>
     </p:extLst>
   </p:cSld>
@@ -5482,7 +4985,7 @@
           <a:p>
             <a:r>
               <a:rPr lang="en-US" b="1" dirty="0"/>
-              <a:t>Membership</a:t>
+              <a:t>Sets</a:t>
             </a:r>
           </a:p>
         </p:txBody>
@@ -5511,21 +5014,13 @@
         </p:spPr>
         <p:txBody>
           <a:bodyPr>
-            <a:normAutofit fontScale="92500" lnSpcReduction="10000"/>
+            <a:normAutofit/>
           </a:bodyPr>
           <a:lstStyle/>
           <a:p>
             <a:r>
               <a:rPr lang="en-US" dirty="0"/>
-              <a:t>Testing for membership is a common operation to perform on a </a:t>
-            </a:r>
-            <a:r>
-              <a:rPr lang="en-US" dirty="0">
-                <a:solidFill>
-                  <a:schemeClr val="accent6"/>
-                </a:solidFill>
-              </a:rPr>
-              <a:t>Set</a:t>
+              <a:t>Here we have two Sets</a:t>
             </a:r>
             <a:r>
               <a:rPr lang="en-US" dirty="0">
@@ -5539,7 +5034,7 @@
           <a:p>
             <a:r>
               <a:rPr lang="en-US" dirty="0"/>
-              <a:t>Mercedes</a:t>
+              <a:t>Cars sold in North America and cars sold in Europe</a:t>
             </a:r>
             <a:r>
               <a:rPr lang="en-US" dirty="0">
@@ -5547,11 +5042,13 @@
                   <a:schemeClr val="accent2"/>
                 </a:solidFill>
               </a:rPr>
-              <a:t>, </a:t>
-            </a:r>
+              <a:t>.</a:t>
+            </a:r>
+          </a:p>
+          <a:p>
             <a:r>
               <a:rPr lang="en-US" dirty="0"/>
-              <a:t>Tesla</a:t>
+              <a:t>From this graphic</a:t>
             </a:r>
             <a:r>
               <a:rPr lang="en-US" dirty="0">
@@ -5559,98 +5056,11 @@
                   <a:schemeClr val="accent2"/>
                 </a:solidFill>
               </a:rPr>
-              <a:t>, </a:t>
+              <a:t>,</a:t>
             </a:r>
             <a:r>
               <a:rPr lang="en-US" dirty="0"/>
-              <a:t>Dodge</a:t>
-            </a:r>
-            <a:r>
-              <a:rPr lang="en-US" dirty="0">
-                <a:solidFill>
-                  <a:schemeClr val="accent2"/>
-                </a:solidFill>
-              </a:rPr>
-              <a:t>, </a:t>
-            </a:r>
-            <a:r>
-              <a:rPr lang="en-US" dirty="0"/>
-              <a:t>Chrysler</a:t>
-            </a:r>
-            <a:r>
-              <a:rPr lang="en-US" dirty="0">
-                <a:solidFill>
-                  <a:schemeClr val="accent2"/>
-                </a:solidFill>
-              </a:rPr>
-              <a:t>, </a:t>
-            </a:r>
-            <a:r>
-              <a:rPr lang="en-US" dirty="0"/>
-              <a:t>BMW</a:t>
-            </a:r>
-            <a:r>
-              <a:rPr lang="en-US" dirty="0">
-                <a:solidFill>
-                  <a:schemeClr val="accent2"/>
-                </a:solidFill>
-              </a:rPr>
-              <a:t>, </a:t>
-            </a:r>
-            <a:r>
-              <a:rPr lang="en-US" dirty="0"/>
-              <a:t>and Ford are </a:t>
-            </a:r>
-            <a:r>
-              <a:rPr lang="en-US" dirty="0">
-                <a:solidFill>
-                  <a:schemeClr val="accent6"/>
-                </a:solidFill>
-              </a:rPr>
-              <a:t>members</a:t>
-            </a:r>
-            <a:r>
-              <a:rPr lang="en-US" dirty="0"/>
-              <a:t> of the North America Set</a:t>
-            </a:r>
-            <a:r>
-              <a:rPr lang="en-US" dirty="0">
-                <a:solidFill>
-                  <a:schemeClr val="accent2"/>
-                </a:solidFill>
-              </a:rPr>
-              <a:t>.</a:t>
-            </a:r>
-          </a:p>
-          <a:p>
-            <a:r>
-              <a:rPr lang="en-US" dirty="0"/>
-              <a:t>Similar to lists and tuples</a:t>
-            </a:r>
-            <a:r>
-              <a:rPr lang="en-US" dirty="0">
-                <a:solidFill>
-                  <a:schemeClr val="accent2"/>
-                </a:solidFill>
-              </a:rPr>
-              <a:t>, </a:t>
-            </a:r>
-            <a:r>
-              <a:rPr lang="en-US" dirty="0"/>
-              <a:t>you can test for membership using the </a:t>
-            </a:r>
-            <a:r>
-              <a:rPr lang="en-US" dirty="0">
-                <a:solidFill>
-                  <a:schemeClr val="accent6"/>
-                </a:solidFill>
-                <a:latin typeface="Consolas" panose="020B0609020204030204" pitchFamily="49" charset="0"/>
-              </a:rPr>
-              <a:t>in</a:t>
-            </a:r>
-            <a:r>
-              <a:rPr lang="en-US" dirty="0"/>
-              <a:t> operator</a:t>
+              <a:t> its easy to see that Sets are unordered</a:t>
             </a:r>
             <a:r>
               <a:rPr lang="en-US" dirty="0">
@@ -5872,7 +5282,7 @@
         </p:nvSpPr>
         <p:spPr>
           <a:xfrm>
-            <a:off x="9787174" y="2259314"/>
+            <a:off x="9949150" y="3903472"/>
             <a:ext cx="1183722" cy="400110"/>
           </a:xfrm>
           <a:prstGeom prst="rect">
@@ -5912,7 +5322,7 @@
         </p:nvSpPr>
         <p:spPr>
           <a:xfrm>
-            <a:off x="8909471" y="2966199"/>
+            <a:off x="9814504" y="2977902"/>
             <a:ext cx="1344214" cy="400110"/>
           </a:xfrm>
           <a:prstGeom prst="rect">
@@ -5952,7 +5362,7 @@
         </p:nvSpPr>
         <p:spPr>
           <a:xfrm>
-            <a:off x="10543156" y="4097426"/>
+            <a:off x="10725611" y="3585402"/>
             <a:ext cx="735073" cy="400110"/>
           </a:xfrm>
           <a:prstGeom prst="rect">
@@ -5992,7 +5402,7 @@
         </p:nvSpPr>
         <p:spPr>
           <a:xfrm>
-            <a:off x="8914238" y="3697316"/>
+            <a:off x="9262109" y="4447929"/>
             <a:ext cx="1104791" cy="400110"/>
           </a:xfrm>
           <a:prstGeom prst="rect">
@@ -6032,7 +5442,7 @@
         </p:nvSpPr>
         <p:spPr>
           <a:xfrm>
-            <a:off x="10725611" y="3166254"/>
+            <a:off x="8911973" y="3228945"/>
             <a:ext cx="773994" cy="400110"/>
           </a:xfrm>
           <a:prstGeom prst="rect">
@@ -6072,7 +5482,7 @@
         </p:nvSpPr>
         <p:spPr>
           <a:xfrm>
-            <a:off x="6503582" y="3857858"/>
+            <a:off x="6185606" y="2290689"/>
             <a:ext cx="853119" cy="400110"/>
           </a:xfrm>
           <a:prstGeom prst="rect">
@@ -6112,7 +5522,7 @@
         </p:nvSpPr>
         <p:spPr>
           <a:xfrm>
-            <a:off x="5684281" y="2333611"/>
+            <a:off x="5689670" y="4536323"/>
             <a:ext cx="1344214" cy="400110"/>
           </a:xfrm>
           <a:prstGeom prst="rect">
@@ -6152,7 +5562,7 @@
         </p:nvSpPr>
         <p:spPr>
           <a:xfrm>
-            <a:off x="5621315" y="4497536"/>
+            <a:off x="5502057" y="2550240"/>
             <a:ext cx="735073" cy="400110"/>
           </a:xfrm>
           <a:prstGeom prst="rect">
@@ -6192,7 +5602,7 @@
         </p:nvSpPr>
         <p:spPr>
           <a:xfrm>
-            <a:off x="4916447" y="2999716"/>
+            <a:off x="6527972" y="3228945"/>
             <a:ext cx="773994" cy="400110"/>
           </a:xfrm>
           <a:prstGeom prst="rect">
@@ -6232,7 +5642,7 @@
         </p:nvSpPr>
         <p:spPr>
           <a:xfrm>
-            <a:off x="6686843" y="3072979"/>
+            <a:off x="5602114" y="3785457"/>
             <a:ext cx="987771" cy="400110"/>
           </a:xfrm>
           <a:prstGeom prst="rect">
@@ -6272,7 +5682,7 @@
         </p:nvSpPr>
         <p:spPr>
           <a:xfrm>
-            <a:off x="4955668" y="3686556"/>
+            <a:off x="4815902" y="3177957"/>
             <a:ext cx="1175963" cy="400110"/>
           </a:xfrm>
           <a:prstGeom prst="rect">
@@ -6312,7 +5722,7 @@
         </p:nvSpPr>
         <p:spPr>
           <a:xfrm>
-            <a:off x="9455973" y="4503832"/>
+            <a:off x="8961385" y="2527797"/>
             <a:ext cx="853119" cy="400110"/>
           </a:xfrm>
           <a:prstGeom prst="rect">
@@ -6334,89 +5744,6 @@
                 </a:solidFill>
               </a:rPr>
               <a:t>BMW</a:t>
-            </a:r>
-          </a:p>
-        </p:txBody>
-      </p:sp>
-      <p:sp>
-        <p:nvSpPr>
-          <p:cNvPr id="24" name="TextBox 23">
-            <a:extLst>
-              <a:ext uri="{FF2B5EF4-FFF2-40B4-BE49-F238E27FC236}">
-                <a16:creationId xmlns:a16="http://schemas.microsoft.com/office/drawing/2014/main" id="{A97B1797-099B-471F-8E31-C0A8564ACF5E}"/>
-              </a:ext>
-            </a:extLst>
-          </p:cNvPr>
-          <p:cNvSpPr txBox="1"/>
-          <p:nvPr/>
-        </p:nvSpPr>
-        <p:spPr>
-          <a:xfrm>
-            <a:off x="4417045" y="5809410"/>
-            <a:ext cx="5161991" cy="830997"/>
-          </a:xfrm>
-          <a:prstGeom prst="rect">
-            <a:avLst/>
-          </a:prstGeom>
-          <a:noFill/>
-        </p:spPr>
-        <p:txBody>
-          <a:bodyPr wrap="none" rtlCol="0">
-            <a:spAutoFit/>
-          </a:bodyPr>
-          <a:lstStyle/>
-          <a:p>
-            <a:r>
-              <a:rPr lang="en-US" sz="2400" b="1" dirty="0">
-                <a:solidFill>
-                  <a:srgbClr val="E00BE5"/>
-                </a:solidFill>
-                <a:latin typeface="Courier New" panose="02070309020205020404" pitchFamily="49" charset="0"/>
-                <a:cs typeface="Courier New" panose="02070309020205020404" pitchFamily="49" charset="0"/>
-              </a:rPr>
-              <a:t>&gt;&gt;&gt; </a:t>
-            </a:r>
-            <a:r>
-              <a:rPr lang="en-US" sz="2400" b="1" dirty="0">
-                <a:solidFill>
-                  <a:srgbClr val="00FF00"/>
-                </a:solidFill>
-                <a:latin typeface="Courier New" panose="02070309020205020404" pitchFamily="49" charset="0"/>
-                <a:cs typeface="Courier New" panose="02070309020205020404" pitchFamily="49" charset="0"/>
-              </a:rPr>
-              <a:t>‘ford’ </a:t>
-            </a:r>
-            <a:r>
-              <a:rPr lang="en-US" sz="2400" b="1" dirty="0">
-                <a:solidFill>
-                  <a:srgbClr val="E00BE5"/>
-                </a:solidFill>
-                <a:latin typeface="Courier New" panose="02070309020205020404" pitchFamily="49" charset="0"/>
-                <a:cs typeface="Courier New" panose="02070309020205020404" pitchFamily="49" charset="0"/>
-              </a:rPr>
-              <a:t>in</a:t>
-            </a:r>
-            <a:r>
-              <a:rPr lang="en-US" sz="2400" b="1" dirty="0">
-                <a:solidFill>
-                  <a:srgbClr val="00FF00"/>
-                </a:solidFill>
-                <a:latin typeface="Courier New" panose="02070309020205020404" pitchFamily="49" charset="0"/>
-                <a:cs typeface="Courier New" panose="02070309020205020404" pitchFamily="49" charset="0"/>
-              </a:rPr>
-              <a:t> north_america</a:t>
-            </a:r>
-          </a:p>
-          <a:p>
-            <a:r>
-              <a:rPr lang="en-US" sz="2400" b="1" dirty="0">
-                <a:solidFill>
-                  <a:srgbClr val="00FF00"/>
-                </a:solidFill>
-                <a:latin typeface="Courier New" panose="02070309020205020404" pitchFamily="49" charset="0"/>
-                <a:cs typeface="Courier New" panose="02070309020205020404" pitchFamily="49" charset="0"/>
-              </a:rPr>
-              <a:t>True</a:t>
             </a:r>
           </a:p>
         </p:txBody>
@@ -6424,7 +5751,7 @@
     </p:spTree>
     <p:extLst>
       <p:ext uri="{BB962C8B-B14F-4D97-AF65-F5344CB8AC3E}">
-        <p14:creationId xmlns:p14="http://schemas.microsoft.com/office/powerpoint/2010/main" val="1398819838"/>
+        <p14:creationId xmlns:p14="http://schemas.microsoft.com/office/powerpoint/2010/main" val="1412534937"/>
       </p:ext>
     </p:extLst>
   </p:cSld>
@@ -6481,7 +5808,7 @@
           <a:p>
             <a:r>
               <a:rPr lang="en-US" b="1" dirty="0"/>
-              <a:t>Union</a:t>
+              <a:t>Membership</a:t>
             </a:r>
           </a:p>
         </p:txBody>
@@ -6505,62 +5832,64 @@
         <p:spPr>
           <a:xfrm>
             <a:off x="838200" y="1825624"/>
-            <a:ext cx="4169576" cy="4835479"/>
+            <a:ext cx="3578845" cy="4835479"/>
           </a:xfrm>
         </p:spPr>
         <p:txBody>
           <a:bodyPr>
-            <a:normAutofit/>
+            <a:normAutofit fontScale="92500" lnSpcReduction="10000"/>
           </a:bodyPr>
           <a:lstStyle/>
           <a:p>
             <a:r>
               <a:rPr lang="en-US" dirty="0"/>
-              <a:t>The </a:t>
-            </a:r>
-            <a:r>
-              <a:rPr lang="en-US" dirty="0">
-                <a:solidFill>
-                  <a:schemeClr val="accent6"/>
-                </a:solidFill>
-              </a:rPr>
-              <a:t>Union</a:t>
-            </a:r>
+              <a:t>Testing for membership is a common operation to perform on a </a:t>
+            </a:r>
+            <a:r>
+              <a:rPr lang="en-US" dirty="0">
+                <a:solidFill>
+                  <a:schemeClr val="accent6"/>
+                </a:solidFill>
+              </a:rPr>
+              <a:t>Set</a:t>
+            </a:r>
+            <a:r>
+              <a:rPr lang="en-US" dirty="0">
+                <a:solidFill>
+                  <a:schemeClr val="accent2"/>
+                </a:solidFill>
+              </a:rPr>
+              <a:t>.</a:t>
+            </a:r>
+          </a:p>
+          <a:p>
             <a:r>
               <a:rPr lang="en-US" dirty="0"/>
-              <a:t> of two or more </a:t>
-            </a:r>
-            <a:r>
-              <a:rPr lang="en-US" dirty="0">
-                <a:solidFill>
-                  <a:schemeClr val="accent6"/>
-                </a:solidFill>
-              </a:rPr>
-              <a:t>Sets</a:t>
+              <a:t>Mercedes</a:t>
+            </a:r>
+            <a:r>
+              <a:rPr lang="en-US" dirty="0">
+                <a:solidFill>
+                  <a:schemeClr val="accent2"/>
+                </a:solidFill>
+              </a:rPr>
+              <a:t>, </a:t>
             </a:r>
             <a:r>
               <a:rPr lang="en-US" dirty="0"/>
-              <a:t> is the </a:t>
-            </a:r>
-            <a:r>
-              <a:rPr lang="en-US" dirty="0">
-                <a:solidFill>
-                  <a:schemeClr val="accent6"/>
-                </a:solidFill>
-              </a:rPr>
-              <a:t>Set</a:t>
+              <a:t>Tesla</a:t>
+            </a:r>
+            <a:r>
+              <a:rPr lang="en-US" dirty="0">
+                <a:solidFill>
+                  <a:schemeClr val="accent2"/>
+                </a:solidFill>
+              </a:rPr>
+              <a:t>, </a:t>
             </a:r>
             <a:r>
               <a:rPr lang="en-US" dirty="0"/>
-              <a:t> of all items that appear across all </a:t>
-            </a:r>
-            <a:r>
-              <a:rPr lang="en-US" dirty="0">
-                <a:solidFill>
-                  <a:schemeClr val="accent6"/>
-                </a:solidFill>
-              </a:rPr>
-              <a:t>Sets</a:t>
+              <a:t>Dodge</a:t>
             </a:r>
             <a:r>
               <a:rPr lang="en-US" dirty="0">
@@ -6568,13 +5897,61 @@
                   <a:schemeClr val="accent2"/>
                 </a:solidFill>
               </a:rPr>
+              <a:t>, </a:t>
+            </a:r>
+            <a:r>
+              <a:rPr lang="en-US" dirty="0"/>
+              <a:t>Chrysler</a:t>
+            </a:r>
+            <a:r>
+              <a:rPr lang="en-US" dirty="0">
+                <a:solidFill>
+                  <a:schemeClr val="accent2"/>
+                </a:solidFill>
+              </a:rPr>
+              <a:t>, </a:t>
+            </a:r>
+            <a:r>
+              <a:rPr lang="en-US" dirty="0"/>
+              <a:t>BMW</a:t>
+            </a:r>
+            <a:r>
+              <a:rPr lang="en-US" dirty="0">
+                <a:solidFill>
+                  <a:schemeClr val="accent2"/>
+                </a:solidFill>
+              </a:rPr>
+              <a:t>, </a:t>
+            </a:r>
+            <a:r>
+              <a:rPr lang="en-US" dirty="0"/>
+              <a:t>and Ford are </a:t>
+            </a:r>
+            <a:r>
+              <a:rPr lang="en-US" dirty="0">
+                <a:solidFill>
+                  <a:schemeClr val="accent6"/>
+                </a:solidFill>
+              </a:rPr>
+              <a:t>members</a:t>
+            </a:r>
+            <a:r>
+              <a:rPr lang="en-US" dirty="0"/>
+              <a:t> of the North America Set</a:t>
+            </a:r>
+            <a:r>
+              <a:rPr lang="en-US" dirty="0">
+                <a:solidFill>
+                  <a:schemeClr val="accent2"/>
+                </a:solidFill>
+              </a:rPr>
               <a:t>.</a:t>
             </a:r>
           </a:p>
           <a:p>
             <a:r>
               <a:rPr lang="en-US" dirty="0"/>
-              <a:t>Items appear once</a:t>
+              <a:t>Similar to lists and tuples</a:t>
             </a:r>
             <a:r>
               <a:rPr lang="en-US" dirty="0">
@@ -6582,135 +5959,42 @@
                   <a:schemeClr val="accent2"/>
                 </a:solidFill>
               </a:rPr>
+              <a:t>, </a:t>
+            </a:r>
+            <a:r>
+              <a:rPr lang="en-US" dirty="0"/>
+              <a:t>you can test for membership using the </a:t>
+            </a:r>
+            <a:r>
+              <a:rPr lang="en-US" dirty="0">
+                <a:solidFill>
+                  <a:schemeClr val="accent6"/>
+                </a:solidFill>
+                <a:latin typeface="Consolas" panose="020B0609020204030204" pitchFamily="49" charset="0"/>
+              </a:rPr>
+              <a:t>in</a:t>
+            </a:r>
+            <a:r>
+              <a:rPr lang="en-US" dirty="0"/>
+              <a:t> operator</a:t>
+            </a:r>
+            <a:r>
+              <a:rPr lang="en-US" dirty="0">
+                <a:solidFill>
+                  <a:schemeClr val="accent2"/>
+                </a:solidFill>
+              </a:rPr>
               <a:t>.</a:t>
             </a:r>
           </a:p>
-          <a:p>
-            <a:r>
-              <a:rPr lang="en-US" sz="1800" b="1" dirty="0">
-                <a:solidFill>
-                  <a:schemeClr val="accent6"/>
-                </a:solidFill>
-                <a:latin typeface="Courier New" panose="02070309020205020404" pitchFamily="49" charset="0"/>
-                <a:cs typeface="Courier New" panose="02070309020205020404" pitchFamily="49" charset="0"/>
-              </a:rPr>
-              <a:t>north_america.union(europe)</a:t>
-            </a:r>
-          </a:p>
-          <a:p>
-            <a:r>
-              <a:rPr lang="en-US" sz="1800" b="1" dirty="0">
-                <a:solidFill>
-                  <a:schemeClr val="accent6"/>
-                </a:solidFill>
-                <a:latin typeface="Courier New" panose="02070309020205020404" pitchFamily="49" charset="0"/>
-                <a:cs typeface="Courier New" panose="02070309020205020404" pitchFamily="49" charset="0"/>
-              </a:rPr>
-              <a:t>europe.union(north_america)</a:t>
-            </a:r>
-          </a:p>
-          <a:p>
-            <a:r>
-              <a:rPr lang="en-US" sz="1800" b="1" dirty="0">
-                <a:solidFill>
-                  <a:schemeClr val="accent6"/>
-                </a:solidFill>
-                <a:latin typeface="Courier New" panose="02070309020205020404" pitchFamily="49" charset="0"/>
-                <a:cs typeface="Courier New" panose="02070309020205020404" pitchFamily="49" charset="0"/>
-              </a:rPr>
-              <a:t>north_america | europe</a:t>
-            </a:r>
-          </a:p>
-          <a:p>
-            <a:r>
-              <a:rPr lang="en-US" sz="1800" b="1" dirty="0">
-                <a:solidFill>
-                  <a:schemeClr val="accent6"/>
-                </a:solidFill>
-                <a:latin typeface="Courier New" panose="02070309020205020404" pitchFamily="49" charset="0"/>
-                <a:cs typeface="Courier New" panose="02070309020205020404" pitchFamily="49" charset="0"/>
-              </a:rPr>
-              <a:t>europe | north_america</a:t>
-            </a:r>
-          </a:p>
-          <a:p>
-            <a:endParaRPr lang="en-US" dirty="0">
-              <a:solidFill>
-                <a:schemeClr val="accent2"/>
-              </a:solidFill>
-            </a:endParaRPr>
-          </a:p>
-        </p:txBody>
-      </p:sp>
-      <p:sp>
-        <p:nvSpPr>
-          <p:cNvPr id="24" name="TextBox 23">
-            <a:extLst>
-              <a:ext uri="{FF2B5EF4-FFF2-40B4-BE49-F238E27FC236}">
-                <a16:creationId xmlns:a16="http://schemas.microsoft.com/office/drawing/2014/main" id="{A97B1797-099B-471F-8E31-C0A8564ACF5E}"/>
-              </a:ext>
-            </a:extLst>
-          </p:cNvPr>
-          <p:cNvSpPr txBox="1"/>
-          <p:nvPr/>
-        </p:nvSpPr>
-        <p:spPr>
-          <a:xfrm>
-            <a:off x="1069266" y="5611958"/>
-            <a:ext cx="11122734" cy="738664"/>
-          </a:xfrm>
-          <a:prstGeom prst="rect">
-            <a:avLst/>
-          </a:prstGeom>
-          <a:noFill/>
-        </p:spPr>
-        <p:txBody>
-          <a:bodyPr wrap="square" rtlCol="0">
-            <a:spAutoFit/>
-          </a:bodyPr>
-          <a:lstStyle/>
-          <a:p>
-            <a:r>
-              <a:rPr lang="en-US" sz="2400" b="1" dirty="0">
-                <a:solidFill>
-                  <a:srgbClr val="E00BE5"/>
-                </a:solidFill>
-                <a:latin typeface="Courier New" panose="02070309020205020404" pitchFamily="49" charset="0"/>
-                <a:cs typeface="Courier New" panose="02070309020205020404" pitchFamily="49" charset="0"/>
-              </a:rPr>
-              <a:t>&gt;&gt;&gt; </a:t>
-            </a:r>
-            <a:r>
-              <a:rPr lang="en-US" sz="2400" b="1" dirty="0">
-                <a:solidFill>
-                  <a:srgbClr val="00FF00"/>
-                </a:solidFill>
-                <a:latin typeface="Courier New" panose="02070309020205020404" pitchFamily="49" charset="0"/>
-                <a:cs typeface="Courier New" panose="02070309020205020404" pitchFamily="49" charset="0"/>
-              </a:rPr>
-              <a:t>north_america.union(europe)</a:t>
-            </a:r>
-          </a:p>
-          <a:p>
-            <a:r>
-              <a:rPr lang="en-US" b="1" dirty="0">
-                <a:solidFill>
-                  <a:srgbClr val="00FF00"/>
-                </a:solidFill>
-                <a:latin typeface="Courier New" panose="02070309020205020404" pitchFamily="49" charset="0"/>
-                <a:cs typeface="Courier New" panose="02070309020205020404" pitchFamily="49" charset="0"/>
-              </a:rPr>
-              <a:t>{‘Mercedes’, ‘BMW’, ‘Ford’, ‘Tesla’, ‘Peugeot’, ‘Chrysler’, ‘Renault’, ‘Dodge’}</a:t>
-            </a:r>
-          </a:p>
-        </p:txBody>
-      </p:sp>
-      <p:sp>
-        <p:nvSpPr>
-          <p:cNvPr id="26" name="Oval 25">
-            <a:extLst>
-              <a:ext uri="{FF2B5EF4-FFF2-40B4-BE49-F238E27FC236}">
-                <a16:creationId xmlns:a16="http://schemas.microsoft.com/office/drawing/2014/main" id="{0076A352-B168-4DB9-B606-F971E11EEC04}"/>
+        </p:txBody>
+      </p:sp>
+      <p:sp>
+        <p:nvSpPr>
+          <p:cNvPr id="5" name="Oval 4">
+            <a:extLst>
+              <a:ext uri="{FF2B5EF4-FFF2-40B4-BE49-F238E27FC236}">
+                <a16:creationId xmlns:a16="http://schemas.microsoft.com/office/drawing/2014/main" id="{539B31E6-F9C0-4333-A726-864A7D55522A}"/>
               </a:ext>
             </a:extLst>
           </p:cNvPr>
@@ -6719,7 +6003,7 @@
         </p:nvSpPr>
         <p:spPr>
           <a:xfrm>
-            <a:off x="5216764" y="1940174"/>
+            <a:off x="4583716" y="1940174"/>
             <a:ext cx="3329353" cy="3329353"/>
           </a:xfrm>
           <a:prstGeom prst="ellipse">
@@ -6759,10 +6043,10 @@
       </p:sp>
       <p:sp>
         <p:nvSpPr>
-          <p:cNvPr id="27" name="Oval 26">
-            <a:extLst>
-              <a:ext uri="{FF2B5EF4-FFF2-40B4-BE49-F238E27FC236}">
-                <a16:creationId xmlns:a16="http://schemas.microsoft.com/office/drawing/2014/main" id="{BA5757EE-25E8-4260-AEFB-12521FBF0AFE}"/>
+          <p:cNvPr id="9" name="Oval 8">
+            <a:extLst>
+              <a:ext uri="{FF2B5EF4-FFF2-40B4-BE49-F238E27FC236}">
+                <a16:creationId xmlns:a16="http://schemas.microsoft.com/office/drawing/2014/main" id="{C580CE74-D910-4DE7-8241-2B5E2BD5E42F}"/>
               </a:ext>
             </a:extLst>
           </p:cNvPr>
@@ -6771,7 +6055,7 @@
         </p:nvSpPr>
         <p:spPr>
           <a:xfrm>
-            <a:off x="7807565" y="1940174"/>
+            <a:off x="8487499" y="1940174"/>
             <a:ext cx="3329353" cy="3329353"/>
           </a:xfrm>
           <a:prstGeom prst="ellipse">
@@ -6811,66 +6095,10 @@
       </p:sp>
       <p:sp>
         <p:nvSpPr>
-          <p:cNvPr id="28" name="Rectangle 27">
-            <a:extLst>
-              <a:ext uri="{FF2B5EF4-FFF2-40B4-BE49-F238E27FC236}">
-                <a16:creationId xmlns:a16="http://schemas.microsoft.com/office/drawing/2014/main" id="{7D8C0C18-FD4A-4BF0-AF09-1CF3FABA2D08}"/>
-              </a:ext>
-            </a:extLst>
-          </p:cNvPr>
-          <p:cNvSpPr/>
-          <p:nvPr/>
-        </p:nvSpPr>
-        <p:spPr>
-          <a:xfrm>
-            <a:off x="7192227" y="2540928"/>
-            <a:ext cx="1992923" cy="2123834"/>
-          </a:xfrm>
-          <a:prstGeom prst="rect">
-            <a:avLst/>
-          </a:prstGeom>
-          <a:solidFill>
-            <a:schemeClr val="bg1"/>
-          </a:solidFill>
-          <a:ln>
-            <a:noFill/>
-          </a:ln>
-        </p:spPr>
-        <p:style>
-          <a:lnRef idx="2">
-            <a:schemeClr val="accent1">
-              <a:shade val="50000"/>
-            </a:schemeClr>
-          </a:lnRef>
-          <a:fillRef idx="1">
-            <a:schemeClr val="accent1"/>
-          </a:fillRef>
-          <a:effectRef idx="0">
-            <a:schemeClr val="accent1"/>
-          </a:effectRef>
-          <a:fontRef idx="minor">
-            <a:schemeClr val="lt1"/>
-          </a:fontRef>
-        </p:style>
-        <p:txBody>
-          <a:bodyPr rtlCol="0" anchor="ctr"/>
-          <a:lstStyle/>
-          <a:p>
-            <a:pPr algn="ctr"/>
-            <a:endParaRPr lang="en-US">
-              <a:solidFill>
-                <a:schemeClr val="accent6"/>
-              </a:solidFill>
-            </a:endParaRPr>
-          </a:p>
-        </p:txBody>
-      </p:sp>
-      <p:sp>
-        <p:nvSpPr>
-          <p:cNvPr id="29" name="TextBox 28">
-            <a:extLst>
-              <a:ext uri="{FF2B5EF4-FFF2-40B4-BE49-F238E27FC236}">
-                <a16:creationId xmlns:a16="http://schemas.microsoft.com/office/drawing/2014/main" id="{A4540FF3-C544-4A7D-81B4-7D3986A187A9}"/>
+          <p:cNvPr id="10" name="TextBox 9">
+            <a:extLst>
+              <a:ext uri="{FF2B5EF4-FFF2-40B4-BE49-F238E27FC236}">
+                <a16:creationId xmlns:a16="http://schemas.microsoft.com/office/drawing/2014/main" id="{F471CDF7-46E1-400A-9DFA-11E237985B2A}"/>
               </a:ext>
             </a:extLst>
           </p:cNvPr>
@@ -6879,7 +6107,7 @@
         </p:nvSpPr>
         <p:spPr>
           <a:xfrm>
-            <a:off x="6094301" y="841720"/>
+            <a:off x="5461253" y="841720"/>
             <a:ext cx="1574277" cy="954107"/>
           </a:xfrm>
           <a:prstGeom prst="rect">
@@ -6918,10 +6146,10 @@
       </p:sp>
       <p:sp>
         <p:nvSpPr>
-          <p:cNvPr id="30" name="TextBox 29">
-            <a:extLst>
-              <a:ext uri="{FF2B5EF4-FFF2-40B4-BE49-F238E27FC236}">
-                <a16:creationId xmlns:a16="http://schemas.microsoft.com/office/drawing/2014/main" id="{373984F6-0F1E-4921-9DEB-25265F01245C}"/>
+          <p:cNvPr id="11" name="TextBox 10">
+            <a:extLst>
+              <a:ext uri="{FF2B5EF4-FFF2-40B4-BE49-F238E27FC236}">
+                <a16:creationId xmlns:a16="http://schemas.microsoft.com/office/drawing/2014/main" id="{D9EAE5F2-79DE-45E5-B43E-F0AEC62F4694}"/>
               </a:ext>
             </a:extLst>
           </p:cNvPr>
@@ -6930,7 +6158,7 @@
         </p:nvSpPr>
         <p:spPr>
           <a:xfrm>
-            <a:off x="8786700" y="1272607"/>
+            <a:off x="9466634" y="1272607"/>
             <a:ext cx="1371081" cy="523220"/>
           </a:xfrm>
           <a:prstGeom prst="rect">
@@ -6958,10 +6186,10 @@
       </p:sp>
       <p:sp>
         <p:nvSpPr>
-          <p:cNvPr id="31" name="TextBox 30">
-            <a:extLst>
-              <a:ext uri="{FF2B5EF4-FFF2-40B4-BE49-F238E27FC236}">
-                <a16:creationId xmlns:a16="http://schemas.microsoft.com/office/drawing/2014/main" id="{D6B52080-EA9A-4ABF-80F3-099C8CA29FC2}"/>
+          <p:cNvPr id="12" name="TextBox 11">
+            <a:extLst>
+              <a:ext uri="{FF2B5EF4-FFF2-40B4-BE49-F238E27FC236}">
+                <a16:creationId xmlns:a16="http://schemas.microsoft.com/office/drawing/2014/main" id="{36E73A82-AAF7-403B-8A43-DCFE73C2CEE1}"/>
               </a:ext>
             </a:extLst>
           </p:cNvPr>
@@ -6970,8 +6198,8 @@
         </p:nvSpPr>
         <p:spPr>
           <a:xfrm>
-            <a:off x="6254363" y="2493427"/>
-            <a:ext cx="1344214" cy="400110"/>
+            <a:off x="9787174" y="2259314"/>
+            <a:ext cx="1183722" cy="400110"/>
           </a:xfrm>
           <a:prstGeom prst="rect">
             <a:avLst/>
@@ -6988,20 +6216,20 @@
             <a:r>
               <a:rPr lang="en-US" sz="2000" b="1" dirty="0">
                 <a:solidFill>
-                  <a:schemeClr val="accent6"/>
-                </a:solidFill>
-              </a:rPr>
-              <a:t>Mercedes</a:t>
-            </a:r>
-          </a:p>
-        </p:txBody>
-      </p:sp>
-      <p:sp>
-        <p:nvSpPr>
-          <p:cNvPr id="32" name="TextBox 31">
-            <a:extLst>
-              <a:ext uri="{FF2B5EF4-FFF2-40B4-BE49-F238E27FC236}">
-                <a16:creationId xmlns:a16="http://schemas.microsoft.com/office/drawing/2014/main" id="{E0C15BDC-1BEF-435B-9C87-AFE95C02E3D5}"/>
+                  <a:srgbClr val="FFFFFF"/>
+                </a:solidFill>
+              </a:rPr>
+              <a:t>Peugeot</a:t>
+            </a:r>
+          </a:p>
+        </p:txBody>
+      </p:sp>
+      <p:sp>
+        <p:nvSpPr>
+          <p:cNvPr id="14" name="TextBox 13">
+            <a:extLst>
+              <a:ext uri="{FF2B5EF4-FFF2-40B4-BE49-F238E27FC236}">
+                <a16:creationId xmlns:a16="http://schemas.microsoft.com/office/drawing/2014/main" id="{9DF2984B-9FAB-4374-B75D-B3134939BDA0}"/>
               </a:ext>
             </a:extLst>
           </p:cNvPr>
@@ -7010,8 +6238,8 @@
         </p:nvSpPr>
         <p:spPr>
           <a:xfrm>
-            <a:off x="9266630" y="4279771"/>
-            <a:ext cx="735073" cy="400110"/>
+            <a:off x="8909471" y="2966199"/>
+            <a:ext cx="1344214" cy="400110"/>
           </a:xfrm>
           <a:prstGeom prst="rect">
             <a:avLst/>
@@ -7028,20 +6256,20 @@
             <a:r>
               <a:rPr lang="en-US" sz="2000" b="1" dirty="0">
                 <a:solidFill>
-                  <a:schemeClr val="accent6"/>
-                </a:solidFill>
-              </a:rPr>
-              <a:t>Ford</a:t>
-            </a:r>
-          </a:p>
-        </p:txBody>
-      </p:sp>
-      <p:sp>
-        <p:nvSpPr>
-          <p:cNvPr id="33" name="TextBox 32">
-            <a:extLst>
-              <a:ext uri="{FF2B5EF4-FFF2-40B4-BE49-F238E27FC236}">
-                <a16:creationId xmlns:a16="http://schemas.microsoft.com/office/drawing/2014/main" id="{BDA02AF4-46AD-45D8-AA85-835A188A237B}"/>
+                  <a:srgbClr val="FFFFFF"/>
+                </a:solidFill>
+              </a:rPr>
+              <a:t>Mercedes</a:t>
+            </a:r>
+          </a:p>
+        </p:txBody>
+      </p:sp>
+      <p:sp>
+        <p:nvSpPr>
+          <p:cNvPr id="15" name="TextBox 14">
+            <a:extLst>
+              <a:ext uri="{FF2B5EF4-FFF2-40B4-BE49-F238E27FC236}">
+                <a16:creationId xmlns:a16="http://schemas.microsoft.com/office/drawing/2014/main" id="{2606C562-6E8B-44E3-9FD7-7135974BC49C}"/>
               </a:ext>
             </a:extLst>
           </p:cNvPr>
@@ -7050,8 +6278,8 @@
         </p:nvSpPr>
         <p:spPr>
           <a:xfrm>
-            <a:off x="8977249" y="3103995"/>
-            <a:ext cx="773994" cy="400110"/>
+            <a:off x="10543156" y="4097426"/>
+            <a:ext cx="735073" cy="400110"/>
           </a:xfrm>
           <a:prstGeom prst="rect">
             <a:avLst/>
@@ -7068,20 +6296,20 @@
             <a:r>
               <a:rPr lang="en-US" sz="2000" b="1" dirty="0">
                 <a:solidFill>
-                  <a:schemeClr val="accent6"/>
-                </a:solidFill>
-              </a:rPr>
-              <a:t>Tesla</a:t>
-            </a:r>
-          </a:p>
-        </p:txBody>
-      </p:sp>
-      <p:sp>
-        <p:nvSpPr>
-          <p:cNvPr id="34" name="TextBox 33">
-            <a:extLst>
-              <a:ext uri="{FF2B5EF4-FFF2-40B4-BE49-F238E27FC236}">
-                <a16:creationId xmlns:a16="http://schemas.microsoft.com/office/drawing/2014/main" id="{43C29483-EA0F-412B-9E43-6134E4DC928A}"/>
+                  <a:srgbClr val="FFFFFF"/>
+                </a:solidFill>
+              </a:rPr>
+              <a:t>Ford</a:t>
+            </a:r>
+          </a:p>
+        </p:txBody>
+      </p:sp>
+      <p:sp>
+        <p:nvSpPr>
+          <p:cNvPr id="16" name="TextBox 15">
+            <a:extLst>
+              <a:ext uri="{FF2B5EF4-FFF2-40B4-BE49-F238E27FC236}">
+                <a16:creationId xmlns:a16="http://schemas.microsoft.com/office/drawing/2014/main" id="{4732B1D6-2C97-495D-AC22-145222FC1E5A}"/>
               </a:ext>
             </a:extLst>
           </p:cNvPr>
@@ -7090,8 +6318,8 @@
         </p:nvSpPr>
         <p:spPr>
           <a:xfrm>
-            <a:off x="6859464" y="3235968"/>
-            <a:ext cx="853119" cy="400110"/>
+            <a:off x="8914238" y="3697316"/>
+            <a:ext cx="1104791" cy="400110"/>
           </a:xfrm>
           <a:prstGeom prst="rect">
             <a:avLst/>
@@ -7108,20 +6336,20 @@
             <a:r>
               <a:rPr lang="en-US" sz="2000" b="1" dirty="0">
                 <a:solidFill>
-                  <a:schemeClr val="accent6"/>
-                </a:solidFill>
-              </a:rPr>
-              <a:t>BMW</a:t>
-            </a:r>
-          </a:p>
-        </p:txBody>
-      </p:sp>
-      <p:sp>
-        <p:nvSpPr>
-          <p:cNvPr id="35" name="TextBox 34">
-            <a:extLst>
-              <a:ext uri="{FF2B5EF4-FFF2-40B4-BE49-F238E27FC236}">
-                <a16:creationId xmlns:a16="http://schemas.microsoft.com/office/drawing/2014/main" id="{61BED724-EB05-4F7F-800D-F44314034F35}"/>
+                  <a:srgbClr val="FFFFFF"/>
+                </a:solidFill>
+              </a:rPr>
+              <a:t>Renault</a:t>
+            </a:r>
+          </a:p>
+        </p:txBody>
+      </p:sp>
+      <p:sp>
+        <p:nvSpPr>
+          <p:cNvPr id="17" name="TextBox 16">
+            <a:extLst>
+              <a:ext uri="{FF2B5EF4-FFF2-40B4-BE49-F238E27FC236}">
+                <a16:creationId xmlns:a16="http://schemas.microsoft.com/office/drawing/2014/main" id="{973C5893-C943-41C0-B778-3C200EBD8C39}"/>
               </a:ext>
             </a:extLst>
           </p:cNvPr>
@@ -7130,8 +6358,8 @@
         </p:nvSpPr>
         <p:spPr>
           <a:xfrm>
-            <a:off x="8203493" y="3753099"/>
-            <a:ext cx="1175963" cy="400110"/>
+            <a:off x="10725611" y="3166254"/>
+            <a:ext cx="773994" cy="400110"/>
           </a:xfrm>
           <a:prstGeom prst="rect">
             <a:avLst/>
@@ -7148,20 +6376,20 @@
             <a:r>
               <a:rPr lang="en-US" sz="2000" b="1" dirty="0">
                 <a:solidFill>
-                  <a:schemeClr val="accent6"/>
-                </a:solidFill>
-              </a:rPr>
-              <a:t>Chrysler</a:t>
-            </a:r>
-          </a:p>
-        </p:txBody>
-      </p:sp>
-      <p:sp>
-        <p:nvSpPr>
-          <p:cNvPr id="36" name="TextBox 35">
-            <a:extLst>
-              <a:ext uri="{FF2B5EF4-FFF2-40B4-BE49-F238E27FC236}">
-                <a16:creationId xmlns:a16="http://schemas.microsoft.com/office/drawing/2014/main" id="{62BA1BB0-B5E2-42A7-9592-65C56562E7D7}"/>
+                  <a:srgbClr val="FFFFFF"/>
+                </a:solidFill>
+              </a:rPr>
+              <a:t>Tesla</a:t>
+            </a:r>
+          </a:p>
+        </p:txBody>
+      </p:sp>
+      <p:sp>
+        <p:nvSpPr>
+          <p:cNvPr id="18" name="TextBox 17">
+            <a:extLst>
+              <a:ext uri="{FF2B5EF4-FFF2-40B4-BE49-F238E27FC236}">
+                <a16:creationId xmlns:a16="http://schemas.microsoft.com/office/drawing/2014/main" id="{1ECE3098-AB27-4918-A799-3CDB5BF6144A}"/>
               </a:ext>
             </a:extLst>
           </p:cNvPr>
@@ -7170,8 +6398,8 @@
         </p:nvSpPr>
         <p:spPr>
           <a:xfrm>
-            <a:off x="6236812" y="4475474"/>
-            <a:ext cx="987771" cy="400110"/>
+            <a:off x="6503582" y="3857858"/>
+            <a:ext cx="853119" cy="400110"/>
           </a:xfrm>
           <a:prstGeom prst="rect">
             <a:avLst/>
@@ -7188,20 +6416,20 @@
             <a:r>
               <a:rPr lang="en-US" sz="2000" b="1" dirty="0">
                 <a:solidFill>
-                  <a:schemeClr val="accent6"/>
-                </a:solidFill>
-              </a:rPr>
-              <a:t>Dodge</a:t>
-            </a:r>
-          </a:p>
-        </p:txBody>
-      </p:sp>
-      <p:sp>
-        <p:nvSpPr>
-          <p:cNvPr id="37" name="TextBox 36">
-            <a:extLst>
-              <a:ext uri="{FF2B5EF4-FFF2-40B4-BE49-F238E27FC236}">
-                <a16:creationId xmlns:a16="http://schemas.microsoft.com/office/drawing/2014/main" id="{2FF1F36E-F407-49E3-9E70-251BF0729188}"/>
+                  <a:srgbClr val="FFFFFF"/>
+                </a:solidFill>
+              </a:rPr>
+              <a:t>BMW</a:t>
+            </a:r>
+          </a:p>
+        </p:txBody>
+      </p:sp>
+      <p:sp>
+        <p:nvSpPr>
+          <p:cNvPr id="19" name="TextBox 18">
+            <a:extLst>
+              <a:ext uri="{FF2B5EF4-FFF2-40B4-BE49-F238E27FC236}">
+                <a16:creationId xmlns:a16="http://schemas.microsoft.com/office/drawing/2014/main" id="{B3603004-E034-48B3-A869-43E6CF83B08B}"/>
               </a:ext>
             </a:extLst>
           </p:cNvPr>
@@ -7210,8 +6438,8 @@
         </p:nvSpPr>
         <p:spPr>
           <a:xfrm>
-            <a:off x="9129099" y="2299869"/>
-            <a:ext cx="1104791" cy="400110"/>
+            <a:off x="5684281" y="2333611"/>
+            <a:ext cx="1344214" cy="400110"/>
           </a:xfrm>
           <a:prstGeom prst="rect">
             <a:avLst/>
@@ -7228,20 +6456,20 @@
             <a:r>
               <a:rPr lang="en-US" sz="2000" b="1" dirty="0">
                 <a:solidFill>
-                  <a:schemeClr val="accent6"/>
-                </a:solidFill>
-              </a:rPr>
-              <a:t>Renault</a:t>
-            </a:r>
-          </a:p>
-        </p:txBody>
-      </p:sp>
-      <p:sp>
-        <p:nvSpPr>
-          <p:cNvPr id="38" name="TextBox 37">
-            <a:extLst>
-              <a:ext uri="{FF2B5EF4-FFF2-40B4-BE49-F238E27FC236}">
-                <a16:creationId xmlns:a16="http://schemas.microsoft.com/office/drawing/2014/main" id="{92936204-C3F6-4665-9F36-4208F7BE26D9}"/>
+                  <a:srgbClr val="FFFFFF"/>
+                </a:solidFill>
+              </a:rPr>
+              <a:t>Mercedes</a:t>
+            </a:r>
+          </a:p>
+        </p:txBody>
+      </p:sp>
+      <p:sp>
+        <p:nvSpPr>
+          <p:cNvPr id="20" name="TextBox 19">
+            <a:extLst>
+              <a:ext uri="{FF2B5EF4-FFF2-40B4-BE49-F238E27FC236}">
+                <a16:creationId xmlns:a16="http://schemas.microsoft.com/office/drawing/2014/main" id="{3F58DAC1-4ED3-4AF3-B88E-B9FD05CB08F7}"/>
               </a:ext>
             </a:extLst>
           </p:cNvPr>
@@ -7250,8 +6478,8 @@
         </p:nvSpPr>
         <p:spPr>
           <a:xfrm>
-            <a:off x="5570065" y="3683567"/>
-            <a:ext cx="1183722" cy="400110"/>
+            <a:off x="5621315" y="4497536"/>
+            <a:ext cx="735073" cy="400110"/>
           </a:xfrm>
           <a:prstGeom prst="rect">
             <a:avLst/>
@@ -7268,10 +6496,253 @@
             <a:r>
               <a:rPr lang="en-US" sz="2000" b="1" dirty="0">
                 <a:solidFill>
-                  <a:schemeClr val="accent6"/>
-                </a:solidFill>
-              </a:rPr>
-              <a:t>Peugeot</a:t>
+                  <a:srgbClr val="FFFFFF"/>
+                </a:solidFill>
+              </a:rPr>
+              <a:t>Ford</a:t>
+            </a:r>
+          </a:p>
+        </p:txBody>
+      </p:sp>
+      <p:sp>
+        <p:nvSpPr>
+          <p:cNvPr id="21" name="TextBox 20">
+            <a:extLst>
+              <a:ext uri="{FF2B5EF4-FFF2-40B4-BE49-F238E27FC236}">
+                <a16:creationId xmlns:a16="http://schemas.microsoft.com/office/drawing/2014/main" id="{D9458F51-A2DE-4406-8652-6CF3CB9CCE19}"/>
+              </a:ext>
+            </a:extLst>
+          </p:cNvPr>
+          <p:cNvSpPr txBox="1"/>
+          <p:nvPr/>
+        </p:nvSpPr>
+        <p:spPr>
+          <a:xfrm>
+            <a:off x="4916447" y="2999716"/>
+            <a:ext cx="773994" cy="400110"/>
+          </a:xfrm>
+          <a:prstGeom prst="rect">
+            <a:avLst/>
+          </a:prstGeom>
+          <a:noFill/>
+        </p:spPr>
+        <p:txBody>
+          <a:bodyPr wrap="none" rtlCol="0">
+            <a:spAutoFit/>
+          </a:bodyPr>
+          <a:lstStyle/>
+          <a:p>
+            <a:pPr algn="ctr"/>
+            <a:r>
+              <a:rPr lang="en-US" sz="2000" b="1" dirty="0">
+                <a:solidFill>
+                  <a:srgbClr val="FFFFFF"/>
+                </a:solidFill>
+              </a:rPr>
+              <a:t>Tesla</a:t>
+            </a:r>
+          </a:p>
+        </p:txBody>
+      </p:sp>
+      <p:sp>
+        <p:nvSpPr>
+          <p:cNvPr id="22" name="TextBox 21">
+            <a:extLst>
+              <a:ext uri="{FF2B5EF4-FFF2-40B4-BE49-F238E27FC236}">
+                <a16:creationId xmlns:a16="http://schemas.microsoft.com/office/drawing/2014/main" id="{DA2D8F9F-0081-4079-A2BD-24D984850036}"/>
+              </a:ext>
+            </a:extLst>
+          </p:cNvPr>
+          <p:cNvSpPr txBox="1"/>
+          <p:nvPr/>
+        </p:nvSpPr>
+        <p:spPr>
+          <a:xfrm>
+            <a:off x="6686843" y="3072979"/>
+            <a:ext cx="987771" cy="400110"/>
+          </a:xfrm>
+          <a:prstGeom prst="rect">
+            <a:avLst/>
+          </a:prstGeom>
+          <a:noFill/>
+        </p:spPr>
+        <p:txBody>
+          <a:bodyPr wrap="none" rtlCol="0">
+            <a:spAutoFit/>
+          </a:bodyPr>
+          <a:lstStyle/>
+          <a:p>
+            <a:pPr algn="ctr"/>
+            <a:r>
+              <a:rPr lang="en-US" sz="2000" b="1" dirty="0">
+                <a:solidFill>
+                  <a:srgbClr val="FFFFFF"/>
+                </a:solidFill>
+              </a:rPr>
+              <a:t>Dodge</a:t>
+            </a:r>
+          </a:p>
+        </p:txBody>
+      </p:sp>
+      <p:sp>
+        <p:nvSpPr>
+          <p:cNvPr id="23" name="TextBox 22">
+            <a:extLst>
+              <a:ext uri="{FF2B5EF4-FFF2-40B4-BE49-F238E27FC236}">
+                <a16:creationId xmlns:a16="http://schemas.microsoft.com/office/drawing/2014/main" id="{1FDB66F2-F81C-4133-8251-F94AC7F66727}"/>
+              </a:ext>
+            </a:extLst>
+          </p:cNvPr>
+          <p:cNvSpPr txBox="1"/>
+          <p:nvPr/>
+        </p:nvSpPr>
+        <p:spPr>
+          <a:xfrm>
+            <a:off x="4955668" y="3686556"/>
+            <a:ext cx="1175963" cy="400110"/>
+          </a:xfrm>
+          <a:prstGeom prst="rect">
+            <a:avLst/>
+          </a:prstGeom>
+          <a:noFill/>
+        </p:spPr>
+        <p:txBody>
+          <a:bodyPr wrap="none" rtlCol="0">
+            <a:spAutoFit/>
+          </a:bodyPr>
+          <a:lstStyle/>
+          <a:p>
+            <a:pPr algn="ctr"/>
+            <a:r>
+              <a:rPr lang="en-US" sz="2000" b="1" dirty="0">
+                <a:solidFill>
+                  <a:srgbClr val="FFFFFF"/>
+                </a:solidFill>
+              </a:rPr>
+              <a:t>Chrysler</a:t>
+            </a:r>
+          </a:p>
+        </p:txBody>
+      </p:sp>
+      <p:sp>
+        <p:nvSpPr>
+          <p:cNvPr id="25" name="TextBox 24">
+            <a:extLst>
+              <a:ext uri="{FF2B5EF4-FFF2-40B4-BE49-F238E27FC236}">
+                <a16:creationId xmlns:a16="http://schemas.microsoft.com/office/drawing/2014/main" id="{2028D8C2-B161-4945-8B9B-CE92E5EFD8EC}"/>
+              </a:ext>
+            </a:extLst>
+          </p:cNvPr>
+          <p:cNvSpPr txBox="1"/>
+          <p:nvPr/>
+        </p:nvSpPr>
+        <p:spPr>
+          <a:xfrm>
+            <a:off x="9455973" y="4503832"/>
+            <a:ext cx="853119" cy="400110"/>
+          </a:xfrm>
+          <a:prstGeom prst="rect">
+            <a:avLst/>
+          </a:prstGeom>
+          <a:noFill/>
+        </p:spPr>
+        <p:txBody>
+          <a:bodyPr wrap="none" rtlCol="0">
+            <a:spAutoFit/>
+          </a:bodyPr>
+          <a:lstStyle/>
+          <a:p>
+            <a:pPr algn="ctr"/>
+            <a:r>
+              <a:rPr lang="en-US" sz="2000" b="1" dirty="0">
+                <a:solidFill>
+                  <a:srgbClr val="FFFFFF"/>
+                </a:solidFill>
+              </a:rPr>
+              <a:t>BMW</a:t>
+            </a:r>
+          </a:p>
+        </p:txBody>
+      </p:sp>
+      <p:sp>
+        <p:nvSpPr>
+          <p:cNvPr id="24" name="TextBox 23">
+            <a:extLst>
+              <a:ext uri="{FF2B5EF4-FFF2-40B4-BE49-F238E27FC236}">
+                <a16:creationId xmlns:a16="http://schemas.microsoft.com/office/drawing/2014/main" id="{A97B1797-099B-471F-8E31-C0A8564ACF5E}"/>
+              </a:ext>
+            </a:extLst>
+          </p:cNvPr>
+          <p:cNvSpPr txBox="1"/>
+          <p:nvPr/>
+        </p:nvSpPr>
+        <p:spPr>
+          <a:xfrm>
+            <a:off x="4417045" y="5809410"/>
+            <a:ext cx="5161991" cy="830997"/>
+          </a:xfrm>
+          <a:prstGeom prst="rect">
+            <a:avLst/>
+          </a:prstGeom>
+          <a:noFill/>
+        </p:spPr>
+        <p:txBody>
+          <a:bodyPr wrap="none" rtlCol="0">
+            <a:spAutoFit/>
+          </a:bodyPr>
+          <a:lstStyle/>
+          <a:p>
+            <a:r>
+              <a:rPr lang="en-US" sz="2400" b="1" dirty="0">
+                <a:solidFill>
+                  <a:srgbClr val="E00BE5"/>
+                </a:solidFill>
+                <a:latin typeface="Courier New" panose="02070309020205020404" pitchFamily="49" charset="0"/>
+                <a:cs typeface="Courier New" panose="02070309020205020404" pitchFamily="49" charset="0"/>
+              </a:rPr>
+              <a:t>&gt;&gt;&gt; </a:t>
+            </a:r>
+            <a:r>
+              <a:rPr lang="en-US" sz="2400" b="1" dirty="0">
+                <a:solidFill>
+                  <a:srgbClr val="00FF00"/>
+                </a:solidFill>
+                <a:latin typeface="Courier New" panose="02070309020205020404" pitchFamily="49" charset="0"/>
+                <a:cs typeface="Courier New" panose="02070309020205020404" pitchFamily="49" charset="0"/>
+              </a:rPr>
+              <a:t>‘ford’ </a:t>
+            </a:r>
+            <a:r>
+              <a:rPr lang="en-US" sz="2400" b="1" dirty="0">
+                <a:solidFill>
+                  <a:srgbClr val="E00BE5"/>
+                </a:solidFill>
+                <a:latin typeface="Courier New" panose="02070309020205020404" pitchFamily="49" charset="0"/>
+                <a:cs typeface="Courier New" panose="02070309020205020404" pitchFamily="49" charset="0"/>
+              </a:rPr>
+              <a:t>in</a:t>
+            </a:r>
+            <a:r>
+              <a:rPr lang="en-US" sz="2400" b="1" dirty="0">
+                <a:solidFill>
+                  <a:srgbClr val="00FF00"/>
+                </a:solidFill>
+                <a:latin typeface="Courier New" panose="02070309020205020404" pitchFamily="49" charset="0"/>
+                <a:cs typeface="Courier New" panose="02070309020205020404" pitchFamily="49" charset="0"/>
+              </a:rPr>
+              <a:t> north_america</a:t>
+            </a:r>
+          </a:p>
+          <a:p>
+            <a:r>
+              <a:rPr lang="en-US" sz="2400" b="1" dirty="0">
+                <a:solidFill>
+                  <a:srgbClr val="00FF00"/>
+                </a:solidFill>
+                <a:latin typeface="Courier New" panose="02070309020205020404" pitchFamily="49" charset="0"/>
+                <a:cs typeface="Courier New" panose="02070309020205020404" pitchFamily="49" charset="0"/>
+              </a:rPr>
+              <a:t>True</a:t>
             </a:r>
           </a:p>
         </p:txBody>
@@ -7279,7 +6750,7 @@
     </p:spTree>
     <p:extLst>
       <p:ext uri="{BB962C8B-B14F-4D97-AF65-F5344CB8AC3E}">
-        <p14:creationId xmlns:p14="http://schemas.microsoft.com/office/powerpoint/2010/main" val="2194628603"/>
+        <p14:creationId xmlns:p14="http://schemas.microsoft.com/office/powerpoint/2010/main" val="1398819838"/>
       </p:ext>
     </p:extLst>
   </p:cSld>
@@ -7336,7 +6807,7 @@
           <a:p>
             <a:r>
               <a:rPr lang="en-US" b="1" dirty="0"/>
-              <a:t>Intersection</a:t>
+              <a:t>Union</a:t>
             </a:r>
           </a:p>
         </p:txBody>
@@ -7360,7 +6831,7 @@
         <p:spPr>
           <a:xfrm>
             <a:off x="838200" y="1825624"/>
-            <a:ext cx="4336518" cy="4835479"/>
+            <a:ext cx="4169576" cy="4835479"/>
           </a:xfrm>
         </p:spPr>
         <p:txBody>
@@ -7379,7 +6850,7 @@
                   <a:schemeClr val="accent6"/>
                 </a:solidFill>
               </a:rPr>
-              <a:t>Intersection</a:t>
+              <a:t>Union</a:t>
             </a:r>
             <a:r>
               <a:rPr lang="en-US" dirty="0"/>
@@ -7407,7 +6878,7 @@
             </a:r>
             <a:r>
               <a:rPr lang="en-US" dirty="0"/>
-              <a:t> of all items that are in each </a:t>
+              <a:t> of all items that appear across all </a:t>
             </a:r>
             <a:r>
               <a:rPr lang="en-US" dirty="0">
@@ -7442,26 +6913,26 @@
           </a:p>
           <a:p>
             <a:r>
-              <a:rPr lang="en-US" sz="1500" b="1" dirty="0">
+              <a:rPr lang="en-US" sz="1800" b="1" dirty="0">
                 <a:solidFill>
                   <a:schemeClr val="accent6"/>
                 </a:solidFill>
                 <a:latin typeface="Courier New" panose="02070309020205020404" pitchFamily="49" charset="0"/>
                 <a:cs typeface="Courier New" panose="02070309020205020404" pitchFamily="49" charset="0"/>
               </a:rPr>
-              <a:t>north_america.intersection(europe)</a:t>
-            </a:r>
-          </a:p>
-          <a:p>
-            <a:r>
-              <a:rPr lang="en-US" sz="1500" b="1" dirty="0">
+              <a:t>north_america.union(europe)</a:t>
+            </a:r>
+          </a:p>
+          <a:p>
+            <a:r>
+              <a:rPr lang="en-US" sz="1800" b="1" dirty="0">
                 <a:solidFill>
                   <a:schemeClr val="accent6"/>
                 </a:solidFill>
                 <a:latin typeface="Courier New" panose="02070309020205020404" pitchFamily="49" charset="0"/>
                 <a:cs typeface="Courier New" panose="02070309020205020404" pitchFamily="49" charset="0"/>
               </a:rPr>
-              <a:t>europe.intersection(north_america)</a:t>
+              <a:t>europe.union(north_america)</a:t>
             </a:r>
           </a:p>
           <a:p>
@@ -7473,7 +6944,7 @@
                 <a:latin typeface="Courier New" panose="02070309020205020404" pitchFamily="49" charset="0"/>
                 <a:cs typeface="Courier New" panose="02070309020205020404" pitchFamily="49" charset="0"/>
               </a:rPr>
-              <a:t>north_america &amp; europe</a:t>
+              <a:t>north_america | europe</a:t>
             </a:r>
           </a:p>
           <a:p>
@@ -7485,7 +6956,7 @@
                 <a:latin typeface="Courier New" panose="02070309020205020404" pitchFamily="49" charset="0"/>
                 <a:cs typeface="Courier New" panose="02070309020205020404" pitchFamily="49" charset="0"/>
               </a:rPr>
-              <a:t>europe &amp; north_america</a:t>
+              <a:t>europe | north_america</a:t>
             </a:r>
           </a:p>
           <a:p>
@@ -7512,7 +6983,7 @@
         <p:spPr>
           <a:xfrm>
             <a:off x="1069266" y="5611958"/>
-            <a:ext cx="11122734" cy="830997"/>
+            <a:ext cx="11122734" cy="738664"/>
           </a:xfrm>
           <a:prstGeom prst="rect">
             <a:avLst/>
@@ -7543,19 +7014,19 @@
                 <a:latin typeface="Courier New" panose="02070309020205020404" pitchFamily="49" charset="0"/>
                 <a:cs typeface="Courier New" panose="02070309020205020404" pitchFamily="49" charset="0"/>
               </a:rPr>
-              <a:t>north_america.intersection(europe)</a:t>
-            </a:r>
-          </a:p>
-          <a:p>
-            <a:r>
-              <a:rPr lang="en-US" sz="2400" b="1" dirty="0">
+              <a:t>north_america.union(europe)</a:t>
+            </a:r>
+          </a:p>
+          <a:p>
+            <a:r>
+              <a:rPr lang="en-US" b="1" dirty="0">
                 <a:solidFill>
                   <a:srgbClr val="00FF00"/>
                 </a:solidFill>
                 <a:latin typeface="Courier New" panose="02070309020205020404" pitchFamily="49" charset="0"/>
                 <a:cs typeface="Courier New" panose="02070309020205020404" pitchFamily="49" charset="0"/>
               </a:rPr>
-              <a:t>{‘Mercedes’, ‘BMW’, ‘Ford’, ‘Tesla’}</a:t>
+              <a:t>{‘Mercedes’, ‘BMW’, ‘Ford’, ‘Tesla’, ‘Peugeot’, ‘Chrysler’, ‘Renault’, ‘Dodge’}</a:t>
             </a:r>
           </a:p>
         </p:txBody>
@@ -7626,7 +7097,7 @@
         </p:nvSpPr>
         <p:spPr>
           <a:xfrm>
-            <a:off x="7291753" y="1940174"/>
+            <a:off x="7807565" y="1940174"/>
             <a:ext cx="3329353" cy="3329353"/>
           </a:xfrm>
           <a:prstGeom prst="ellipse">
@@ -7666,6 +7137,62 @@
       </p:sp>
       <p:sp>
         <p:nvSpPr>
+          <p:cNvPr id="28" name="Rectangle 27">
+            <a:extLst>
+              <a:ext uri="{FF2B5EF4-FFF2-40B4-BE49-F238E27FC236}">
+                <a16:creationId xmlns:a16="http://schemas.microsoft.com/office/drawing/2014/main" id="{7D8C0C18-FD4A-4BF0-AF09-1CF3FABA2D08}"/>
+              </a:ext>
+            </a:extLst>
+          </p:cNvPr>
+          <p:cNvSpPr/>
+          <p:nvPr/>
+        </p:nvSpPr>
+        <p:spPr>
+          <a:xfrm>
+            <a:off x="7192227" y="2540928"/>
+            <a:ext cx="1992923" cy="2123834"/>
+          </a:xfrm>
+          <a:prstGeom prst="rect">
+            <a:avLst/>
+          </a:prstGeom>
+          <a:solidFill>
+            <a:schemeClr val="bg1"/>
+          </a:solidFill>
+          <a:ln>
+            <a:noFill/>
+          </a:ln>
+        </p:spPr>
+        <p:style>
+          <a:lnRef idx="2">
+            <a:schemeClr val="accent1">
+              <a:shade val="50000"/>
+            </a:schemeClr>
+          </a:lnRef>
+          <a:fillRef idx="1">
+            <a:schemeClr val="accent1"/>
+          </a:fillRef>
+          <a:effectRef idx="0">
+            <a:schemeClr val="accent1"/>
+          </a:effectRef>
+          <a:fontRef idx="minor">
+            <a:schemeClr val="lt1"/>
+          </a:fontRef>
+        </p:style>
+        <p:txBody>
+          <a:bodyPr rtlCol="0" anchor="ctr"/>
+          <a:lstStyle/>
+          <a:p>
+            <a:pPr algn="ctr"/>
+            <a:endParaRPr lang="en-US">
+              <a:solidFill>
+                <a:schemeClr val="accent6"/>
+              </a:solidFill>
+            </a:endParaRPr>
+          </a:p>
+        </p:txBody>
+      </p:sp>
+      <p:sp>
+        <p:nvSpPr>
           <p:cNvPr id="29" name="TextBox 28">
             <a:extLst>
               <a:ext uri="{FF2B5EF4-FFF2-40B4-BE49-F238E27FC236}">
@@ -7729,7 +7256,7 @@
         </p:nvSpPr>
         <p:spPr>
           <a:xfrm>
-            <a:off x="8270888" y="1272607"/>
+            <a:off x="8786700" y="1272607"/>
             <a:ext cx="1371081" cy="523220"/>
           </a:xfrm>
           <a:prstGeom prst="rect">
@@ -7769,7 +7296,7 @@
         </p:nvSpPr>
         <p:spPr>
           <a:xfrm>
-            <a:off x="7243949" y="3375272"/>
+            <a:off x="6254363" y="2493427"/>
             <a:ext cx="1344214" cy="400110"/>
           </a:xfrm>
           <a:prstGeom prst="rect">
@@ -7809,7 +7336,7 @@
         </p:nvSpPr>
         <p:spPr>
           <a:xfrm>
-            <a:off x="7554601" y="4117813"/>
+            <a:off x="9266630" y="4279771"/>
             <a:ext cx="735073" cy="400110"/>
           </a:xfrm>
           <a:prstGeom prst="rect">
@@ -7849,7 +7376,7 @@
         </p:nvSpPr>
         <p:spPr>
           <a:xfrm>
-            <a:off x="7529058" y="3737939"/>
+            <a:off x="8977249" y="3103995"/>
             <a:ext cx="773994" cy="400110"/>
           </a:xfrm>
           <a:prstGeom prst="rect">
@@ -7889,7 +7416,7 @@
         </p:nvSpPr>
         <p:spPr>
           <a:xfrm>
-            <a:off x="7489496" y="3002590"/>
+            <a:off x="6859464" y="3235968"/>
             <a:ext cx="853119" cy="400110"/>
           </a:xfrm>
           <a:prstGeom prst="rect">
@@ -7911,6 +7438,166 @@
                 </a:solidFill>
               </a:rPr>
               <a:t>BMW</a:t>
+            </a:r>
+          </a:p>
+        </p:txBody>
+      </p:sp>
+      <p:sp>
+        <p:nvSpPr>
+          <p:cNvPr id="35" name="TextBox 34">
+            <a:extLst>
+              <a:ext uri="{FF2B5EF4-FFF2-40B4-BE49-F238E27FC236}">
+                <a16:creationId xmlns:a16="http://schemas.microsoft.com/office/drawing/2014/main" id="{61BED724-EB05-4F7F-800D-F44314034F35}"/>
+              </a:ext>
+            </a:extLst>
+          </p:cNvPr>
+          <p:cNvSpPr txBox="1"/>
+          <p:nvPr/>
+        </p:nvSpPr>
+        <p:spPr>
+          <a:xfrm>
+            <a:off x="8203493" y="3753099"/>
+            <a:ext cx="1175963" cy="400110"/>
+          </a:xfrm>
+          <a:prstGeom prst="rect">
+            <a:avLst/>
+          </a:prstGeom>
+          <a:noFill/>
+        </p:spPr>
+        <p:txBody>
+          <a:bodyPr wrap="none" rtlCol="0">
+            <a:spAutoFit/>
+          </a:bodyPr>
+          <a:lstStyle/>
+          <a:p>
+            <a:pPr algn="ctr"/>
+            <a:r>
+              <a:rPr lang="en-US" sz="2000" b="1" dirty="0">
+                <a:solidFill>
+                  <a:schemeClr val="accent6"/>
+                </a:solidFill>
+              </a:rPr>
+              <a:t>Chrysler</a:t>
+            </a:r>
+          </a:p>
+        </p:txBody>
+      </p:sp>
+      <p:sp>
+        <p:nvSpPr>
+          <p:cNvPr id="36" name="TextBox 35">
+            <a:extLst>
+              <a:ext uri="{FF2B5EF4-FFF2-40B4-BE49-F238E27FC236}">
+                <a16:creationId xmlns:a16="http://schemas.microsoft.com/office/drawing/2014/main" id="{62BA1BB0-B5E2-42A7-9592-65C56562E7D7}"/>
+              </a:ext>
+            </a:extLst>
+          </p:cNvPr>
+          <p:cNvSpPr txBox="1"/>
+          <p:nvPr/>
+        </p:nvSpPr>
+        <p:spPr>
+          <a:xfrm>
+            <a:off x="6236812" y="4475474"/>
+            <a:ext cx="987771" cy="400110"/>
+          </a:xfrm>
+          <a:prstGeom prst="rect">
+            <a:avLst/>
+          </a:prstGeom>
+          <a:noFill/>
+        </p:spPr>
+        <p:txBody>
+          <a:bodyPr wrap="none" rtlCol="0">
+            <a:spAutoFit/>
+          </a:bodyPr>
+          <a:lstStyle/>
+          <a:p>
+            <a:pPr algn="ctr"/>
+            <a:r>
+              <a:rPr lang="en-US" sz="2000" b="1" dirty="0">
+                <a:solidFill>
+                  <a:schemeClr val="accent6"/>
+                </a:solidFill>
+              </a:rPr>
+              <a:t>Dodge</a:t>
+            </a:r>
+          </a:p>
+        </p:txBody>
+      </p:sp>
+      <p:sp>
+        <p:nvSpPr>
+          <p:cNvPr id="37" name="TextBox 36">
+            <a:extLst>
+              <a:ext uri="{FF2B5EF4-FFF2-40B4-BE49-F238E27FC236}">
+                <a16:creationId xmlns:a16="http://schemas.microsoft.com/office/drawing/2014/main" id="{2FF1F36E-F407-49E3-9E70-251BF0729188}"/>
+              </a:ext>
+            </a:extLst>
+          </p:cNvPr>
+          <p:cNvSpPr txBox="1"/>
+          <p:nvPr/>
+        </p:nvSpPr>
+        <p:spPr>
+          <a:xfrm>
+            <a:off x="9129099" y="2299869"/>
+            <a:ext cx="1104791" cy="400110"/>
+          </a:xfrm>
+          <a:prstGeom prst="rect">
+            <a:avLst/>
+          </a:prstGeom>
+          <a:noFill/>
+        </p:spPr>
+        <p:txBody>
+          <a:bodyPr wrap="none" rtlCol="0">
+            <a:spAutoFit/>
+          </a:bodyPr>
+          <a:lstStyle/>
+          <a:p>
+            <a:pPr algn="ctr"/>
+            <a:r>
+              <a:rPr lang="en-US" sz="2000" b="1" dirty="0">
+                <a:solidFill>
+                  <a:schemeClr val="accent6"/>
+                </a:solidFill>
+              </a:rPr>
+              <a:t>Renault</a:t>
+            </a:r>
+          </a:p>
+        </p:txBody>
+      </p:sp>
+      <p:sp>
+        <p:nvSpPr>
+          <p:cNvPr id="38" name="TextBox 37">
+            <a:extLst>
+              <a:ext uri="{FF2B5EF4-FFF2-40B4-BE49-F238E27FC236}">
+                <a16:creationId xmlns:a16="http://schemas.microsoft.com/office/drawing/2014/main" id="{92936204-C3F6-4665-9F36-4208F7BE26D9}"/>
+              </a:ext>
+            </a:extLst>
+          </p:cNvPr>
+          <p:cNvSpPr txBox="1"/>
+          <p:nvPr/>
+        </p:nvSpPr>
+        <p:spPr>
+          <a:xfrm>
+            <a:off x="5570065" y="3683567"/>
+            <a:ext cx="1183722" cy="400110"/>
+          </a:xfrm>
+          <a:prstGeom prst="rect">
+            <a:avLst/>
+          </a:prstGeom>
+          <a:noFill/>
+        </p:spPr>
+        <p:txBody>
+          <a:bodyPr wrap="none" rtlCol="0">
+            <a:spAutoFit/>
+          </a:bodyPr>
+          <a:lstStyle/>
+          <a:p>
+            <a:pPr algn="ctr"/>
+            <a:r>
+              <a:rPr lang="en-US" sz="2000" b="1" dirty="0">
+                <a:solidFill>
+                  <a:schemeClr val="accent6"/>
+                </a:solidFill>
+              </a:rPr>
+              <a:t>Peugeot</a:t>
             </a:r>
           </a:p>
         </p:txBody>
@@ -7918,7 +7605,7 @@
     </p:spTree>
     <p:extLst>
       <p:ext uri="{BB962C8B-B14F-4D97-AF65-F5344CB8AC3E}">
-        <p14:creationId xmlns:p14="http://schemas.microsoft.com/office/powerpoint/2010/main" val="1001547637"/>
+        <p14:creationId xmlns:p14="http://schemas.microsoft.com/office/powerpoint/2010/main" val="2194628603"/>
       </p:ext>
     </p:extLst>
   </p:cSld>
@@ -8178,7 +7865,7 @@
           <a:p>
             <a:r>
               <a:rPr lang="en-US" b="1" dirty="0"/>
-              <a:t>Sets</a:t>
+              <a:t>Intersection</a:t>
             </a:r>
           </a:p>
         </p:txBody>
@@ -8201,8 +7888,8 @@
         </p:nvSpPr>
         <p:spPr>
           <a:xfrm>
-            <a:off x="838199" y="1825624"/>
-            <a:ext cx="5562601" cy="4835479"/>
+            <a:off x="838200" y="1825624"/>
+            <a:ext cx="4336518" cy="4835479"/>
           </a:xfrm>
         </p:spPr>
         <p:txBody>
@@ -8212,47 +7899,126 @@
           <a:lstStyle/>
           <a:p>
             <a:r>
-              <a:rPr lang="en-US" sz="3200" dirty="0"/>
-              <a:t>Let</a:t>
-            </a:r>
-            <a:r>
-              <a:rPr lang="en-US" sz="3200" dirty="0">
+              <a:rPr lang="en-US" dirty="0"/>
+              <a:t>The </a:t>
+            </a:r>
+            <a:r>
+              <a:rPr lang="en-US" dirty="0">
+                <a:solidFill>
+                  <a:schemeClr val="accent6"/>
+                </a:solidFill>
+              </a:rPr>
+              <a:t>Intersection</a:t>
+            </a:r>
+            <a:r>
+              <a:rPr lang="en-US" dirty="0"/>
+              <a:t> of two or more </a:t>
+            </a:r>
+            <a:r>
+              <a:rPr lang="en-US" dirty="0">
+                <a:solidFill>
+                  <a:schemeClr val="accent6"/>
+                </a:solidFill>
+              </a:rPr>
+              <a:t>Sets</a:t>
+            </a:r>
+            <a:r>
+              <a:rPr lang="en-US" dirty="0"/>
+              <a:t> is the </a:t>
+            </a:r>
+            <a:r>
+              <a:rPr lang="en-US" dirty="0">
+                <a:solidFill>
+                  <a:schemeClr val="accent6"/>
+                </a:solidFill>
+              </a:rPr>
+              <a:t>Set</a:t>
+            </a:r>
+            <a:r>
+              <a:rPr lang="en-US" dirty="0"/>
+              <a:t> of all items that are in each </a:t>
+            </a:r>
+            <a:r>
+              <a:rPr lang="en-US" dirty="0">
+                <a:solidFill>
+                  <a:schemeClr val="accent6"/>
+                </a:solidFill>
+              </a:rPr>
+              <a:t>Sets</a:t>
+            </a:r>
+            <a:r>
+              <a:rPr lang="en-US" dirty="0">
                 <a:solidFill>
                   <a:schemeClr val="accent2"/>
                 </a:solidFill>
               </a:rPr>
-              <a:t>’</a:t>
-            </a:r>
-            <a:r>
-              <a:rPr lang="en-US" sz="3200" dirty="0"/>
-              <a:t>s work through some problems with </a:t>
-            </a:r>
-            <a:r>
-              <a:rPr lang="en-US" sz="3200" dirty="0">
-                <a:solidFill>
-                  <a:schemeClr val="accent6"/>
-                </a:solidFill>
-              </a:rPr>
-              <a:t>Sets</a:t>
-            </a:r>
-            <a:r>
-              <a:rPr lang="en-US" sz="3200" dirty="0">
+              <a:t>.</a:t>
+            </a:r>
+          </a:p>
+          <a:p>
+            <a:r>
+              <a:rPr lang="en-US" dirty="0"/>
+              <a:t>Items appear once</a:t>
+            </a:r>
+            <a:r>
+              <a:rPr lang="en-US" dirty="0">
                 <a:solidFill>
                   <a:schemeClr val="accent2"/>
                 </a:solidFill>
               </a:rPr>
               <a:t>.</a:t>
             </a:r>
-            <a:endParaRPr lang="en-US" sz="2000" b="1" dirty="0">
-              <a:solidFill>
-                <a:schemeClr val="accent2"/>
-              </a:solidFill>
-              <a:latin typeface="Courier New" panose="02070309020205020404" pitchFamily="49" charset="0"/>
-              <a:cs typeface="Courier New" panose="02070309020205020404" pitchFamily="49" charset="0"/>
-            </a:endParaRPr>
-          </a:p>
-          <a:p>
-            <a:endParaRPr lang="en-US" sz="3200" dirty="0">
+          </a:p>
+          <a:p>
+            <a:r>
+              <a:rPr lang="en-US" sz="1500" b="1" dirty="0">
+                <a:solidFill>
+                  <a:schemeClr val="accent6"/>
+                </a:solidFill>
+                <a:latin typeface="Courier New" panose="02070309020205020404" pitchFamily="49" charset="0"/>
+                <a:cs typeface="Courier New" panose="02070309020205020404" pitchFamily="49" charset="0"/>
+              </a:rPr>
+              <a:t>north_america.intersection(europe)</a:t>
+            </a:r>
+          </a:p>
+          <a:p>
+            <a:r>
+              <a:rPr lang="en-US" sz="1500" b="1" dirty="0">
+                <a:solidFill>
+                  <a:schemeClr val="accent6"/>
+                </a:solidFill>
+                <a:latin typeface="Courier New" panose="02070309020205020404" pitchFamily="49" charset="0"/>
+                <a:cs typeface="Courier New" panose="02070309020205020404" pitchFamily="49" charset="0"/>
+              </a:rPr>
+              <a:t>europe.intersection(north_america)</a:t>
+            </a:r>
+          </a:p>
+          <a:p>
+            <a:r>
+              <a:rPr lang="en-US" sz="1800" b="1" dirty="0">
+                <a:solidFill>
+                  <a:schemeClr val="accent6"/>
+                </a:solidFill>
+                <a:latin typeface="Courier New" panose="02070309020205020404" pitchFamily="49" charset="0"/>
+                <a:cs typeface="Courier New" panose="02070309020205020404" pitchFamily="49" charset="0"/>
+              </a:rPr>
+              <a:t>north_america &amp; europe</a:t>
+            </a:r>
+          </a:p>
+          <a:p>
+            <a:r>
+              <a:rPr lang="en-US" sz="1800" b="1" dirty="0">
+                <a:solidFill>
+                  <a:schemeClr val="accent6"/>
+                </a:solidFill>
+                <a:latin typeface="Courier New" panose="02070309020205020404" pitchFamily="49" charset="0"/>
+                <a:cs typeface="Courier New" panose="02070309020205020404" pitchFamily="49" charset="0"/>
+              </a:rPr>
+              <a:t>europe &amp; north_america</a:t>
+            </a:r>
+          </a:p>
+          <a:p>
+            <a:endParaRPr lang="en-US" dirty="0">
               <a:solidFill>
                 <a:schemeClr val="accent2"/>
               </a:solidFill>
@@ -8262,10 +8028,73 @@
       </p:sp>
       <p:sp>
         <p:nvSpPr>
-          <p:cNvPr id="13" name="Rectangle: Rounded Corners 12">
-            <a:extLst>
-              <a:ext uri="{FF2B5EF4-FFF2-40B4-BE49-F238E27FC236}">
-                <a16:creationId xmlns:a16="http://schemas.microsoft.com/office/drawing/2014/main" id="{091FE633-6702-458C-921B-8AFDFB76C5FF}"/>
+          <p:cNvPr id="24" name="TextBox 23">
+            <a:extLst>
+              <a:ext uri="{FF2B5EF4-FFF2-40B4-BE49-F238E27FC236}">
+                <a16:creationId xmlns:a16="http://schemas.microsoft.com/office/drawing/2014/main" id="{A97B1797-099B-471F-8E31-C0A8564ACF5E}"/>
+              </a:ext>
+            </a:extLst>
+          </p:cNvPr>
+          <p:cNvSpPr txBox="1"/>
+          <p:nvPr/>
+        </p:nvSpPr>
+        <p:spPr>
+          <a:xfrm>
+            <a:off x="1069266" y="5611958"/>
+            <a:ext cx="11122734" cy="830997"/>
+          </a:xfrm>
+          <a:prstGeom prst="rect">
+            <a:avLst/>
+          </a:prstGeom>
+          <a:noFill/>
+        </p:spPr>
+        <p:txBody>
+          <a:bodyPr wrap="square" rtlCol="0">
+            <a:spAutoFit/>
+          </a:bodyPr>
+          <a:lstStyle/>
+          <a:p>
+            <a:r>
+              <a:rPr lang="en-US" sz="2400" b="1" dirty="0">
+                <a:solidFill>
+                  <a:srgbClr val="E00BE5"/>
+                </a:solidFill>
+                <a:latin typeface="Courier New" panose="02070309020205020404" pitchFamily="49" charset="0"/>
+                <a:cs typeface="Courier New" panose="02070309020205020404" pitchFamily="49" charset="0"/>
+              </a:rPr>
+              <a:t>&gt;&gt;&gt; </a:t>
+            </a:r>
+            <a:r>
+              <a:rPr lang="en-US" sz="2400" b="1" dirty="0">
+                <a:solidFill>
+                  <a:srgbClr val="00FF00"/>
+                </a:solidFill>
+                <a:latin typeface="Courier New" panose="02070309020205020404" pitchFamily="49" charset="0"/>
+                <a:cs typeface="Courier New" panose="02070309020205020404" pitchFamily="49" charset="0"/>
+              </a:rPr>
+              <a:t>north_america.intersection(europe)</a:t>
+            </a:r>
+          </a:p>
+          <a:p>
+            <a:r>
+              <a:rPr lang="en-US" sz="2400" b="1" dirty="0">
+                <a:solidFill>
+                  <a:srgbClr val="00FF00"/>
+                </a:solidFill>
+                <a:latin typeface="Courier New" panose="02070309020205020404" pitchFamily="49" charset="0"/>
+                <a:cs typeface="Courier New" panose="02070309020205020404" pitchFamily="49" charset="0"/>
+              </a:rPr>
+              <a:t>{‘Mercedes’, ‘BMW’, ‘Ford’, ‘Tesla’}</a:t>
+            </a:r>
+          </a:p>
+        </p:txBody>
+      </p:sp>
+      <p:sp>
+        <p:nvSpPr>
+          <p:cNvPr id="26" name="Oval 25">
+            <a:extLst>
+              <a:ext uri="{FF2B5EF4-FFF2-40B4-BE49-F238E27FC236}">
+                <a16:creationId xmlns:a16="http://schemas.microsoft.com/office/drawing/2014/main" id="{0076A352-B168-4DB9-B606-F971E11EEC04}"/>
               </a:ext>
             </a:extLst>
           </p:cNvPr>
@@ -8274,10 +8103,10 @@
         </p:nvSpPr>
         <p:spPr>
           <a:xfrm>
-            <a:off x="7844590" y="1949006"/>
-            <a:ext cx="3958389" cy="4418765"/>
-          </a:xfrm>
-          <a:prstGeom prst="roundRect">
+            <a:off x="5216764" y="1940174"/>
+            <a:ext cx="3329353" cy="3329353"/>
+          </a:xfrm>
+          <a:prstGeom prst="ellipse">
             <a:avLst/>
           </a:prstGeom>
           <a:noFill/>
@@ -8307,56 +8136,310 @@
           <a:bodyPr rtlCol="0" anchor="ctr"/>
           <a:lstStyle/>
           <a:p>
-            <a:r>
-              <a:rPr lang="en-US" sz="4400" b="1" dirty="0">
+            <a:pPr algn="ctr"/>
+            <a:endParaRPr lang="en-US"/>
+          </a:p>
+        </p:txBody>
+      </p:sp>
+      <p:sp>
+        <p:nvSpPr>
+          <p:cNvPr id="27" name="Oval 26">
+            <a:extLst>
+              <a:ext uri="{FF2B5EF4-FFF2-40B4-BE49-F238E27FC236}">
+                <a16:creationId xmlns:a16="http://schemas.microsoft.com/office/drawing/2014/main" id="{BA5757EE-25E8-4260-AEFB-12521FBF0AFE}"/>
+              </a:ext>
+            </a:extLst>
+          </p:cNvPr>
+          <p:cNvSpPr/>
+          <p:nvPr/>
+        </p:nvSpPr>
+        <p:spPr>
+          <a:xfrm>
+            <a:off x="7291753" y="1940174"/>
+            <a:ext cx="3329353" cy="3329353"/>
+          </a:xfrm>
+          <a:prstGeom prst="ellipse">
+            <a:avLst/>
+          </a:prstGeom>
+          <a:noFill/>
+          <a:ln w="76200">
+            <a:solidFill>
+              <a:schemeClr val="accent2"/>
+            </a:solidFill>
+          </a:ln>
+        </p:spPr>
+        <p:style>
+          <a:lnRef idx="2">
+            <a:schemeClr val="accent1">
+              <a:shade val="50000"/>
+            </a:schemeClr>
+          </a:lnRef>
+          <a:fillRef idx="1">
+            <a:schemeClr val="accent1"/>
+          </a:fillRef>
+          <a:effectRef idx="0">
+            <a:schemeClr val="accent1"/>
+          </a:effectRef>
+          <a:fontRef idx="minor">
+            <a:schemeClr val="lt1"/>
+          </a:fontRef>
+        </p:style>
+        <p:txBody>
+          <a:bodyPr rtlCol="0" anchor="ctr"/>
+          <a:lstStyle/>
+          <a:p>
+            <a:pPr algn="ctr"/>
+            <a:endParaRPr lang="en-US"/>
+          </a:p>
+        </p:txBody>
+      </p:sp>
+      <p:sp>
+        <p:nvSpPr>
+          <p:cNvPr id="29" name="TextBox 28">
+            <a:extLst>
+              <a:ext uri="{FF2B5EF4-FFF2-40B4-BE49-F238E27FC236}">
+                <a16:creationId xmlns:a16="http://schemas.microsoft.com/office/drawing/2014/main" id="{A4540FF3-C544-4A7D-81B4-7D3986A187A9}"/>
+              </a:ext>
+            </a:extLst>
+          </p:cNvPr>
+          <p:cNvSpPr txBox="1"/>
+          <p:nvPr/>
+        </p:nvSpPr>
+        <p:spPr>
+          <a:xfrm>
+            <a:off x="6094301" y="841720"/>
+            <a:ext cx="1574277" cy="954107"/>
+          </a:xfrm>
+          <a:prstGeom prst="rect">
+            <a:avLst/>
+          </a:prstGeom>
+          <a:noFill/>
+        </p:spPr>
+        <p:txBody>
+          <a:bodyPr wrap="none" rtlCol="0">
+            <a:spAutoFit/>
+          </a:bodyPr>
+          <a:lstStyle/>
+          <a:p>
+            <a:pPr algn="ctr"/>
+            <a:r>
+              <a:rPr lang="en-US" sz="2800" b="1" dirty="0">
                 <a:solidFill>
                   <a:srgbClr val="FFFFFF"/>
                 </a:solidFill>
               </a:rPr>
-              <a:t>Open your notebook</a:t>
-            </a:r>
-          </a:p>
-          <a:p>
-            <a:endParaRPr lang="en-US" sz="4400" b="1" dirty="0">
-              <a:solidFill>
-                <a:srgbClr val="FFFFFF"/>
-              </a:solidFill>
-            </a:endParaRPr>
-          </a:p>
-          <a:p>
+              <a:t>North</a:t>
+            </a:r>
+          </a:p>
+          <a:p>
+            <a:pPr algn="ctr"/>
             <a:r>
               <a:rPr lang="en-US" sz="2800" b="1" dirty="0">
                 <a:solidFill>
                   <a:srgbClr val="FFFFFF"/>
                 </a:solidFill>
               </a:rPr>
-              <a:t>Click Link</a:t>
-            </a:r>
+              <a:t>America</a:t>
+            </a:r>
+          </a:p>
+        </p:txBody>
+      </p:sp>
+      <p:sp>
+        <p:nvSpPr>
+          <p:cNvPr id="30" name="TextBox 29">
+            <a:extLst>
+              <a:ext uri="{FF2B5EF4-FFF2-40B4-BE49-F238E27FC236}">
+                <a16:creationId xmlns:a16="http://schemas.microsoft.com/office/drawing/2014/main" id="{373984F6-0F1E-4921-9DEB-25265F01245C}"/>
+              </a:ext>
+            </a:extLst>
+          </p:cNvPr>
+          <p:cNvSpPr txBox="1"/>
+          <p:nvPr/>
+        </p:nvSpPr>
+        <p:spPr>
+          <a:xfrm>
+            <a:off x="8270888" y="1272607"/>
+            <a:ext cx="1371081" cy="523220"/>
+          </a:xfrm>
+          <a:prstGeom prst="rect">
+            <a:avLst/>
+          </a:prstGeom>
+          <a:noFill/>
+        </p:spPr>
+        <p:txBody>
+          <a:bodyPr wrap="none" rtlCol="0">
+            <a:spAutoFit/>
+          </a:bodyPr>
+          <a:lstStyle/>
+          <a:p>
+            <a:pPr algn="ctr"/>
             <a:r>
               <a:rPr lang="en-US" sz="2800" b="1" dirty="0">
                 <a:solidFill>
-                  <a:schemeClr val="accent6"/>
-                </a:solidFill>
-              </a:rPr>
-              <a:t>:</a:t>
-            </a:r>
-          </a:p>
-          <a:p>
-            <a:r>
-              <a:rPr lang="en-US" sz="2800" b="1" dirty="0">
-                <a:solidFill>
-                  <a:schemeClr val="accent6"/>
-                </a:solidFill>
-              </a:rPr>
-              <a:t>7. </a:t>
-            </a:r>
-            <a:r>
-              <a:rPr lang="en-US" sz="2600" b="1" dirty="0">
-                <a:solidFill>
-                  <a:schemeClr val="accent6"/>
-                </a:solidFill>
-              </a:rPr>
-              <a:t>Sets</a:t>
+                  <a:srgbClr val="FFFFFF"/>
+                </a:solidFill>
+              </a:rPr>
+              <a:t>Europe</a:t>
+            </a:r>
+          </a:p>
+        </p:txBody>
+      </p:sp>
+      <p:sp>
+        <p:nvSpPr>
+          <p:cNvPr id="31" name="TextBox 30">
+            <a:extLst>
+              <a:ext uri="{FF2B5EF4-FFF2-40B4-BE49-F238E27FC236}">
+                <a16:creationId xmlns:a16="http://schemas.microsoft.com/office/drawing/2014/main" id="{D6B52080-EA9A-4ABF-80F3-099C8CA29FC2}"/>
+              </a:ext>
+            </a:extLst>
+          </p:cNvPr>
+          <p:cNvSpPr txBox="1"/>
+          <p:nvPr/>
+        </p:nvSpPr>
+        <p:spPr>
+          <a:xfrm>
+            <a:off x="7243949" y="3375272"/>
+            <a:ext cx="1344214" cy="400110"/>
+          </a:xfrm>
+          <a:prstGeom prst="rect">
+            <a:avLst/>
+          </a:prstGeom>
+          <a:noFill/>
+        </p:spPr>
+        <p:txBody>
+          <a:bodyPr wrap="none" rtlCol="0">
+            <a:spAutoFit/>
+          </a:bodyPr>
+          <a:lstStyle/>
+          <a:p>
+            <a:pPr algn="ctr"/>
+            <a:r>
+              <a:rPr lang="en-US" sz="2000" b="1" dirty="0">
+                <a:solidFill>
+                  <a:schemeClr val="accent6"/>
+                </a:solidFill>
+              </a:rPr>
+              <a:t>Mercedes</a:t>
+            </a:r>
+          </a:p>
+        </p:txBody>
+      </p:sp>
+      <p:sp>
+        <p:nvSpPr>
+          <p:cNvPr id="32" name="TextBox 31">
+            <a:extLst>
+              <a:ext uri="{FF2B5EF4-FFF2-40B4-BE49-F238E27FC236}">
+                <a16:creationId xmlns:a16="http://schemas.microsoft.com/office/drawing/2014/main" id="{E0C15BDC-1BEF-435B-9C87-AFE95C02E3D5}"/>
+              </a:ext>
+            </a:extLst>
+          </p:cNvPr>
+          <p:cNvSpPr txBox="1"/>
+          <p:nvPr/>
+        </p:nvSpPr>
+        <p:spPr>
+          <a:xfrm>
+            <a:off x="7554601" y="4117813"/>
+            <a:ext cx="735073" cy="400110"/>
+          </a:xfrm>
+          <a:prstGeom prst="rect">
+            <a:avLst/>
+          </a:prstGeom>
+          <a:noFill/>
+        </p:spPr>
+        <p:txBody>
+          <a:bodyPr wrap="none" rtlCol="0">
+            <a:spAutoFit/>
+          </a:bodyPr>
+          <a:lstStyle/>
+          <a:p>
+            <a:pPr algn="ctr"/>
+            <a:r>
+              <a:rPr lang="en-US" sz="2000" b="1" dirty="0">
+                <a:solidFill>
+                  <a:schemeClr val="accent6"/>
+                </a:solidFill>
+              </a:rPr>
+              <a:t>Ford</a:t>
+            </a:r>
+          </a:p>
+        </p:txBody>
+      </p:sp>
+      <p:sp>
+        <p:nvSpPr>
+          <p:cNvPr id="33" name="TextBox 32">
+            <a:extLst>
+              <a:ext uri="{FF2B5EF4-FFF2-40B4-BE49-F238E27FC236}">
+                <a16:creationId xmlns:a16="http://schemas.microsoft.com/office/drawing/2014/main" id="{BDA02AF4-46AD-45D8-AA85-835A188A237B}"/>
+              </a:ext>
+            </a:extLst>
+          </p:cNvPr>
+          <p:cNvSpPr txBox="1"/>
+          <p:nvPr/>
+        </p:nvSpPr>
+        <p:spPr>
+          <a:xfrm>
+            <a:off x="7529058" y="3737939"/>
+            <a:ext cx="773994" cy="400110"/>
+          </a:xfrm>
+          <a:prstGeom prst="rect">
+            <a:avLst/>
+          </a:prstGeom>
+          <a:noFill/>
+        </p:spPr>
+        <p:txBody>
+          <a:bodyPr wrap="none" rtlCol="0">
+            <a:spAutoFit/>
+          </a:bodyPr>
+          <a:lstStyle/>
+          <a:p>
+            <a:pPr algn="ctr"/>
+            <a:r>
+              <a:rPr lang="en-US" sz="2000" b="1" dirty="0">
+                <a:solidFill>
+                  <a:schemeClr val="accent6"/>
+                </a:solidFill>
+              </a:rPr>
+              <a:t>Tesla</a:t>
+            </a:r>
+          </a:p>
+        </p:txBody>
+      </p:sp>
+      <p:sp>
+        <p:nvSpPr>
+          <p:cNvPr id="34" name="TextBox 33">
+            <a:extLst>
+              <a:ext uri="{FF2B5EF4-FFF2-40B4-BE49-F238E27FC236}">
+                <a16:creationId xmlns:a16="http://schemas.microsoft.com/office/drawing/2014/main" id="{43C29483-EA0F-412B-9E43-6134E4DC928A}"/>
+              </a:ext>
+            </a:extLst>
+          </p:cNvPr>
+          <p:cNvSpPr txBox="1"/>
+          <p:nvPr/>
+        </p:nvSpPr>
+        <p:spPr>
+          <a:xfrm>
+            <a:off x="7489496" y="3002590"/>
+            <a:ext cx="853119" cy="400110"/>
+          </a:xfrm>
+          <a:prstGeom prst="rect">
+            <a:avLst/>
+          </a:prstGeom>
+          <a:noFill/>
+        </p:spPr>
+        <p:txBody>
+          <a:bodyPr wrap="none" rtlCol="0">
+            <a:spAutoFit/>
+          </a:bodyPr>
+          <a:lstStyle/>
+          <a:p>
+            <a:pPr algn="ctr"/>
+            <a:r>
+              <a:rPr lang="en-US" sz="2000" b="1" dirty="0">
+                <a:solidFill>
+                  <a:schemeClr val="accent6"/>
+                </a:solidFill>
+              </a:rPr>
+              <a:t>BMW</a:t>
             </a:r>
           </a:p>
         </p:txBody>
@@ -8364,7 +8447,7 @@
     </p:spTree>
     <p:extLst>
       <p:ext uri="{BB962C8B-B14F-4D97-AF65-F5344CB8AC3E}">
-        <p14:creationId xmlns:p14="http://schemas.microsoft.com/office/powerpoint/2010/main" val="3902011031"/>
+        <p14:creationId xmlns:p14="http://schemas.microsoft.com/office/powerpoint/2010/main" val="1001547637"/>
       </p:ext>
     </p:extLst>
   </p:cSld>
@@ -8393,6 +8476,249 @@
       </p:grpSpPr>
       <p:sp>
         <p:nvSpPr>
+          <p:cNvPr id="2" name="Title 1">
+            <a:extLst>
+              <a:ext uri="{FF2B5EF4-FFF2-40B4-BE49-F238E27FC236}">
+                <a16:creationId xmlns:a16="http://schemas.microsoft.com/office/drawing/2014/main" id="{2B890242-F9AE-4F83-9284-FEF027024B13}"/>
+              </a:ext>
+            </a:extLst>
+          </p:cNvPr>
+          <p:cNvSpPr>
+            <a:spLocks noGrp="1"/>
+          </p:cNvSpPr>
+          <p:nvPr>
+            <p:ph type="title"/>
+          </p:nvPr>
+        </p:nvSpPr>
+        <p:spPr>
+          <a:xfrm>
+            <a:off x="838200" y="727514"/>
+            <a:ext cx="10515600" cy="656148"/>
+          </a:xfrm>
+        </p:spPr>
+        <p:txBody>
+          <a:bodyPr>
+            <a:normAutofit fontScale="90000"/>
+          </a:bodyPr>
+          <a:lstStyle/>
+          <a:p>
+            <a:r>
+              <a:rPr lang="en-US" b="1" dirty="0"/>
+              <a:t>Sets</a:t>
+            </a:r>
+          </a:p>
+        </p:txBody>
+      </p:sp>
+      <p:sp>
+        <p:nvSpPr>
+          <p:cNvPr id="3" name="Content Placeholder 2">
+            <a:extLst>
+              <a:ext uri="{FF2B5EF4-FFF2-40B4-BE49-F238E27FC236}">
+                <a16:creationId xmlns:a16="http://schemas.microsoft.com/office/drawing/2014/main" id="{815EE6AB-A029-4EEE-B18C-9C78720CD03A}"/>
+              </a:ext>
+            </a:extLst>
+          </p:cNvPr>
+          <p:cNvSpPr>
+            <a:spLocks noGrp="1"/>
+          </p:cNvSpPr>
+          <p:nvPr>
+            <p:ph idx="1"/>
+          </p:nvPr>
+        </p:nvSpPr>
+        <p:spPr>
+          <a:xfrm>
+            <a:off x="838199" y="1825624"/>
+            <a:ext cx="5562601" cy="4835479"/>
+          </a:xfrm>
+        </p:spPr>
+        <p:txBody>
+          <a:bodyPr>
+            <a:normAutofit/>
+          </a:bodyPr>
+          <a:lstStyle/>
+          <a:p>
+            <a:r>
+              <a:rPr lang="en-US" sz="3200" dirty="0"/>
+              <a:t>Let</a:t>
+            </a:r>
+            <a:r>
+              <a:rPr lang="en-US" sz="3200" dirty="0">
+                <a:solidFill>
+                  <a:schemeClr val="accent2"/>
+                </a:solidFill>
+              </a:rPr>
+              <a:t>’</a:t>
+            </a:r>
+            <a:r>
+              <a:rPr lang="en-US" sz="3200" dirty="0"/>
+              <a:t>s work through some problems with </a:t>
+            </a:r>
+            <a:r>
+              <a:rPr lang="en-US" sz="3200" dirty="0">
+                <a:solidFill>
+                  <a:schemeClr val="accent6"/>
+                </a:solidFill>
+              </a:rPr>
+              <a:t>Sets</a:t>
+            </a:r>
+            <a:r>
+              <a:rPr lang="en-US" sz="3200" dirty="0">
+                <a:solidFill>
+                  <a:schemeClr val="accent2"/>
+                </a:solidFill>
+              </a:rPr>
+              <a:t>.</a:t>
+            </a:r>
+            <a:endParaRPr lang="en-US" sz="2000" b="1" dirty="0">
+              <a:solidFill>
+                <a:schemeClr val="accent2"/>
+              </a:solidFill>
+              <a:latin typeface="Courier New" panose="02070309020205020404" pitchFamily="49" charset="0"/>
+              <a:cs typeface="Courier New" panose="02070309020205020404" pitchFamily="49" charset="0"/>
+            </a:endParaRPr>
+          </a:p>
+          <a:p>
+            <a:endParaRPr lang="en-US" sz="3200" dirty="0">
+              <a:solidFill>
+                <a:schemeClr val="accent2"/>
+              </a:solidFill>
+            </a:endParaRPr>
+          </a:p>
+        </p:txBody>
+      </p:sp>
+      <p:sp>
+        <p:nvSpPr>
+          <p:cNvPr id="13" name="Rectangle: Rounded Corners 12">
+            <a:extLst>
+              <a:ext uri="{FF2B5EF4-FFF2-40B4-BE49-F238E27FC236}">
+                <a16:creationId xmlns:a16="http://schemas.microsoft.com/office/drawing/2014/main" id="{091FE633-6702-458C-921B-8AFDFB76C5FF}"/>
+              </a:ext>
+            </a:extLst>
+          </p:cNvPr>
+          <p:cNvSpPr/>
+          <p:nvPr/>
+        </p:nvSpPr>
+        <p:spPr>
+          <a:xfrm>
+            <a:off x="7844590" y="1949006"/>
+            <a:ext cx="3958389" cy="4418765"/>
+          </a:xfrm>
+          <a:prstGeom prst="roundRect">
+            <a:avLst/>
+          </a:prstGeom>
+          <a:noFill/>
+          <a:ln w="76200">
+            <a:solidFill>
+              <a:schemeClr val="accent2"/>
+            </a:solidFill>
+          </a:ln>
+        </p:spPr>
+        <p:style>
+          <a:lnRef idx="2">
+            <a:schemeClr val="accent1">
+              <a:shade val="50000"/>
+            </a:schemeClr>
+          </a:lnRef>
+          <a:fillRef idx="1">
+            <a:schemeClr val="accent1"/>
+          </a:fillRef>
+          <a:effectRef idx="0">
+            <a:schemeClr val="accent1"/>
+          </a:effectRef>
+          <a:fontRef idx="minor">
+            <a:schemeClr val="lt1"/>
+          </a:fontRef>
+        </p:style>
+        <p:txBody>
+          <a:bodyPr rtlCol="0" anchor="ctr"/>
+          <a:lstStyle/>
+          <a:p>
+            <a:r>
+              <a:rPr lang="en-US" sz="4400" b="1" dirty="0">
+                <a:solidFill>
+                  <a:srgbClr val="FFFFFF"/>
+                </a:solidFill>
+              </a:rPr>
+              <a:t>Open your notebook</a:t>
+            </a:r>
+          </a:p>
+          <a:p>
+            <a:endParaRPr lang="en-US" sz="4400" b="1" dirty="0">
+              <a:solidFill>
+                <a:srgbClr val="FFFFFF"/>
+              </a:solidFill>
+            </a:endParaRPr>
+          </a:p>
+          <a:p>
+            <a:r>
+              <a:rPr lang="en-US" sz="2800" b="1" dirty="0">
+                <a:solidFill>
+                  <a:srgbClr val="FFFFFF"/>
+                </a:solidFill>
+              </a:rPr>
+              <a:t>Click Link</a:t>
+            </a:r>
+            <a:r>
+              <a:rPr lang="en-US" sz="2800" b="1" dirty="0">
+                <a:solidFill>
+                  <a:schemeClr val="accent6"/>
+                </a:solidFill>
+              </a:rPr>
+              <a:t>:</a:t>
+            </a:r>
+          </a:p>
+          <a:p>
+            <a:r>
+              <a:rPr lang="en-US" sz="2800" b="1" dirty="0">
+                <a:solidFill>
+                  <a:schemeClr val="accent6"/>
+                </a:solidFill>
+              </a:rPr>
+              <a:t>7. </a:t>
+            </a:r>
+            <a:r>
+              <a:rPr lang="en-US" sz="2600" b="1" dirty="0">
+                <a:solidFill>
+                  <a:schemeClr val="accent6"/>
+                </a:solidFill>
+              </a:rPr>
+              <a:t>Sets</a:t>
+            </a:r>
+          </a:p>
+        </p:txBody>
+      </p:sp>
+    </p:spTree>
+    <p:extLst>
+      <p:ext uri="{BB962C8B-B14F-4D97-AF65-F5344CB8AC3E}">
+        <p14:creationId xmlns:p14="http://schemas.microsoft.com/office/powerpoint/2010/main" val="3902011031"/>
+      </p:ext>
+    </p:extLst>
+  </p:cSld>
+  <p:clrMapOvr>
+    <a:masterClrMapping/>
+  </p:clrMapOvr>
+</p:sld>
+</file>
+
+<file path=ppt/slides/slide22.xml><?xml version="1.0" encoding="utf-8"?>
+<p:sld xmlns:a="http://schemas.openxmlformats.org/drawingml/2006/main" xmlns:r="http://schemas.openxmlformats.org/officeDocument/2006/relationships" xmlns:p="http://schemas.openxmlformats.org/presentationml/2006/main">
+  <p:cSld>
+    <p:spTree>
+      <p:nvGrpSpPr>
+        <p:cNvPr id="1" name=""/>
+        <p:cNvGrpSpPr/>
+        <p:nvPr/>
+      </p:nvGrpSpPr>
+      <p:grpSpPr>
+        <a:xfrm>
+          <a:off x="0" y="0"/>
+          <a:ext cx="0" cy="0"/>
+          <a:chOff x="0" y="0"/>
+          <a:chExt cx="0" cy="0"/>
+        </a:xfrm>
+      </p:grpSpPr>
+      <p:sp>
+        <p:nvSpPr>
           <p:cNvPr id="4" name="Title 3">
             <a:extLst>
               <a:ext uri="{FF2B5EF4-FFF2-40B4-BE49-F238E27FC236}">
@@ -8647,7 +8973,7 @@
 </p:sld>
 </file>
 
-<file path=ppt/slides/slide22.xml><?xml version="1.0" encoding="utf-8"?>
+<file path=ppt/slides/slide23.xml><?xml version="1.0" encoding="utf-8"?>
 <p:sld xmlns:a="http://schemas.openxmlformats.org/drawingml/2006/main" xmlns:r="http://schemas.openxmlformats.org/officeDocument/2006/relationships" xmlns:p="http://schemas.openxmlformats.org/presentationml/2006/main">
   <p:cSld>
     <p:spTree>
@@ -9830,64 +10156,303 @@
           </a:p>
         </p:txBody>
       </p:sp>
-      <p:sp>
-        <p:nvSpPr>
-          <p:cNvPr id="9" name="Rectangle: Rounded Corners 8">
-            <a:extLst>
-              <a:ext uri="{FF2B5EF4-FFF2-40B4-BE49-F238E27FC236}">
-                <a16:creationId xmlns:a16="http://schemas.microsoft.com/office/drawing/2014/main" id="{4927EF1D-2D71-46EC-BCD6-7EE53F1B23D7}"/>
-              </a:ext>
-            </a:extLst>
-          </p:cNvPr>
-          <p:cNvSpPr/>
-          <p:nvPr/>
-        </p:nvSpPr>
-        <p:spPr>
-          <a:xfrm>
-            <a:off x="7844590" y="1949006"/>
-            <a:ext cx="3958389" cy="4418765"/>
-          </a:xfrm>
-          <a:prstGeom prst="roundRect">
-            <a:avLst/>
-          </a:prstGeom>
-          <a:noFill/>
-          <a:ln w="76200">
+      <p:cxnSp>
+        <p:nvCxnSpPr>
+          <p:cNvPr id="8" name="Straight Arrow Connector 7">
+            <a:extLst>
+              <a:ext uri="{FF2B5EF4-FFF2-40B4-BE49-F238E27FC236}">
+                <a16:creationId xmlns:a16="http://schemas.microsoft.com/office/drawing/2014/main" id="{7DA62D28-DFE8-38FF-8687-657E0D6CD57E}"/>
+              </a:ext>
+            </a:extLst>
+          </p:cNvPr>
+          <p:cNvCxnSpPr>
+            <a:cxnSpLocks/>
+            <a:endCxn id="18" idx="0"/>
+          </p:cNvCxnSpPr>
+          <p:nvPr/>
+        </p:nvCxnSpPr>
+        <p:spPr>
+          <a:xfrm flipH="1">
+            <a:off x="8314380" y="1112098"/>
+            <a:ext cx="1519295" cy="1403754"/>
+          </a:xfrm>
+          <a:prstGeom prst="straightConnector1">
+            <a:avLst/>
+          </a:prstGeom>
+          <a:ln w="38100">
             <a:solidFill>
-              <a:schemeClr val="accent2"/>
+              <a:schemeClr val="accent6"/>
             </a:solidFill>
+            <a:tailEnd type="triangle"/>
           </a:ln>
         </p:spPr>
         <p:style>
-          <a:lnRef idx="2">
-            <a:schemeClr val="accent1">
-              <a:shade val="50000"/>
-            </a:schemeClr>
+          <a:lnRef idx="1">
+            <a:schemeClr val="accent1"/>
           </a:lnRef>
-          <a:fillRef idx="1">
+          <a:fillRef idx="0">
             <a:schemeClr val="accent1"/>
           </a:fillRef>
           <a:effectRef idx="0">
             <a:schemeClr val="accent1"/>
           </a:effectRef>
           <a:fontRef idx="minor">
-            <a:schemeClr val="lt1"/>
+            <a:schemeClr val="tx1"/>
           </a:fontRef>
         </p:style>
-        <p:txBody>
-          <a:bodyPr rtlCol="0" anchor="ctr"/>
-          <a:lstStyle/>
-          <a:p>
-            <a:r>
-              <a:rPr lang="en-US" sz="4400" b="1" dirty="0">
-                <a:solidFill>
-                  <a:srgbClr val="FFFFFF"/>
-                </a:solidFill>
-              </a:rPr>
-              <a:t>Open your notebook</a:t>
-            </a:r>
-          </a:p>
-          <a:p>
-            <a:endParaRPr lang="en-US" sz="4400" b="1" dirty="0">
+      </p:cxnSp>
+      <p:cxnSp>
+        <p:nvCxnSpPr>
+          <p:cNvPr id="10" name="Straight Arrow Connector 9">
+            <a:extLst>
+              <a:ext uri="{FF2B5EF4-FFF2-40B4-BE49-F238E27FC236}">
+                <a16:creationId xmlns:a16="http://schemas.microsoft.com/office/drawing/2014/main" id="{F73C956A-3242-8B73-AF53-93775E3ACC27}"/>
+              </a:ext>
+            </a:extLst>
+          </p:cNvPr>
+          <p:cNvCxnSpPr>
+            <a:cxnSpLocks/>
+            <a:endCxn id="19" idx="0"/>
+          </p:cNvCxnSpPr>
+          <p:nvPr/>
+        </p:nvCxnSpPr>
+        <p:spPr>
+          <a:xfrm flipH="1">
+            <a:off x="9833675" y="1112098"/>
+            <a:ext cx="612183" cy="1403754"/>
+          </a:xfrm>
+          <a:prstGeom prst="straightConnector1">
+            <a:avLst/>
+          </a:prstGeom>
+          <a:ln w="38100">
+            <a:solidFill>
+              <a:schemeClr val="accent6"/>
+            </a:solidFill>
+            <a:tailEnd type="triangle"/>
+          </a:ln>
+        </p:spPr>
+        <p:style>
+          <a:lnRef idx="1">
+            <a:schemeClr val="accent1"/>
+          </a:lnRef>
+          <a:fillRef idx="0">
+            <a:schemeClr val="accent1"/>
+          </a:fillRef>
+          <a:effectRef idx="0">
+            <a:schemeClr val="accent1"/>
+          </a:effectRef>
+          <a:fontRef idx="minor">
+            <a:schemeClr val="tx1"/>
+          </a:fontRef>
+        </p:style>
+      </p:cxnSp>
+      <p:cxnSp>
+        <p:nvCxnSpPr>
+          <p:cNvPr id="14" name="Straight Arrow Connector 13">
+            <a:extLst>
+              <a:ext uri="{FF2B5EF4-FFF2-40B4-BE49-F238E27FC236}">
+                <a16:creationId xmlns:a16="http://schemas.microsoft.com/office/drawing/2014/main" id="{05F7B81B-3454-E732-B36C-D6E846C5D1A0}"/>
+              </a:ext>
+            </a:extLst>
+          </p:cNvPr>
+          <p:cNvCxnSpPr>
+            <a:cxnSpLocks/>
+            <a:endCxn id="20" idx="0"/>
+          </p:cNvCxnSpPr>
+          <p:nvPr/>
+        </p:nvCxnSpPr>
+        <p:spPr>
+          <a:xfrm>
+            <a:off x="11353800" y="1112098"/>
+            <a:ext cx="6002" cy="1398381"/>
+          </a:xfrm>
+          <a:prstGeom prst="straightConnector1">
+            <a:avLst/>
+          </a:prstGeom>
+          <a:ln w="38100">
+            <a:solidFill>
+              <a:schemeClr val="accent6"/>
+            </a:solidFill>
+            <a:tailEnd type="triangle"/>
+          </a:ln>
+        </p:spPr>
+        <p:style>
+          <a:lnRef idx="1">
+            <a:schemeClr val="accent1"/>
+          </a:lnRef>
+          <a:fillRef idx="0">
+            <a:schemeClr val="accent1"/>
+          </a:fillRef>
+          <a:effectRef idx="0">
+            <a:schemeClr val="accent1"/>
+          </a:effectRef>
+          <a:fontRef idx="minor">
+            <a:schemeClr val="tx1"/>
+          </a:fontRef>
+        </p:style>
+      </p:cxnSp>
+      <p:sp>
+        <p:nvSpPr>
+          <p:cNvPr id="18" name="TextBox 17">
+            <a:extLst>
+              <a:ext uri="{FF2B5EF4-FFF2-40B4-BE49-F238E27FC236}">
+                <a16:creationId xmlns:a16="http://schemas.microsoft.com/office/drawing/2014/main" id="{F499D487-D655-0158-5341-984A585DE74D}"/>
+              </a:ext>
+            </a:extLst>
+          </p:cNvPr>
+          <p:cNvSpPr txBox="1"/>
+          <p:nvPr/>
+        </p:nvSpPr>
+        <p:spPr>
+          <a:xfrm>
+            <a:off x="7601685" y="2515852"/>
+            <a:ext cx="1425390" cy="369332"/>
+          </a:xfrm>
+          <a:prstGeom prst="rect">
+            <a:avLst/>
+          </a:prstGeom>
+          <a:noFill/>
+        </p:spPr>
+        <p:txBody>
+          <a:bodyPr wrap="none" rtlCol="0">
+            <a:spAutoFit/>
+          </a:bodyPr>
+          <a:lstStyle/>
+          <a:p>
+            <a:r>
+              <a:rPr lang="en-US" b="1" dirty="0">
+                <a:solidFill>
+                  <a:srgbClr val="00FF00"/>
+                </a:solidFill>
+                <a:latin typeface="Courier New" panose="02070309020205020404" pitchFamily="49" charset="0"/>
+                <a:cs typeface="Courier New" panose="02070309020205020404" pitchFamily="49" charset="0"/>
+              </a:rPr>
+              <a:t>id: 12305</a:t>
+            </a:r>
+          </a:p>
+        </p:txBody>
+      </p:sp>
+      <p:sp>
+        <p:nvSpPr>
+          <p:cNvPr id="19" name="TextBox 18">
+            <a:extLst>
+              <a:ext uri="{FF2B5EF4-FFF2-40B4-BE49-F238E27FC236}">
+                <a16:creationId xmlns:a16="http://schemas.microsoft.com/office/drawing/2014/main" id="{F53B3158-FFE9-6F93-C0EB-F9AE3598EE39}"/>
+              </a:ext>
+            </a:extLst>
+          </p:cNvPr>
+          <p:cNvSpPr txBox="1"/>
+          <p:nvPr/>
+        </p:nvSpPr>
+        <p:spPr>
+          <a:xfrm>
+            <a:off x="9120980" y="2515852"/>
+            <a:ext cx="1425390" cy="369332"/>
+          </a:xfrm>
+          <a:prstGeom prst="rect">
+            <a:avLst/>
+          </a:prstGeom>
+          <a:noFill/>
+        </p:spPr>
+        <p:txBody>
+          <a:bodyPr wrap="none" rtlCol="0">
+            <a:spAutoFit/>
+          </a:bodyPr>
+          <a:lstStyle/>
+          <a:p>
+            <a:r>
+              <a:rPr lang="en-US" b="1" dirty="0">
+                <a:solidFill>
+                  <a:srgbClr val="00FF00"/>
+                </a:solidFill>
+                <a:latin typeface="Courier New" panose="02070309020205020404" pitchFamily="49" charset="0"/>
+                <a:cs typeface="Courier New" panose="02070309020205020404" pitchFamily="49" charset="0"/>
+              </a:rPr>
+              <a:t>id: 15601</a:t>
+            </a:r>
+          </a:p>
+        </p:txBody>
+      </p:sp>
+      <p:sp>
+        <p:nvSpPr>
+          <p:cNvPr id="20" name="TextBox 19">
+            <a:extLst>
+              <a:ext uri="{FF2B5EF4-FFF2-40B4-BE49-F238E27FC236}">
+                <a16:creationId xmlns:a16="http://schemas.microsoft.com/office/drawing/2014/main" id="{9147B434-A81A-1C2E-4256-4203EA8D1AB3}"/>
+              </a:ext>
+            </a:extLst>
+          </p:cNvPr>
+          <p:cNvSpPr txBox="1"/>
+          <p:nvPr/>
+        </p:nvSpPr>
+        <p:spPr>
+          <a:xfrm>
+            <a:off x="10647107" y="2510479"/>
+            <a:ext cx="1425390" cy="369332"/>
+          </a:xfrm>
+          <a:prstGeom prst="rect">
+            <a:avLst/>
+          </a:prstGeom>
+          <a:noFill/>
+        </p:spPr>
+        <p:txBody>
+          <a:bodyPr wrap="none" rtlCol="0">
+            <a:spAutoFit/>
+          </a:bodyPr>
+          <a:lstStyle/>
+          <a:p>
+            <a:r>
+              <a:rPr lang="en-US" b="1" dirty="0">
+                <a:solidFill>
+                  <a:srgbClr val="00FF00"/>
+                </a:solidFill>
+                <a:latin typeface="Courier New" panose="02070309020205020404" pitchFamily="49" charset="0"/>
+                <a:cs typeface="Courier New" panose="02070309020205020404" pitchFamily="49" charset="0"/>
+              </a:rPr>
+              <a:t>id: 23355</a:t>
+            </a:r>
+          </a:p>
+        </p:txBody>
+      </p:sp>
+      <p:sp>
+        <p:nvSpPr>
+          <p:cNvPr id="24" name="TextBox 23">
+            <a:extLst>
+              <a:ext uri="{FF2B5EF4-FFF2-40B4-BE49-F238E27FC236}">
+                <a16:creationId xmlns:a16="http://schemas.microsoft.com/office/drawing/2014/main" id="{4F98309E-C663-926D-5DDD-4979CB245AF5}"/>
+              </a:ext>
+            </a:extLst>
+          </p:cNvPr>
+          <p:cNvSpPr txBox="1"/>
+          <p:nvPr/>
+        </p:nvSpPr>
+        <p:spPr>
+          <a:xfrm>
+            <a:off x="8047495" y="3321773"/>
+            <a:ext cx="3831956" cy="2985433"/>
+          </a:xfrm>
+          <a:prstGeom prst="rect">
+            <a:avLst/>
+          </a:prstGeom>
+          <a:noFill/>
+        </p:spPr>
+        <p:txBody>
+          <a:bodyPr wrap="square" rtlCol="0">
+            <a:spAutoFit/>
+          </a:bodyPr>
+          <a:lstStyle/>
+          <a:p>
+            <a:r>
+              <a:rPr lang="en-US" sz="2400" b="1" dirty="0">
+                <a:solidFill>
+                  <a:schemeClr val="accent6"/>
+                </a:solidFill>
+              </a:rPr>
+              <a:t>Immutability Rules</a:t>
+            </a:r>
+          </a:p>
+          <a:p>
+            <a:endParaRPr lang="en-US" sz="2000" dirty="0">
               <a:solidFill>
                 <a:srgbClr val="FFFFFF"/>
               </a:solidFill>
@@ -9895,25 +10460,40 @@
           </a:p>
           <a:p>
             <a:r>
-              <a:rPr lang="en-US" sz="2800" b="1" dirty="0">
+              <a:rPr lang="en-US" sz="2000" b="1" dirty="0">
+                <a:solidFill>
+                  <a:schemeClr val="accent6"/>
+                </a:solidFill>
+              </a:rPr>
+              <a:t>1. </a:t>
+            </a:r>
+            <a:r>
+              <a:rPr lang="en-US" sz="2000" dirty="0">
                 <a:solidFill>
                   <a:srgbClr val="FFFFFF"/>
                 </a:solidFill>
               </a:rPr>
-              <a:t>Click Link</a:t>
-            </a:r>
-            <a:r>
-              <a:rPr lang="en-US" sz="2800" b="1" dirty="0">
-                <a:solidFill>
-                  <a:schemeClr val="accent6"/>
-                </a:solidFill>
-              </a:rPr>
-              <a:t>:</a:t>
-            </a:r>
-          </a:p>
-          <a:p>
-            <a:r>
-              <a:rPr lang="en-US" sz="2800" b="1" dirty="0">
+              <a:t>Can only ever have 3 items</a:t>
+            </a:r>
+            <a:r>
+              <a:rPr lang="en-US" sz="2000" dirty="0">
+                <a:solidFill>
+                  <a:schemeClr val="accent3"/>
+                </a:solidFill>
+              </a:rPr>
+              <a:t>.</a:t>
+            </a:r>
+          </a:p>
+          <a:p>
+            <a:endParaRPr lang="en-US" sz="2000" dirty="0">
+              <a:solidFill>
+                <a:srgbClr val="FFFFFF"/>
+              </a:solidFill>
+            </a:endParaRPr>
+          </a:p>
+          <a:p>
+            <a:r>
+              <a:rPr lang="en-US" sz="2000" b="1" dirty="0">
                 <a:solidFill>
                   <a:schemeClr val="accent6"/>
                 </a:solidFill>
@@ -9921,12 +10501,69 @@
               <a:t>2. </a:t>
             </a:r>
             <a:r>
-              <a:rPr lang="en-US" sz="2600" b="1" dirty="0">
-                <a:solidFill>
-                  <a:schemeClr val="accent6"/>
-                </a:solidFill>
-              </a:rPr>
-              <a:t>Tuples Are Immutable</a:t>
+              <a:rPr lang="en-US" sz="2000" dirty="0">
+                <a:solidFill>
+                  <a:srgbClr val="FFFFFF"/>
+                </a:solidFill>
+              </a:rPr>
+              <a:t>Must always point to these references id</a:t>
+            </a:r>
+            <a:r>
+              <a:rPr lang="en-US" sz="2000" dirty="0">
+                <a:solidFill>
+                  <a:schemeClr val="accent3"/>
+                </a:solidFill>
+              </a:rPr>
+              <a:t>’</a:t>
+            </a:r>
+            <a:r>
+              <a:rPr lang="en-US" sz="2000" dirty="0">
+                <a:solidFill>
+                  <a:srgbClr val="FFFFFF"/>
+                </a:solidFill>
+              </a:rPr>
+              <a:t>s</a:t>
+            </a:r>
+            <a:r>
+              <a:rPr lang="en-US" sz="2000" dirty="0">
+                <a:solidFill>
+                  <a:schemeClr val="accent3"/>
+                </a:solidFill>
+              </a:rPr>
+              <a:t>.</a:t>
+            </a:r>
+          </a:p>
+          <a:p>
+            <a:endParaRPr lang="en-US" sz="2000" dirty="0">
+              <a:solidFill>
+                <a:srgbClr val="FFFFFF"/>
+              </a:solidFill>
+            </a:endParaRPr>
+          </a:p>
+          <a:p>
+            <a:r>
+              <a:rPr lang="en-US" sz="2000" b="1" dirty="0">
+                <a:solidFill>
+                  <a:schemeClr val="accent6"/>
+                </a:solidFill>
+              </a:rPr>
+              <a:t>2. </a:t>
+            </a:r>
+            <a:r>
+              <a:rPr lang="en-US" sz="2000" dirty="0">
+                <a:solidFill>
+                  <a:srgbClr val="FFFFFF"/>
+                </a:solidFill>
+              </a:rPr>
+              <a:t>Must always be in this original order</a:t>
+            </a:r>
+            <a:r>
+              <a:rPr lang="en-US" sz="2000" dirty="0">
+                <a:solidFill>
+                  <a:schemeClr val="accent3"/>
+                </a:solidFill>
+              </a:rPr>
+              <a:t>.</a:t>
             </a:r>
           </a:p>
         </p:txBody>
@@ -9966,7 +10603,7 @@
           <p:cNvPr id="2" name="Title 1">
             <a:extLst>
               <a:ext uri="{FF2B5EF4-FFF2-40B4-BE49-F238E27FC236}">
-                <a16:creationId xmlns:a16="http://schemas.microsoft.com/office/drawing/2014/main" id="{560FA3E4-D06F-4F67-959E-5EB384385035}"/>
+                <a16:creationId xmlns:a16="http://schemas.microsoft.com/office/drawing/2014/main" id="{2B890242-F9AE-4F83-9284-FEF027024B13}"/>
               </a:ext>
             </a:extLst>
           </p:cNvPr>
@@ -9985,32 +10622,18 @@
           <a:lstStyle/>
           <a:p>
             <a:r>
-              <a:rPr lang="en-US" b="1" dirty="0">
-                <a:solidFill>
-                  <a:schemeClr val="accent6"/>
-                </a:solidFill>
-              </a:rPr>
-              <a:t>Breakout Session </a:t>
-            </a:r>
-            <a:r>
               <a:rPr lang="en-US" b="1" dirty="0"/>
-              <a:t>1</a:t>
-            </a:r>
-            <a:endParaRPr lang="en-US" dirty="0">
-              <a:solidFill>
-                <a:schemeClr val="accent6"/>
-              </a:solidFill>
-              <a:latin typeface="Consolas" panose="020B0609020204030204" pitchFamily="49" charset="0"/>
-            </a:endParaRPr>
-          </a:p>
-        </p:txBody>
-      </p:sp>
-      <p:sp>
-        <p:nvSpPr>
-          <p:cNvPr id="6" name="Content Placeholder 5">
-            <a:extLst>
-              <a:ext uri="{FF2B5EF4-FFF2-40B4-BE49-F238E27FC236}">
-                <a16:creationId xmlns:a16="http://schemas.microsoft.com/office/drawing/2014/main" id="{F93F64D9-1EBE-4498-9407-D1C67AB3CF2B}"/>
+              <a:t>Immutable</a:t>
+            </a:r>
+          </a:p>
+        </p:txBody>
+      </p:sp>
+      <p:sp>
+        <p:nvSpPr>
+          <p:cNvPr id="3" name="Content Placeholder 2">
+            <a:extLst>
+              <a:ext uri="{FF2B5EF4-FFF2-40B4-BE49-F238E27FC236}">
+                <a16:creationId xmlns:a16="http://schemas.microsoft.com/office/drawing/2014/main" id="{815EE6AB-A029-4EEE-B18C-9C78720CD03A}"/>
               </a:ext>
             </a:extLst>
           </p:cNvPr>
@@ -10024,36 +10647,269 @@
         <p:spPr>
           <a:xfrm>
             <a:off x="838200" y="1825624"/>
-            <a:ext cx="6821384" cy="3061180"/>
-          </a:xfrm>
-        </p:spPr>
-        <p:txBody>
-          <a:bodyPr>
-            <a:normAutofit/>
-          </a:bodyPr>
-          <a:lstStyle/>
-          <a:p>
-            <a:r>
-              <a:rPr lang="en-US" sz="4000" dirty="0"/>
-              <a:t>Complete the exercises in the notebook</a:t>
-            </a:r>
-            <a:r>
-              <a:rPr lang="en-US" sz="4000" dirty="0">
-                <a:solidFill>
-                  <a:schemeClr val="accent1"/>
+            <a:ext cx="7263527" cy="4835479"/>
+          </a:xfrm>
+        </p:spPr>
+        <p:txBody>
+          <a:bodyPr/>
+          <a:lstStyle/>
+          <a:p>
+            <a:r>
+              <a:rPr lang="en-US" dirty="0"/>
+              <a:t>Tuples are basically </a:t>
+            </a:r>
+            <a:r>
+              <a:rPr lang="en-US" dirty="0">
+                <a:solidFill>
+                  <a:schemeClr val="accent6"/>
+                </a:solidFill>
+              </a:rPr>
+              <a:t>immutable</a:t>
+            </a:r>
+            <a:r>
+              <a:rPr lang="en-US" dirty="0"/>
+              <a:t> lists meaning everything works as with lists excepts methods that modify the tuple</a:t>
+            </a:r>
+            <a:r>
+              <a:rPr lang="en-US" dirty="0">
+                <a:solidFill>
+                  <a:schemeClr val="accent2"/>
                 </a:solidFill>
               </a:rPr>
               <a:t>.</a:t>
             </a:r>
           </a:p>
-        </p:txBody>
-      </p:sp>
-      <p:sp>
-        <p:nvSpPr>
-          <p:cNvPr id="9" name="Rectangle: Rounded Corners 8">
-            <a:extLst>
-              <a:ext uri="{FF2B5EF4-FFF2-40B4-BE49-F238E27FC236}">
-                <a16:creationId xmlns:a16="http://schemas.microsoft.com/office/drawing/2014/main" id="{526C0B66-D21E-4DAE-871C-5EC33E4FD3BD}"/>
+          <a:p>
+            <a:pPr lvl="1"/>
+            <a:r>
+              <a:rPr lang="en-US" dirty="0">
+                <a:solidFill>
+                  <a:schemeClr val="accent6"/>
+                </a:solidFill>
+                <a:latin typeface="Consolas" panose="020B0609020204030204" pitchFamily="49" charset="0"/>
+              </a:rPr>
+              <a:t>.append()</a:t>
+            </a:r>
+          </a:p>
+          <a:p>
+            <a:pPr lvl="1"/>
+            <a:r>
+              <a:rPr lang="en-US" dirty="0">
+                <a:solidFill>
+                  <a:schemeClr val="accent6"/>
+                </a:solidFill>
+                <a:latin typeface="Consolas" panose="020B0609020204030204" pitchFamily="49" charset="0"/>
+              </a:rPr>
+              <a:t>.sort()</a:t>
+            </a:r>
+          </a:p>
+          <a:p>
+            <a:pPr lvl="1"/>
+            <a:r>
+              <a:rPr lang="en-US" dirty="0">
+                <a:solidFill>
+                  <a:schemeClr val="accent6"/>
+                </a:solidFill>
+                <a:latin typeface="Consolas" panose="020B0609020204030204" pitchFamily="49" charset="0"/>
+              </a:rPr>
+              <a:t>.pop()</a:t>
+            </a:r>
+          </a:p>
+          <a:p>
+            <a:r>
+              <a:rPr lang="en-US" dirty="0">
+                <a:solidFill>
+                  <a:schemeClr val="accent6"/>
+                </a:solidFill>
+              </a:rPr>
+              <a:t>Immutable</a:t>
+            </a:r>
+            <a:r>
+              <a:rPr lang="en-US" dirty="0"/>
+              <a:t> means that the item reference addresses contained in a tuple cannot be changed after the tuple has been created</a:t>
+            </a:r>
+            <a:r>
+              <a:rPr lang="en-US" dirty="0">
+                <a:solidFill>
+                  <a:schemeClr val="accent2"/>
+                </a:solidFill>
+              </a:rPr>
+              <a:t>.</a:t>
+            </a:r>
+          </a:p>
+          <a:p>
+            <a:r>
+              <a:rPr lang="en-US" dirty="0"/>
+              <a:t>You</a:t>
+            </a:r>
+            <a:r>
+              <a:rPr lang="en-US" dirty="0">
+                <a:solidFill>
+                  <a:schemeClr val="accent3"/>
+                </a:solidFill>
+              </a:rPr>
+              <a:t>’</a:t>
+            </a:r>
+            <a:r>
+              <a:rPr lang="en-US" dirty="0"/>
+              <a:t>ve seen this with strings </a:t>
+            </a:r>
+            <a:r>
+              <a:rPr lang="en-US" dirty="0">
+                <a:solidFill>
+                  <a:schemeClr val="accent6"/>
+                </a:solidFill>
+              </a:rPr>
+              <a:t>(</a:t>
+            </a:r>
+            <a:r>
+              <a:rPr lang="en-US" dirty="0"/>
+              <a:t>immutable sequence of characters</a:t>
+            </a:r>
+            <a:r>
+              <a:rPr lang="en-US" dirty="0">
+                <a:solidFill>
+                  <a:schemeClr val="accent6"/>
+                </a:solidFill>
+              </a:rPr>
+              <a:t>)</a:t>
+            </a:r>
+            <a:r>
+              <a:rPr lang="en-US" dirty="0">
+                <a:solidFill>
+                  <a:schemeClr val="accent2"/>
+                </a:solidFill>
+              </a:rPr>
+              <a:t>.</a:t>
+            </a:r>
+          </a:p>
+          <a:p>
+            <a:endParaRPr lang="en-US" dirty="0"/>
+          </a:p>
+          <a:p>
+            <a:endParaRPr lang="en-US" dirty="0"/>
+          </a:p>
+        </p:txBody>
+      </p:sp>
+      <p:sp>
+        <p:nvSpPr>
+          <p:cNvPr id="4" name="TextBox 3">
+            <a:extLst>
+              <a:ext uri="{FF2B5EF4-FFF2-40B4-BE49-F238E27FC236}">
+                <a16:creationId xmlns:a16="http://schemas.microsoft.com/office/drawing/2014/main" id="{75CFFB99-96F6-4EF3-A851-CB6FE984198E}"/>
+              </a:ext>
+            </a:extLst>
+          </p:cNvPr>
+          <p:cNvSpPr txBox="1"/>
+          <p:nvPr/>
+        </p:nvSpPr>
+        <p:spPr>
+          <a:xfrm>
+            <a:off x="6983752" y="634801"/>
+            <a:ext cx="5125121" cy="523220"/>
+          </a:xfrm>
+          <a:prstGeom prst="rect">
+            <a:avLst/>
+          </a:prstGeom>
+          <a:noFill/>
+        </p:spPr>
+        <p:txBody>
+          <a:bodyPr wrap="none" rtlCol="0">
+            <a:spAutoFit/>
+          </a:bodyPr>
+          <a:lstStyle/>
+          <a:p>
+            <a:r>
+              <a:rPr lang="en-US" sz="2800" b="1" dirty="0">
+                <a:solidFill>
+                  <a:srgbClr val="00FF00"/>
+                </a:solidFill>
+                <a:latin typeface="Courier New" panose="02070309020205020404" pitchFamily="49" charset="0"/>
+                <a:cs typeface="Courier New" panose="02070309020205020404" pitchFamily="49" charset="0"/>
+              </a:rPr>
+              <a:t>birthday = (20,01,1985)</a:t>
+            </a:r>
+          </a:p>
+        </p:txBody>
+      </p:sp>
+      <p:sp>
+        <p:nvSpPr>
+          <p:cNvPr id="5" name="TextBox 4">
+            <a:extLst>
+              <a:ext uri="{FF2B5EF4-FFF2-40B4-BE49-F238E27FC236}">
+                <a16:creationId xmlns:a16="http://schemas.microsoft.com/office/drawing/2014/main" id="{647EF601-0A05-4C99-8880-769B889B30D6}"/>
+              </a:ext>
+            </a:extLst>
+          </p:cNvPr>
+          <p:cNvSpPr txBox="1"/>
+          <p:nvPr/>
+        </p:nvSpPr>
+        <p:spPr>
+          <a:xfrm flipH="1">
+            <a:off x="4052202" y="550426"/>
+            <a:ext cx="2667034" cy="1200329"/>
+          </a:xfrm>
+          <a:prstGeom prst="rect">
+            <a:avLst/>
+          </a:prstGeom>
+          <a:noFill/>
+        </p:spPr>
+        <p:txBody>
+          <a:bodyPr wrap="square" rtlCol="0">
+            <a:spAutoFit/>
+          </a:bodyPr>
+          <a:lstStyle/>
+          <a:p>
+            <a:pPr algn="r"/>
+            <a:r>
+              <a:rPr lang="en-US" sz="2400" dirty="0">
+                <a:solidFill>
+                  <a:schemeClr val="accent6"/>
+                </a:solidFill>
+              </a:rPr>
+              <a:t>Once assigned</a:t>
+            </a:r>
+            <a:r>
+              <a:rPr lang="en-US" sz="2400" dirty="0">
+                <a:solidFill>
+                  <a:schemeClr val="accent3"/>
+                </a:solidFill>
+              </a:rPr>
+              <a:t>,</a:t>
+            </a:r>
+            <a:r>
+              <a:rPr lang="en-US" sz="2400" dirty="0">
+                <a:solidFill>
+                  <a:srgbClr val="FFFFFF"/>
+                </a:solidFill>
+              </a:rPr>
+              <a:t> </a:t>
+            </a:r>
+            <a:r>
+              <a:rPr lang="en-US" sz="2400" dirty="0">
+                <a:solidFill>
+                  <a:schemeClr val="accent6"/>
+                </a:solidFill>
+              </a:rPr>
+              <a:t>the tuple cannot be changed</a:t>
+            </a:r>
+            <a:r>
+              <a:rPr lang="en-US" sz="2400" dirty="0">
+                <a:solidFill>
+                  <a:schemeClr val="accent3"/>
+                </a:solidFill>
+              </a:rPr>
+              <a:t>.</a:t>
+            </a:r>
+          </a:p>
+        </p:txBody>
+      </p:sp>
+      <p:sp>
+        <p:nvSpPr>
+          <p:cNvPr id="6" name="Arrow: Bent-Up 5">
+            <a:extLst>
+              <a:ext uri="{FF2B5EF4-FFF2-40B4-BE49-F238E27FC236}">
+                <a16:creationId xmlns:a16="http://schemas.microsoft.com/office/drawing/2014/main" id="{4AAA2304-A6EA-4D6D-99C2-C9A4974E45FA}"/>
               </a:ext>
             </a:extLst>
           </p:cNvPr>
@@ -10062,18 +10918,12 @@
         </p:nvSpPr>
         <p:spPr>
           <a:xfrm>
-            <a:off x="7844590" y="1949006"/>
-            <a:ext cx="3958389" cy="4418765"/>
-          </a:xfrm>
-          <a:prstGeom prst="roundRect">
-            <a:avLst/>
-          </a:prstGeom>
-          <a:noFill/>
-          <a:ln w="76200">
-            <a:solidFill>
-              <a:schemeClr val="accent2"/>
-            </a:solidFill>
-          </a:ln>
+            <a:off x="6757060" y="1112098"/>
+            <a:ext cx="1171361" cy="497839"/>
+          </a:xfrm>
+          <a:prstGeom prst="bentUpArrow">
+            <a:avLst/>
+          </a:prstGeom>
         </p:spPr>
         <p:style>
           <a:lnRef idx="2">
@@ -10095,6 +10945,58 @@
           <a:bodyPr rtlCol="0" anchor="ctr"/>
           <a:lstStyle/>
           <a:p>
+            <a:pPr algn="ctr"/>
+            <a:endParaRPr lang="en-US"/>
+          </a:p>
+        </p:txBody>
+      </p:sp>
+      <p:sp>
+        <p:nvSpPr>
+          <p:cNvPr id="9" name="Rectangle: Rounded Corners 8">
+            <a:extLst>
+              <a:ext uri="{FF2B5EF4-FFF2-40B4-BE49-F238E27FC236}">
+                <a16:creationId xmlns:a16="http://schemas.microsoft.com/office/drawing/2014/main" id="{4927EF1D-2D71-46EC-BCD6-7EE53F1B23D7}"/>
+              </a:ext>
+            </a:extLst>
+          </p:cNvPr>
+          <p:cNvSpPr/>
+          <p:nvPr/>
+        </p:nvSpPr>
+        <p:spPr>
+          <a:xfrm>
+            <a:off x="7844590" y="1949006"/>
+            <a:ext cx="3958389" cy="4418765"/>
+          </a:xfrm>
+          <a:prstGeom prst="roundRect">
+            <a:avLst/>
+          </a:prstGeom>
+          <a:noFill/>
+          <a:ln w="76200">
+            <a:solidFill>
+              <a:schemeClr val="accent2"/>
+            </a:solidFill>
+          </a:ln>
+        </p:spPr>
+        <p:style>
+          <a:lnRef idx="2">
+            <a:schemeClr val="accent1">
+              <a:shade val="50000"/>
+            </a:schemeClr>
+          </a:lnRef>
+          <a:fillRef idx="1">
+            <a:schemeClr val="accent1"/>
+          </a:fillRef>
+          <a:effectRef idx="0">
+            <a:schemeClr val="accent1"/>
+          </a:effectRef>
+          <a:fontRef idx="minor">
+            <a:schemeClr val="lt1"/>
+          </a:fontRef>
+        </p:style>
+        <p:txBody>
+          <a:bodyPr rtlCol="0" anchor="ctr"/>
+          <a:lstStyle/>
+          <a:p>
             <a:r>
               <a:rPr lang="en-US" sz="4400" b="1" dirty="0">
                 <a:solidFill>
@@ -10136,7 +11038,7 @@
                   <a:schemeClr val="accent6"/>
                 </a:solidFill>
               </a:rPr>
-              <a:t>3. </a:t>
+              <a:t>2. </a:t>
             </a:r>
             <a:r>
               <a:rPr lang="en-US" sz="2600" b="1" dirty="0">
@@ -10144,7 +11046,7 @@
                   <a:schemeClr val="accent6"/>
                 </a:solidFill>
               </a:rPr>
-              <a:t>Breakout Session 1</a:t>
+              <a:t>Tuples Are Immutable</a:t>
             </a:r>
           </a:p>
         </p:txBody>
@@ -10152,7 +11054,7 @@
     </p:spTree>
     <p:extLst>
       <p:ext uri="{BB962C8B-B14F-4D97-AF65-F5344CB8AC3E}">
-        <p14:creationId xmlns:p14="http://schemas.microsoft.com/office/powerpoint/2010/main" val="4028562163"/>
+        <p14:creationId xmlns:p14="http://schemas.microsoft.com/office/powerpoint/2010/main" val="2469719389"/>
       </p:ext>
     </p:extLst>
   </p:cSld>
@@ -10184,7 +11086,7 @@
           <p:cNvPr id="2" name="Title 1">
             <a:extLst>
               <a:ext uri="{FF2B5EF4-FFF2-40B4-BE49-F238E27FC236}">
-                <a16:creationId xmlns:a16="http://schemas.microsoft.com/office/drawing/2014/main" id="{0433A3CA-A664-40EE-8BBF-1CAB72B09A8D}"/>
+                <a16:creationId xmlns:a16="http://schemas.microsoft.com/office/drawing/2014/main" id="{560FA3E4-D06F-4F67-959E-5EB384385035}"/>
               </a:ext>
             </a:extLst>
           </p:cNvPr>
@@ -10203,27 +11105,32 @@
           <a:lstStyle/>
           <a:p>
             <a:r>
+              <a:rPr lang="en-US" b="1" dirty="0">
+                <a:solidFill>
+                  <a:schemeClr val="accent6"/>
+                </a:solidFill>
+              </a:rPr>
+              <a:t>Breakout Session </a:t>
+            </a:r>
+            <a:r>
               <a:rPr lang="en-US" b="1" dirty="0"/>
-              <a:t>Why Tuples</a:t>
-            </a:r>
-            <a:r>
-              <a:rPr lang="en-US" b="1" dirty="0">
-                <a:solidFill>
-                  <a:schemeClr val="accent1"/>
-                </a:solidFill>
-              </a:rPr>
-              <a:t>?</a:t>
-            </a:r>
-            <a:endParaRPr lang="en-US" dirty="0"/>
-          </a:p>
-        </p:txBody>
-      </p:sp>
-      <p:sp>
-        <p:nvSpPr>
-          <p:cNvPr id="3" name="Content Placeholder 2">
-            <a:extLst>
-              <a:ext uri="{FF2B5EF4-FFF2-40B4-BE49-F238E27FC236}">
-                <a16:creationId xmlns:a16="http://schemas.microsoft.com/office/drawing/2014/main" id="{A7BDABAF-E097-4B50-8897-9FDE41539DBC}"/>
+              <a:t>1</a:t>
+            </a:r>
+            <a:endParaRPr lang="en-US" dirty="0">
+              <a:solidFill>
+                <a:schemeClr val="accent6"/>
+              </a:solidFill>
+              <a:latin typeface="Consolas" panose="020B0609020204030204" pitchFamily="49" charset="0"/>
+            </a:endParaRPr>
+          </a:p>
+        </p:txBody>
+      </p:sp>
+      <p:sp>
+        <p:nvSpPr>
+          <p:cNvPr id="6" name="Content Placeholder 5">
+            <a:extLst>
+              <a:ext uri="{FF2B5EF4-FFF2-40B4-BE49-F238E27FC236}">
+                <a16:creationId xmlns:a16="http://schemas.microsoft.com/office/drawing/2014/main" id="{F93F64D9-1EBE-4498-9407-D1C67AB3CF2B}"/>
               </a:ext>
             </a:extLst>
           </p:cNvPr>
@@ -10236,42 +11143,22 @@
         </p:nvSpPr>
         <p:spPr>
           <a:xfrm>
-            <a:off x="838199" y="1825624"/>
-            <a:ext cx="7581405" cy="4835479"/>
-          </a:xfrm>
-        </p:spPr>
-        <p:txBody>
-          <a:bodyPr/>
-          <a:lstStyle/>
-          <a:p>
-            <a:r>
-              <a:rPr lang="en-US" sz="3600" b="1" dirty="0">
-                <a:solidFill>
-                  <a:schemeClr val="accent6"/>
-                </a:solidFill>
-              </a:rPr>
-              <a:t>Reason 1</a:t>
-            </a:r>
-          </a:p>
-          <a:p>
-            <a:r>
-              <a:rPr lang="en-US" dirty="0"/>
-              <a:t>Tuples makes your code safer and less prone to</a:t>
-            </a:r>
-            <a:r>
-              <a:rPr lang="en-US" dirty="0">
-                <a:solidFill>
-                  <a:schemeClr val="accent6"/>
-                </a:solidFill>
-              </a:rPr>
-              <a:t> bugs </a:t>
-            </a:r>
-            <a:r>
-              <a:rPr lang="en-US" dirty="0"/>
-              <a:t>by providing write protection</a:t>
-            </a:r>
-            <a:r>
-              <a:rPr lang="en-US" dirty="0">
+            <a:off x="838200" y="1825624"/>
+            <a:ext cx="6821384" cy="3061180"/>
+          </a:xfrm>
+        </p:spPr>
+        <p:txBody>
+          <a:bodyPr>
+            <a:normAutofit/>
+          </a:bodyPr>
+          <a:lstStyle/>
+          <a:p>
+            <a:r>
+              <a:rPr lang="en-US" sz="4000" dirty="0"/>
+              <a:t>Complete the exercises in the notebook</a:t>
+            </a:r>
+            <a:r>
+              <a:rPr lang="en-US" sz="4000" dirty="0">
                 <a:solidFill>
                   <a:schemeClr val="accent1"/>
                 </a:solidFill>
@@ -10279,288 +11166,33 @@
               <a:t>.</a:t>
             </a:r>
           </a:p>
-          <a:p>
-            <a:r>
-              <a:rPr lang="en-US" dirty="0"/>
-              <a:t>Consider that you</a:t>
-            </a:r>
-            <a:r>
-              <a:rPr lang="en-US" dirty="0">
-                <a:solidFill>
-                  <a:schemeClr val="accent1"/>
-                </a:solidFill>
-              </a:rPr>
-              <a:t>’</a:t>
-            </a:r>
-            <a:r>
-              <a:rPr lang="en-US" dirty="0"/>
-              <a:t>re reading data from a database and saving it into memory</a:t>
-            </a:r>
-            <a:r>
-              <a:rPr lang="en-US" dirty="0">
-                <a:solidFill>
-                  <a:schemeClr val="accent1"/>
-                </a:solidFill>
-              </a:rPr>
-              <a:t>.</a:t>
-            </a:r>
-          </a:p>
-          <a:p>
-            <a:r>
-              <a:rPr lang="en-US" dirty="0">
-                <a:solidFill>
-                  <a:schemeClr val="accent6"/>
-                </a:solidFill>
-              </a:rPr>
-              <a:t>Example</a:t>
-            </a:r>
-            <a:r>
-              <a:rPr lang="en-US" dirty="0">
-                <a:solidFill>
-                  <a:schemeClr val="accent1"/>
-                </a:solidFill>
-              </a:rPr>
-              <a:t>:</a:t>
-            </a:r>
-            <a:r>
-              <a:rPr lang="en-US" dirty="0"/>
-              <a:t> Imagine if you’re telling the doctor what the  symptoms are for a certain disease</a:t>
-            </a:r>
-            <a:r>
-              <a:rPr lang="en-US" dirty="0">
-                <a:solidFill>
-                  <a:schemeClr val="accent1"/>
-                </a:solidFill>
-              </a:rPr>
-              <a:t>.</a:t>
-            </a:r>
-            <a:r>
-              <a:rPr lang="en-US" dirty="0"/>
-              <a:t> If these symptoms were stored in a list</a:t>
-            </a:r>
-            <a:r>
-              <a:rPr lang="en-US" dirty="0">
-                <a:solidFill>
-                  <a:schemeClr val="accent1"/>
-                </a:solidFill>
-              </a:rPr>
-              <a:t>, </a:t>
-            </a:r>
-            <a:r>
-              <a:rPr lang="en-US" dirty="0"/>
-              <a:t>they could be changed</a:t>
-            </a:r>
-            <a:r>
-              <a:rPr lang="en-US" dirty="0">
-                <a:solidFill>
-                  <a:schemeClr val="accent1"/>
-                </a:solidFill>
-              </a:rPr>
-              <a:t>,</a:t>
-            </a:r>
-            <a:r>
-              <a:rPr lang="en-US" dirty="0"/>
-              <a:t> which could lead to negative outcomes for patients</a:t>
-            </a:r>
-            <a:r>
-              <a:rPr lang="en-US" dirty="0">
-                <a:solidFill>
-                  <a:schemeClr val="accent1"/>
-                </a:solidFill>
-              </a:rPr>
-              <a:t>.</a:t>
-            </a:r>
-          </a:p>
-        </p:txBody>
-      </p:sp>
-      <p:pic>
-        <p:nvPicPr>
-          <p:cNvPr id="1026" name="Picture 2" descr="Free White Database Icon - Download White Database Icon">
-            <a:extLst>
-              <a:ext uri="{FF2B5EF4-FFF2-40B4-BE49-F238E27FC236}">
-                <a16:creationId xmlns:a16="http://schemas.microsoft.com/office/drawing/2014/main" id="{DBA9273B-58D5-4F7B-9FB9-FA17363C9937}"/>
-              </a:ext>
-            </a:extLst>
-          </p:cNvPr>
-          <p:cNvPicPr>
-            <a:picLocks noChangeAspect="1" noChangeArrowheads="1"/>
-          </p:cNvPicPr>
-          <p:nvPr/>
-        </p:nvPicPr>
-        <p:blipFill>
-          <a:blip r:embed="rId2">
-            <a:extLst>
-              <a:ext uri="{28A0092B-C50C-407E-A947-70E740481C1C}">
-                <a14:useLocalDpi xmlns:a14="http://schemas.microsoft.com/office/drawing/2010/main" val="0"/>
-              </a:ext>
-            </a:extLst>
-          </a:blip>
-          <a:srcRect/>
-          <a:stretch>
-            <a:fillRect/>
-          </a:stretch>
-        </p:blipFill>
-        <p:spPr bwMode="auto">
-          <a:xfrm>
-            <a:off x="8915400" y="1297529"/>
-            <a:ext cx="2438400" cy="2438400"/>
-          </a:xfrm>
-          <a:prstGeom prst="rect">
+        </p:txBody>
+      </p:sp>
+      <p:sp>
+        <p:nvSpPr>
+          <p:cNvPr id="9" name="Rectangle: Rounded Corners 8">
+            <a:extLst>
+              <a:ext uri="{FF2B5EF4-FFF2-40B4-BE49-F238E27FC236}">
+                <a16:creationId xmlns:a16="http://schemas.microsoft.com/office/drawing/2014/main" id="{526C0B66-D21E-4DAE-871C-5EC33E4FD3BD}"/>
+              </a:ext>
+            </a:extLst>
+          </p:cNvPr>
+          <p:cNvSpPr/>
+          <p:nvPr/>
+        </p:nvSpPr>
+        <p:spPr>
+          <a:xfrm>
+            <a:off x="7844590" y="1949006"/>
+            <a:ext cx="3958389" cy="4418765"/>
+          </a:xfrm>
+          <a:prstGeom prst="roundRect">
             <a:avLst/>
           </a:prstGeom>
           <a:noFill/>
-          <a:extLst>
-            <a:ext uri="{909E8E84-426E-40DD-AFC4-6F175D3DCCD1}">
-              <a14:hiddenFill xmlns:a14="http://schemas.microsoft.com/office/drawing/2010/main">
-                <a:solidFill>
-                  <a:srgbClr val="FFFFFF"/>
-                </a:solidFill>
-              </a14:hiddenFill>
-            </a:ext>
-          </a:extLst>
-        </p:spPr>
-      </p:pic>
-      <p:sp>
-        <p:nvSpPr>
-          <p:cNvPr id="4" name="TextBox 3">
-            <a:extLst>
-              <a:ext uri="{FF2B5EF4-FFF2-40B4-BE49-F238E27FC236}">
-                <a16:creationId xmlns:a16="http://schemas.microsoft.com/office/drawing/2014/main" id="{F6D95F3B-16FD-42E1-AB30-2F1A7C8FC80B}"/>
-              </a:ext>
-            </a:extLst>
-          </p:cNvPr>
-          <p:cNvSpPr txBox="1"/>
-          <p:nvPr/>
-        </p:nvSpPr>
-        <p:spPr>
-          <a:xfrm>
-            <a:off x="9376123" y="716183"/>
-            <a:ext cx="1516954" cy="461665"/>
-          </a:xfrm>
-          <a:prstGeom prst="rect">
-            <a:avLst/>
-          </a:prstGeom>
-          <a:noFill/>
-        </p:spPr>
-        <p:txBody>
-          <a:bodyPr wrap="none" rtlCol="0">
-            <a:spAutoFit/>
-          </a:bodyPr>
-          <a:lstStyle/>
-          <a:p>
-            <a:r>
-              <a:rPr lang="en-US" sz="2400" b="1" dirty="0">
-                <a:solidFill>
-                  <a:schemeClr val="accent6"/>
-                </a:solidFill>
-              </a:rPr>
-              <a:t>Database</a:t>
-            </a:r>
-          </a:p>
-        </p:txBody>
-      </p:sp>
-      <p:sp>
-        <p:nvSpPr>
-          <p:cNvPr id="6" name="TextBox 5">
-            <a:extLst>
-              <a:ext uri="{FF2B5EF4-FFF2-40B4-BE49-F238E27FC236}">
-                <a16:creationId xmlns:a16="http://schemas.microsoft.com/office/drawing/2014/main" id="{C70C61FA-9650-42D0-A4B3-C96183182FC1}"/>
-              </a:ext>
-            </a:extLst>
-          </p:cNvPr>
-          <p:cNvSpPr txBox="1"/>
-          <p:nvPr/>
-        </p:nvSpPr>
-        <p:spPr>
-          <a:xfrm>
-            <a:off x="8682886" y="5166587"/>
-            <a:ext cx="2903424" cy="461665"/>
-          </a:xfrm>
-          <a:prstGeom prst="rect">
-            <a:avLst/>
-          </a:prstGeom>
-          <a:noFill/>
-        </p:spPr>
-        <p:txBody>
-          <a:bodyPr wrap="none" rtlCol="0">
-            <a:spAutoFit/>
-          </a:bodyPr>
-          <a:lstStyle/>
-          <a:p>
-            <a:r>
-              <a:rPr lang="en-US" sz="2400" b="1" dirty="0">
-                <a:solidFill>
-                  <a:schemeClr val="accent6"/>
-                </a:solidFill>
-              </a:rPr>
-              <a:t>In Python Memory</a:t>
-            </a:r>
-          </a:p>
-        </p:txBody>
-      </p:sp>
-      <p:sp>
-        <p:nvSpPr>
-          <p:cNvPr id="7" name="TextBox 6">
-            <a:extLst>
-              <a:ext uri="{FF2B5EF4-FFF2-40B4-BE49-F238E27FC236}">
-                <a16:creationId xmlns:a16="http://schemas.microsoft.com/office/drawing/2014/main" id="{D84B10E7-90A7-4CBB-A32D-EE8E67E7EF52}"/>
-              </a:ext>
-            </a:extLst>
-          </p:cNvPr>
-          <p:cNvSpPr txBox="1"/>
-          <p:nvPr/>
-        </p:nvSpPr>
-        <p:spPr>
-          <a:xfrm>
-            <a:off x="8195606" y="5628252"/>
-            <a:ext cx="3877985" cy="707886"/>
-          </a:xfrm>
-          <a:prstGeom prst="rect">
-            <a:avLst/>
-          </a:prstGeom>
-          <a:noFill/>
-        </p:spPr>
-        <p:txBody>
-          <a:bodyPr wrap="none" rtlCol="0">
-            <a:spAutoFit/>
-          </a:bodyPr>
-          <a:lstStyle/>
-          <a:p>
-            <a:r>
-              <a:rPr lang="en-US" sz="4000" b="1" dirty="0">
-                <a:solidFill>
-                  <a:srgbClr val="00FF00"/>
-                </a:solidFill>
-                <a:latin typeface="Courier New" panose="02070309020205020404" pitchFamily="49" charset="0"/>
-                <a:cs typeface="Courier New" panose="02070309020205020404" pitchFamily="49" charset="0"/>
-              </a:rPr>
-              <a:t>(20,01,1985)</a:t>
-            </a:r>
-          </a:p>
-        </p:txBody>
-      </p:sp>
-      <p:sp>
-        <p:nvSpPr>
-          <p:cNvPr id="5" name="Arrow: Down 4">
-            <a:extLst>
-              <a:ext uri="{FF2B5EF4-FFF2-40B4-BE49-F238E27FC236}">
-                <a16:creationId xmlns:a16="http://schemas.microsoft.com/office/drawing/2014/main" id="{63F1B46F-E9CF-4E72-86FF-67248A7ACC4A}"/>
-              </a:ext>
-            </a:extLst>
-          </p:cNvPr>
-          <p:cNvSpPr/>
-          <p:nvPr/>
-        </p:nvSpPr>
-        <p:spPr>
-          <a:xfrm>
-            <a:off x="9891153" y="3822526"/>
-            <a:ext cx="486888" cy="1222651"/>
-          </a:xfrm>
-          <a:prstGeom prst="downArrow">
-            <a:avLst/>
-          </a:prstGeom>
-          <a:ln>
-            <a:noFill/>
+          <a:ln w="76200">
+            <a:solidFill>
+              <a:schemeClr val="accent2"/>
+            </a:solidFill>
           </a:ln>
         </p:spPr>
         <p:style>
@@ -10583,15 +11215,64 @@
           <a:bodyPr rtlCol="0" anchor="ctr"/>
           <a:lstStyle/>
           <a:p>
-            <a:pPr algn="ctr"/>
-            <a:endParaRPr lang="en-US"/>
+            <a:r>
+              <a:rPr lang="en-US" sz="4400" b="1" dirty="0">
+                <a:solidFill>
+                  <a:srgbClr val="FFFFFF"/>
+                </a:solidFill>
+              </a:rPr>
+              <a:t>Open your notebook</a:t>
+            </a:r>
+          </a:p>
+          <a:p>
+            <a:endParaRPr lang="en-US" sz="4400" b="1" dirty="0">
+              <a:solidFill>
+                <a:srgbClr val="FFFFFF"/>
+              </a:solidFill>
+            </a:endParaRPr>
+          </a:p>
+          <a:p>
+            <a:r>
+              <a:rPr lang="en-US" sz="2800" b="1" dirty="0">
+                <a:solidFill>
+                  <a:srgbClr val="FFFFFF"/>
+                </a:solidFill>
+              </a:rPr>
+              <a:t>Click Link</a:t>
+            </a:r>
+            <a:r>
+              <a:rPr lang="en-US" sz="2800" b="1" dirty="0">
+                <a:solidFill>
+                  <a:schemeClr val="accent6"/>
+                </a:solidFill>
+              </a:rPr>
+              <a:t>:</a:t>
+            </a:r>
+          </a:p>
+          <a:p>
+            <a:r>
+              <a:rPr lang="en-US" sz="2800" b="1" dirty="0">
+                <a:solidFill>
+                  <a:schemeClr val="accent6"/>
+                </a:solidFill>
+              </a:rPr>
+              <a:t>3. </a:t>
+            </a:r>
+            <a:r>
+              <a:rPr lang="en-US" sz="2600" b="1" dirty="0">
+                <a:solidFill>
+                  <a:schemeClr val="accent6"/>
+                </a:solidFill>
+              </a:rPr>
+              <a:t>Breakout Session 1</a:t>
+            </a:r>
           </a:p>
         </p:txBody>
       </p:sp>
     </p:spTree>
     <p:extLst>
       <p:ext uri="{BB962C8B-B14F-4D97-AF65-F5344CB8AC3E}">
-        <p14:creationId xmlns:p14="http://schemas.microsoft.com/office/powerpoint/2010/main" val="4030606467"/>
+        <p14:creationId xmlns:p14="http://schemas.microsoft.com/office/powerpoint/2010/main" val="4028562163"/>
       </p:ext>
     </p:extLst>
   </p:cSld>
@@ -10676,7 +11357,7 @@
         <p:spPr>
           <a:xfrm>
             <a:off x="838199" y="1825624"/>
-            <a:ext cx="11353801" cy="4835479"/>
+            <a:ext cx="7581405" cy="4835479"/>
           </a:xfrm>
         </p:spPr>
         <p:txBody>
@@ -10689,13 +11370,25 @@
                   <a:schemeClr val="accent6"/>
                 </a:solidFill>
               </a:rPr>
-              <a:t>Reason 2</a:t>
+              <a:t>Reason 1</a:t>
             </a:r>
           </a:p>
           <a:p>
             <a:r>
               <a:rPr lang="en-US" dirty="0"/>
-              <a:t>Performance increase. Processing a tuple is faster than processing a list</a:t>
+              <a:t>Tuples makes your code safer and less prone to</a:t>
+            </a:r>
+            <a:r>
+              <a:rPr lang="en-US" dirty="0">
+                <a:solidFill>
+                  <a:schemeClr val="accent6"/>
+                </a:solidFill>
+              </a:rPr>
+              <a:t> bugs </a:t>
+            </a:r>
+            <a:r>
+              <a:rPr lang="en-US" dirty="0"/>
+              <a:t>by providing write protection</a:t>
             </a:r>
             <a:r>
               <a:rPr lang="en-US" dirty="0">
@@ -10703,11 +11396,13 @@
                   <a:schemeClr val="accent1"/>
                 </a:solidFill>
               </a:rPr>
-              <a:t>. </a:t>
-            </a:r>
+              <a:t>.</a:t>
+            </a:r>
+          </a:p>
+          <a:p>
             <a:r>
               <a:rPr lang="en-US" dirty="0"/>
-              <a:t>Great for large data sets</a:t>
+              <a:t>Consider that you</a:t>
             </a:r>
             <a:r>
               <a:rPr lang="en-US" dirty="0">
@@ -10715,13 +11410,41 @@
                   <a:schemeClr val="accent1"/>
                 </a:solidFill>
               </a:rPr>
+              <a:t>’</a:t>
+            </a:r>
+            <a:r>
+              <a:rPr lang="en-US" dirty="0"/>
+              <a:t>re reading data from a database and saving it into memory</a:t>
+            </a:r>
+            <a:r>
+              <a:rPr lang="en-US" dirty="0">
+                <a:solidFill>
+                  <a:schemeClr val="accent1"/>
+                </a:solidFill>
+              </a:rPr>
               <a:t>.</a:t>
             </a:r>
           </a:p>
           <a:p>
             <a:r>
+              <a:rPr lang="en-US" dirty="0">
+                <a:solidFill>
+                  <a:schemeClr val="accent6"/>
+                </a:solidFill>
+              </a:rPr>
+              <a:t>Example</a:t>
+            </a:r>
+            <a:r>
+              <a:rPr lang="en-US" dirty="0">
+                <a:solidFill>
+                  <a:schemeClr val="accent1"/>
+                </a:solidFill>
+              </a:rPr>
+              <a:t>:</a:t>
+            </a:r>
+            <a:r>
               <a:rPr lang="en-US" dirty="0"/>
-              <a:t>Since a tuple's size is fixed</a:t>
+              <a:t> Imagine if you’re telling the doctor what the  symptoms are for a certain disease</a:t>
             </a:r>
             <a:r>
               <a:rPr lang="en-US" dirty="0">
@@ -10729,36 +11452,35 @@
                   <a:schemeClr val="accent1"/>
                 </a:solidFill>
               </a:rPr>
+              <a:t>.</a:t>
+            </a:r>
+            <a:r>
+              <a:rPr lang="en-US" dirty="0"/>
+              <a:t> If these symptoms were stored in a list</a:t>
+            </a:r>
+            <a:r>
+              <a:rPr lang="en-US" dirty="0">
+                <a:solidFill>
+                  <a:schemeClr val="accent1"/>
+                </a:solidFill>
+              </a:rPr>
               <a:t>, </a:t>
             </a:r>
             <a:r>
               <a:rPr lang="en-US" dirty="0"/>
-              <a:t>it can be stored more compactly than lists which need to over</a:t>
-            </a:r>
-            <a:r>
-              <a:rPr lang="en-US" dirty="0">
-                <a:solidFill>
-                  <a:schemeClr val="accent2"/>
-                </a:solidFill>
-              </a:rPr>
-              <a:t>-</a:t>
+              <a:t>they could be changed</a:t>
+            </a:r>
+            <a:r>
+              <a:rPr lang="en-US" dirty="0">
+                <a:solidFill>
+                  <a:schemeClr val="accent1"/>
+                </a:solidFill>
+              </a:rPr>
+              <a:t>,</a:t>
             </a:r>
             <a:r>
               <a:rPr lang="en-US" dirty="0"/>
-              <a:t>allocate to make </a:t>
-            </a:r>
-            <a:r>
-              <a:rPr lang="en-US" dirty="0">
-                <a:solidFill>
-                  <a:schemeClr val="accent6"/>
-                </a:solidFill>
-                <a:latin typeface="Consolas" panose="020B0609020204030204" pitchFamily="49" charset="0"/>
-              </a:rPr>
-              <a:t>append() </a:t>
-            </a:r>
-            <a:r>
-              <a:rPr lang="en-US" dirty="0"/>
-              <a:t>operations efficient</a:t>
+              <a:t> which could lead to negative outcomes for patients</a:t>
             </a:r>
             <a:r>
               <a:rPr lang="en-US" dirty="0">
@@ -10769,21 +11491,61 @@
               <a:t>.</a:t>
             </a:r>
           </a:p>
-          <a:p>
-            <a:endParaRPr lang="en-US" dirty="0">
-              <a:solidFill>
-                <a:schemeClr val="accent1"/>
-              </a:solidFill>
-            </a:endParaRPr>
-          </a:p>
-        </p:txBody>
-      </p:sp>
-      <p:sp>
-        <p:nvSpPr>
-          <p:cNvPr id="7" name="TextBox 6">
-            <a:extLst>
-              <a:ext uri="{FF2B5EF4-FFF2-40B4-BE49-F238E27FC236}">
-                <a16:creationId xmlns:a16="http://schemas.microsoft.com/office/drawing/2014/main" id="{D84B10E7-90A7-4CBB-A32D-EE8E67E7EF52}"/>
+        </p:txBody>
+      </p:sp>
+      <p:pic>
+        <p:nvPicPr>
+          <p:cNvPr id="1026" name="Picture 2" descr="Free White Database Icon - Download White Database Icon">
+            <a:extLst>
+              <a:ext uri="{FF2B5EF4-FFF2-40B4-BE49-F238E27FC236}">
+                <a16:creationId xmlns:a16="http://schemas.microsoft.com/office/drawing/2014/main" id="{DBA9273B-58D5-4F7B-9FB9-FA17363C9937}"/>
+              </a:ext>
+            </a:extLst>
+          </p:cNvPr>
+          <p:cNvPicPr>
+            <a:picLocks noChangeAspect="1" noChangeArrowheads="1"/>
+          </p:cNvPicPr>
+          <p:nvPr/>
+        </p:nvPicPr>
+        <p:blipFill>
+          <a:blip r:embed="rId2">
+            <a:extLst>
+              <a:ext uri="{28A0092B-C50C-407E-A947-70E740481C1C}">
+                <a14:useLocalDpi xmlns:a14="http://schemas.microsoft.com/office/drawing/2010/main" val="0"/>
+              </a:ext>
+            </a:extLst>
+          </a:blip>
+          <a:srcRect/>
+          <a:stretch>
+            <a:fillRect/>
+          </a:stretch>
+        </p:blipFill>
+        <p:spPr bwMode="auto">
+          <a:xfrm>
+            <a:off x="8915400" y="1297529"/>
+            <a:ext cx="2438400" cy="2438400"/>
+          </a:xfrm>
+          <a:prstGeom prst="rect">
+            <a:avLst/>
+          </a:prstGeom>
+          <a:noFill/>
+          <a:extLst>
+            <a:ext uri="{909E8E84-426E-40DD-AFC4-6F175D3DCCD1}">
+              <a14:hiddenFill xmlns:a14="http://schemas.microsoft.com/office/drawing/2010/main">
+                <a:solidFill>
+                  <a:srgbClr val="FFFFFF"/>
+                </a:solidFill>
+              </a14:hiddenFill>
+            </a:ext>
+          </a:extLst>
+        </p:spPr>
+      </p:pic>
+      <p:sp>
+        <p:nvSpPr>
+          <p:cNvPr id="4" name="TextBox 3">
+            <a:extLst>
+              <a:ext uri="{FF2B5EF4-FFF2-40B4-BE49-F238E27FC236}">
+                <a16:creationId xmlns:a16="http://schemas.microsoft.com/office/drawing/2014/main" id="{F6D95F3B-16FD-42E1-AB30-2F1A7C8FC80B}"/>
               </a:ext>
             </a:extLst>
           </p:cNvPr>
@@ -10792,8 +11554,8 @@
         </p:nvSpPr>
         <p:spPr>
           <a:xfrm>
-            <a:off x="1040081" y="4450272"/>
-            <a:ext cx="6997428" cy="2092881"/>
+            <a:off x="9376123" y="716183"/>
+            <a:ext cx="1516954" cy="461665"/>
           </a:xfrm>
           <a:prstGeom prst="rect">
             <a:avLst/>
@@ -10807,134 +11569,149 @@
           <a:lstStyle/>
           <a:p>
             <a:r>
-              <a:rPr lang="en-US" sz="2600" b="1" dirty="0">
-                <a:solidFill>
-                  <a:srgbClr val="E00BE5"/>
+              <a:rPr lang="en-US" sz="2400" b="1" dirty="0">
+                <a:solidFill>
+                  <a:schemeClr val="accent6"/>
+                </a:solidFill>
+              </a:rPr>
+              <a:t>Database</a:t>
+            </a:r>
+          </a:p>
+        </p:txBody>
+      </p:sp>
+      <p:sp>
+        <p:nvSpPr>
+          <p:cNvPr id="6" name="TextBox 5">
+            <a:extLst>
+              <a:ext uri="{FF2B5EF4-FFF2-40B4-BE49-F238E27FC236}">
+                <a16:creationId xmlns:a16="http://schemas.microsoft.com/office/drawing/2014/main" id="{C70C61FA-9650-42D0-A4B3-C96183182FC1}"/>
+              </a:ext>
+            </a:extLst>
+          </p:cNvPr>
+          <p:cNvSpPr txBox="1"/>
+          <p:nvPr/>
+        </p:nvSpPr>
+        <p:spPr>
+          <a:xfrm>
+            <a:off x="8682886" y="5166587"/>
+            <a:ext cx="2903424" cy="461665"/>
+          </a:xfrm>
+          <a:prstGeom prst="rect">
+            <a:avLst/>
+          </a:prstGeom>
+          <a:noFill/>
+        </p:spPr>
+        <p:txBody>
+          <a:bodyPr wrap="none" rtlCol="0">
+            <a:spAutoFit/>
+          </a:bodyPr>
+          <a:lstStyle/>
+          <a:p>
+            <a:r>
+              <a:rPr lang="en-US" sz="2400" b="1" dirty="0">
+                <a:solidFill>
+                  <a:schemeClr val="accent6"/>
+                </a:solidFill>
+              </a:rPr>
+              <a:t>In Python Memory</a:t>
+            </a:r>
+          </a:p>
+        </p:txBody>
+      </p:sp>
+      <p:sp>
+        <p:nvSpPr>
+          <p:cNvPr id="7" name="TextBox 6">
+            <a:extLst>
+              <a:ext uri="{FF2B5EF4-FFF2-40B4-BE49-F238E27FC236}">
+                <a16:creationId xmlns:a16="http://schemas.microsoft.com/office/drawing/2014/main" id="{D84B10E7-90A7-4CBB-A32D-EE8E67E7EF52}"/>
+              </a:ext>
+            </a:extLst>
+          </p:cNvPr>
+          <p:cNvSpPr txBox="1"/>
+          <p:nvPr/>
+        </p:nvSpPr>
+        <p:spPr>
+          <a:xfrm>
+            <a:off x="8195606" y="5628252"/>
+            <a:ext cx="3877985" cy="707886"/>
+          </a:xfrm>
+          <a:prstGeom prst="rect">
+            <a:avLst/>
+          </a:prstGeom>
+          <a:noFill/>
+        </p:spPr>
+        <p:txBody>
+          <a:bodyPr wrap="none" rtlCol="0">
+            <a:spAutoFit/>
+          </a:bodyPr>
+          <a:lstStyle/>
+          <a:p>
+            <a:r>
+              <a:rPr lang="en-US" sz="4000" b="1" dirty="0">
+                <a:solidFill>
+                  <a:srgbClr val="00FF00"/>
                 </a:solidFill>
                 <a:latin typeface="Courier New" panose="02070309020205020404" pitchFamily="49" charset="0"/>
                 <a:cs typeface="Courier New" panose="02070309020205020404" pitchFamily="49" charset="0"/>
               </a:rPr>
-              <a:t>&gt;&gt;&gt;</a:t>
-            </a:r>
-            <a:r>
-              <a:rPr lang="en-US" sz="2600" b="1" dirty="0">
-                <a:solidFill>
-                  <a:srgbClr val="00FF00"/>
-                </a:solidFill>
-                <a:latin typeface="Courier New" panose="02070309020205020404" pitchFamily="49" charset="0"/>
-                <a:cs typeface="Courier New" panose="02070309020205020404" pitchFamily="49" charset="0"/>
-              </a:rPr>
-              <a:t> sys.getsizeof(</a:t>
-            </a:r>
-            <a:r>
-              <a:rPr lang="en-US" sz="2600" b="1" dirty="0">
-                <a:solidFill>
-                  <a:srgbClr val="E00BE5"/>
-                </a:solidFill>
-                <a:latin typeface="Courier New" panose="02070309020205020404" pitchFamily="49" charset="0"/>
-                <a:cs typeface="Courier New" panose="02070309020205020404" pitchFamily="49" charset="0"/>
-              </a:rPr>
-              <a:t>(1, 2, 3, 4, 5)</a:t>
-            </a:r>
-            <a:r>
-              <a:rPr lang="en-US" sz="2600" b="1" dirty="0">
-                <a:solidFill>
-                  <a:srgbClr val="00FF00"/>
-                </a:solidFill>
-                <a:latin typeface="Courier New" panose="02070309020205020404" pitchFamily="49" charset="0"/>
-                <a:cs typeface="Courier New" panose="02070309020205020404" pitchFamily="49" charset="0"/>
-              </a:rPr>
-              <a:t>)</a:t>
-            </a:r>
-          </a:p>
-          <a:p>
-            <a:r>
-              <a:rPr lang="en-US" sz="2600" b="1" dirty="0">
-                <a:solidFill>
-                  <a:srgbClr val="00FF00"/>
-                </a:solidFill>
-                <a:latin typeface="Courier New" panose="02070309020205020404" pitchFamily="49" charset="0"/>
-                <a:cs typeface="Courier New" panose="02070309020205020404" pitchFamily="49" charset="0"/>
-              </a:rPr>
-              <a:t>88 bytes</a:t>
-            </a:r>
-          </a:p>
-          <a:p>
-            <a:endParaRPr lang="en-US" sz="2600" b="1" dirty="0">
-              <a:solidFill>
-                <a:srgbClr val="00FF00"/>
-              </a:solidFill>
-              <a:latin typeface="Courier New" panose="02070309020205020404" pitchFamily="49" charset="0"/>
-              <a:cs typeface="Courier New" panose="02070309020205020404" pitchFamily="49" charset="0"/>
-            </a:endParaRPr>
-          </a:p>
-          <a:p>
-            <a:r>
-              <a:rPr lang="en-US" sz="2600" b="1" dirty="0">
-                <a:solidFill>
-                  <a:srgbClr val="E00BE5"/>
-                </a:solidFill>
-                <a:latin typeface="Courier New" panose="02070309020205020404" pitchFamily="49" charset="0"/>
-                <a:cs typeface="Courier New" panose="02070309020205020404" pitchFamily="49" charset="0"/>
-              </a:rPr>
-              <a:t>&gt;&gt;&gt;</a:t>
-            </a:r>
-            <a:r>
-              <a:rPr lang="en-US" sz="2600" b="1" dirty="0">
-                <a:solidFill>
-                  <a:srgbClr val="00FF00"/>
-                </a:solidFill>
-                <a:latin typeface="Courier New" panose="02070309020205020404" pitchFamily="49" charset="0"/>
-                <a:cs typeface="Courier New" panose="02070309020205020404" pitchFamily="49" charset="0"/>
-              </a:rPr>
-              <a:t> sys.getsizeof(</a:t>
-            </a:r>
-            <a:r>
-              <a:rPr lang="en-US" sz="2600" b="1" dirty="0">
-                <a:solidFill>
-                  <a:srgbClr val="E00BE5"/>
-                </a:solidFill>
-                <a:latin typeface="Courier New" panose="02070309020205020404" pitchFamily="49" charset="0"/>
-                <a:cs typeface="Courier New" panose="02070309020205020404" pitchFamily="49" charset="0"/>
-              </a:rPr>
-              <a:t>[1, 2, 3, 4, 5]</a:t>
-            </a:r>
-            <a:r>
-              <a:rPr lang="en-US" sz="2600" b="1" dirty="0">
-                <a:solidFill>
-                  <a:srgbClr val="00FF00"/>
-                </a:solidFill>
-                <a:latin typeface="Courier New" panose="02070309020205020404" pitchFamily="49" charset="0"/>
-                <a:cs typeface="Courier New" panose="02070309020205020404" pitchFamily="49" charset="0"/>
-              </a:rPr>
-              <a:t>)</a:t>
-            </a:r>
-            <a:endParaRPr lang="en-US" sz="2600" b="1" dirty="0">
-              <a:solidFill>
-                <a:srgbClr val="E00BE5"/>
-              </a:solidFill>
-              <a:latin typeface="Courier New" panose="02070309020205020404" pitchFamily="49" charset="0"/>
-              <a:cs typeface="Courier New" panose="02070309020205020404" pitchFamily="49" charset="0"/>
-            </a:endParaRPr>
-          </a:p>
-          <a:p>
-            <a:r>
-              <a:rPr lang="en-US" sz="2600" b="1" dirty="0">
-                <a:solidFill>
-                  <a:srgbClr val="00FF00"/>
-                </a:solidFill>
-                <a:latin typeface="Courier New" panose="02070309020205020404" pitchFamily="49" charset="0"/>
-                <a:cs typeface="Courier New" panose="02070309020205020404" pitchFamily="49" charset="0"/>
-              </a:rPr>
-              <a:t>104 bytes</a:t>
-            </a:r>
+              <a:t>(20,01,1985)</a:t>
+            </a:r>
+          </a:p>
+        </p:txBody>
+      </p:sp>
+      <p:sp>
+        <p:nvSpPr>
+          <p:cNvPr id="5" name="Arrow: Down 4">
+            <a:extLst>
+              <a:ext uri="{FF2B5EF4-FFF2-40B4-BE49-F238E27FC236}">
+                <a16:creationId xmlns:a16="http://schemas.microsoft.com/office/drawing/2014/main" id="{63F1B46F-E9CF-4E72-86FF-67248A7ACC4A}"/>
+              </a:ext>
+            </a:extLst>
+          </p:cNvPr>
+          <p:cNvSpPr/>
+          <p:nvPr/>
+        </p:nvSpPr>
+        <p:spPr>
+          <a:xfrm>
+            <a:off x="9891153" y="3822526"/>
+            <a:ext cx="486888" cy="1222651"/>
+          </a:xfrm>
+          <a:prstGeom prst="downArrow">
+            <a:avLst/>
+          </a:prstGeom>
+          <a:ln>
+            <a:noFill/>
+          </a:ln>
+        </p:spPr>
+        <p:style>
+          <a:lnRef idx="2">
+            <a:schemeClr val="accent1">
+              <a:shade val="50000"/>
+            </a:schemeClr>
+          </a:lnRef>
+          <a:fillRef idx="1">
+            <a:schemeClr val="accent1"/>
+          </a:fillRef>
+          <a:effectRef idx="0">
+            <a:schemeClr val="accent1"/>
+          </a:effectRef>
+          <a:fontRef idx="minor">
+            <a:schemeClr val="lt1"/>
+          </a:fontRef>
+        </p:style>
+        <p:txBody>
+          <a:bodyPr rtlCol="0" anchor="ctr"/>
+          <a:lstStyle/>
+          <a:p>
+            <a:pPr algn="ctr"/>
+            <a:endParaRPr lang="en-US"/>
           </a:p>
         </p:txBody>
       </p:sp>
     </p:spTree>
     <p:extLst>
       <p:ext uri="{BB962C8B-B14F-4D97-AF65-F5344CB8AC3E}">
-        <p14:creationId xmlns:p14="http://schemas.microsoft.com/office/powerpoint/2010/main" val="93680278"/>
+        <p14:creationId xmlns:p14="http://schemas.microsoft.com/office/powerpoint/2010/main" val="4030606467"/>
       </p:ext>
     </p:extLst>
   </p:cSld>
@@ -11018,8 +11795,8 @@
         </p:nvSpPr>
         <p:spPr>
           <a:xfrm>
-            <a:off x="838200" y="1825624"/>
-            <a:ext cx="10253354" cy="4835479"/>
+            <a:off x="838199" y="1825624"/>
+            <a:ext cx="11353801" cy="4835479"/>
           </a:xfrm>
         </p:spPr>
         <p:txBody>
@@ -11032,33 +11809,25 @@
                   <a:schemeClr val="accent6"/>
                 </a:solidFill>
               </a:rPr>
-              <a:t>Reason 3</a:t>
+              <a:t>Reason 2</a:t>
             </a:r>
           </a:p>
           <a:p>
             <a:r>
               <a:rPr lang="en-US" dirty="0"/>
-              <a:t>You can always unpack tuples successfully because you always know how many items are in them </a:t>
-            </a:r>
-            <a:r>
-              <a:rPr lang="en-US" dirty="0">
-                <a:solidFill>
-                  <a:schemeClr val="accent6"/>
-                </a:solidFill>
-              </a:rPr>
-              <a:t>(</a:t>
+              <a:t>Performance increase. Processing a tuple is faster than processing a list</a:t>
+            </a:r>
+            <a:r>
+              <a:rPr lang="en-US" dirty="0">
+                <a:solidFill>
+                  <a:schemeClr val="accent1"/>
+                </a:solidFill>
+              </a:rPr>
+              <a:t>. </a:t>
             </a:r>
             <a:r>
               <a:rPr lang="en-US" dirty="0"/>
-              <a:t>Immutability</a:t>
-            </a:r>
-            <a:r>
-              <a:rPr lang="en-US" dirty="0">
-                <a:solidFill>
-                  <a:schemeClr val="accent6"/>
-                </a:solidFill>
-              </a:rPr>
-              <a:t>)</a:t>
+              <a:t>Great for large data sets</a:t>
             </a:r>
             <a:r>
               <a:rPr lang="en-US" dirty="0">
@@ -11069,14 +11838,72 @@
               <a:t>.</a:t>
             </a:r>
           </a:p>
-        </p:txBody>
-      </p:sp>
-      <p:sp>
-        <p:nvSpPr>
-          <p:cNvPr id="5" name="TextBox 4">
-            <a:extLst>
-              <a:ext uri="{FF2B5EF4-FFF2-40B4-BE49-F238E27FC236}">
-                <a16:creationId xmlns:a16="http://schemas.microsoft.com/office/drawing/2014/main" id="{42DAA33F-C56A-4EC6-B274-3732C24ACE0C}"/>
+          <a:p>
+            <a:r>
+              <a:rPr lang="en-US" dirty="0"/>
+              <a:t>Since a tuple's size is fixed</a:t>
+            </a:r>
+            <a:r>
+              <a:rPr lang="en-US" dirty="0">
+                <a:solidFill>
+                  <a:schemeClr val="accent1"/>
+                </a:solidFill>
+              </a:rPr>
+              <a:t>, </a:t>
+            </a:r>
+            <a:r>
+              <a:rPr lang="en-US" dirty="0"/>
+              <a:t>it can be stored more compactly than lists which need to over</a:t>
+            </a:r>
+            <a:r>
+              <a:rPr lang="en-US" dirty="0">
+                <a:solidFill>
+                  <a:schemeClr val="accent2"/>
+                </a:solidFill>
+              </a:rPr>
+              <a:t>-</a:t>
+            </a:r>
+            <a:r>
+              <a:rPr lang="en-US" dirty="0"/>
+              <a:t>allocate to make </a:t>
+            </a:r>
+            <a:r>
+              <a:rPr lang="en-US" dirty="0">
+                <a:solidFill>
+                  <a:schemeClr val="accent6"/>
+                </a:solidFill>
+                <a:latin typeface="Consolas" panose="020B0609020204030204" pitchFamily="49" charset="0"/>
+              </a:rPr>
+              <a:t>append() </a:t>
+            </a:r>
+            <a:r>
+              <a:rPr lang="en-US" dirty="0"/>
+              <a:t>operations efficient</a:t>
+            </a:r>
+            <a:r>
+              <a:rPr lang="en-US" dirty="0">
+                <a:solidFill>
+                  <a:schemeClr val="accent1"/>
+                </a:solidFill>
+              </a:rPr>
+              <a:t>.</a:t>
+            </a:r>
+          </a:p>
+          <a:p>
+            <a:endParaRPr lang="en-US" dirty="0">
+              <a:solidFill>
+                <a:schemeClr val="accent1"/>
+              </a:solidFill>
+            </a:endParaRPr>
+          </a:p>
+        </p:txBody>
+      </p:sp>
+      <p:sp>
+        <p:nvSpPr>
+          <p:cNvPr id="7" name="TextBox 6">
+            <a:extLst>
+              <a:ext uri="{FF2B5EF4-FFF2-40B4-BE49-F238E27FC236}">
+                <a16:creationId xmlns:a16="http://schemas.microsoft.com/office/drawing/2014/main" id="{D84B10E7-90A7-4CBB-A32D-EE8E67E7EF52}"/>
               </a:ext>
             </a:extLst>
           </p:cNvPr>
@@ -11085,8 +11912,8 @@
         </p:nvSpPr>
         <p:spPr>
           <a:xfrm>
-            <a:off x="542255" y="4844478"/>
-            <a:ext cx="5125121" cy="954107"/>
+            <a:off x="1040081" y="4450272"/>
+            <a:ext cx="6997428" cy="2092881"/>
           </a:xfrm>
           <a:prstGeom prst="rect">
             <a:avLst/>
@@ -11100,157 +11927,126 @@
           <a:lstStyle/>
           <a:p>
             <a:r>
-              <a:rPr lang="en-US" sz="2800" b="1" dirty="0">
-                <a:solidFill>
-                  <a:srgbClr val="00FF00"/>
+              <a:rPr lang="en-US" sz="2600" b="1" dirty="0">
+                <a:solidFill>
+                  <a:srgbClr val="E00BE5"/>
                 </a:solidFill>
                 <a:latin typeface="Courier New" panose="02070309020205020404" pitchFamily="49" charset="0"/>
                 <a:cs typeface="Courier New" panose="02070309020205020404" pitchFamily="49" charset="0"/>
               </a:rPr>
-              <a:t>data = (20,01,1985)</a:t>
-            </a:r>
-          </a:p>
-          <a:p>
-            <a:r>
-              <a:rPr lang="en-US" sz="2800" b="1" dirty="0">
+              <a:t>&gt;&gt;&gt;</a:t>
+            </a:r>
+            <a:r>
+              <a:rPr lang="en-US" sz="2600" b="1" dirty="0">
                 <a:solidFill>
                   <a:srgbClr val="00FF00"/>
                 </a:solidFill>
                 <a:latin typeface="Courier New" panose="02070309020205020404" pitchFamily="49" charset="0"/>
                 <a:cs typeface="Courier New" panose="02070309020205020404" pitchFamily="49" charset="0"/>
               </a:rPr>
-              <a:t>day, month, year = data</a:t>
-            </a:r>
-          </a:p>
-        </p:txBody>
-      </p:sp>
-      <p:sp>
-        <p:nvSpPr>
-          <p:cNvPr id="6" name="TextBox 5">
-            <a:extLst>
-              <a:ext uri="{FF2B5EF4-FFF2-40B4-BE49-F238E27FC236}">
-                <a16:creationId xmlns:a16="http://schemas.microsoft.com/office/drawing/2014/main" id="{4DFD13B8-A628-40B3-9428-E05A586C6C16}"/>
-              </a:ext>
-            </a:extLst>
-          </p:cNvPr>
-          <p:cNvSpPr txBox="1"/>
-          <p:nvPr/>
-        </p:nvSpPr>
-        <p:spPr>
-          <a:xfrm>
-            <a:off x="6596690" y="4844478"/>
-            <a:ext cx="5125121" cy="954107"/>
-          </a:xfrm>
-          <a:prstGeom prst="rect">
-            <a:avLst/>
-          </a:prstGeom>
-          <a:noFill/>
-        </p:spPr>
-        <p:txBody>
-          <a:bodyPr wrap="none" rtlCol="0">
-            <a:spAutoFit/>
-          </a:bodyPr>
-          <a:lstStyle/>
-          <a:p>
-            <a:r>
-              <a:rPr lang="en-US" sz="2800" b="1" dirty="0">
-                <a:solidFill>
-                  <a:srgbClr val="00FF00"/>
+              <a:t> sys.getsizeof(</a:t>
+            </a:r>
+            <a:r>
+              <a:rPr lang="en-US" sz="2600" b="1" dirty="0">
+                <a:solidFill>
+                  <a:srgbClr val="E00BE5"/>
                 </a:solidFill>
                 <a:latin typeface="Courier New" panose="02070309020205020404" pitchFamily="49" charset="0"/>
                 <a:cs typeface="Courier New" panose="02070309020205020404" pitchFamily="49" charset="0"/>
               </a:rPr>
-              <a:t>data = [20,01,1985]</a:t>
-            </a:r>
-          </a:p>
-          <a:p>
-            <a:r>
-              <a:rPr lang="en-US" sz="2800" b="1" dirty="0">
+              <a:t>(1, 2, 3, 4, 5)</a:t>
+            </a:r>
+            <a:r>
+              <a:rPr lang="en-US" sz="2600" b="1" dirty="0">
                 <a:solidFill>
                   <a:srgbClr val="00FF00"/>
                 </a:solidFill>
                 <a:latin typeface="Courier New" panose="02070309020205020404" pitchFamily="49" charset="0"/>
                 <a:cs typeface="Courier New" panose="02070309020205020404" pitchFamily="49" charset="0"/>
               </a:rPr>
-              <a:t>day, month, year = data</a:t>
-            </a:r>
-          </a:p>
-        </p:txBody>
-      </p:sp>
-      <p:sp>
-        <p:nvSpPr>
-          <p:cNvPr id="4" name="TextBox 3">
-            <a:extLst>
-              <a:ext uri="{FF2B5EF4-FFF2-40B4-BE49-F238E27FC236}">
-                <a16:creationId xmlns:a16="http://schemas.microsoft.com/office/drawing/2014/main" id="{A39D3CB3-D806-4069-9A3A-79ACFA28E6DE}"/>
-              </a:ext>
-            </a:extLst>
-          </p:cNvPr>
-          <p:cNvSpPr txBox="1"/>
-          <p:nvPr/>
-        </p:nvSpPr>
-        <p:spPr>
-          <a:xfrm>
-            <a:off x="542255" y="4170912"/>
-            <a:ext cx="3743204" cy="523220"/>
-          </a:xfrm>
-          <a:prstGeom prst="rect">
-            <a:avLst/>
-          </a:prstGeom>
-          <a:noFill/>
-        </p:spPr>
-        <p:txBody>
-          <a:bodyPr wrap="none" rtlCol="0">
-            <a:spAutoFit/>
-          </a:bodyPr>
-          <a:lstStyle/>
-          <a:p>
-            <a:r>
-              <a:rPr lang="en-US" sz="2800" b="1" dirty="0">
-                <a:solidFill>
-                  <a:schemeClr val="accent1"/>
-                </a:solidFill>
-              </a:rPr>
-              <a:t>This will always work</a:t>
-            </a:r>
-          </a:p>
-        </p:txBody>
-      </p:sp>
-      <p:sp>
-        <p:nvSpPr>
-          <p:cNvPr id="8" name="TextBox 7">
-            <a:extLst>
-              <a:ext uri="{FF2B5EF4-FFF2-40B4-BE49-F238E27FC236}">
-                <a16:creationId xmlns:a16="http://schemas.microsoft.com/office/drawing/2014/main" id="{559E92FD-7D0A-459B-AAF3-2961EAEAE510}"/>
-              </a:ext>
-            </a:extLst>
-          </p:cNvPr>
-          <p:cNvSpPr txBox="1"/>
-          <p:nvPr/>
-        </p:nvSpPr>
-        <p:spPr>
-          <a:xfrm>
-            <a:off x="6596690" y="4170912"/>
-            <a:ext cx="4419671" cy="523220"/>
-          </a:xfrm>
-          <a:prstGeom prst="rect">
-            <a:avLst/>
-          </a:prstGeom>
-          <a:noFill/>
-        </p:spPr>
-        <p:txBody>
-          <a:bodyPr wrap="none" rtlCol="0">
-            <a:spAutoFit/>
-          </a:bodyPr>
-          <a:lstStyle/>
-          <a:p>
-            <a:r>
-              <a:rPr lang="en-US" sz="2800" b="1" dirty="0">
-                <a:solidFill>
-                  <a:schemeClr val="accent1"/>
-                </a:solidFill>
-              </a:rPr>
-              <a:t>This will not always work</a:t>
+              <a:t>)</a:t>
+            </a:r>
+          </a:p>
+          <a:p>
+            <a:r>
+              <a:rPr lang="en-US" sz="2600" b="1" dirty="0">
+                <a:solidFill>
+                  <a:srgbClr val="00FF00"/>
+                </a:solidFill>
+                <a:latin typeface="Courier New" panose="02070309020205020404" pitchFamily="49" charset="0"/>
+                <a:cs typeface="Courier New" panose="02070309020205020404" pitchFamily="49" charset="0"/>
+              </a:rPr>
+              <a:t>88 bytes</a:t>
+            </a:r>
+          </a:p>
+          <a:p>
+            <a:endParaRPr lang="en-US" sz="2600" b="1" dirty="0">
+              <a:solidFill>
+                <a:srgbClr val="00FF00"/>
+              </a:solidFill>
+              <a:latin typeface="Courier New" panose="02070309020205020404" pitchFamily="49" charset="0"/>
+              <a:cs typeface="Courier New" panose="02070309020205020404" pitchFamily="49" charset="0"/>
+            </a:endParaRPr>
+          </a:p>
+          <a:p>
+            <a:r>
+              <a:rPr lang="en-US" sz="2600" b="1" dirty="0">
+                <a:solidFill>
+                  <a:srgbClr val="E00BE5"/>
+                </a:solidFill>
+                <a:latin typeface="Courier New" panose="02070309020205020404" pitchFamily="49" charset="0"/>
+                <a:cs typeface="Courier New" panose="02070309020205020404" pitchFamily="49" charset="0"/>
+              </a:rPr>
+              <a:t>&gt;&gt;&gt;</a:t>
+            </a:r>
+            <a:r>
+              <a:rPr lang="en-US" sz="2600" b="1" dirty="0">
+                <a:solidFill>
+                  <a:srgbClr val="00FF00"/>
+                </a:solidFill>
+                <a:latin typeface="Courier New" panose="02070309020205020404" pitchFamily="49" charset="0"/>
+                <a:cs typeface="Courier New" panose="02070309020205020404" pitchFamily="49" charset="0"/>
+              </a:rPr>
+              <a:t> sys.getsizeof(</a:t>
+            </a:r>
+            <a:r>
+              <a:rPr lang="en-US" sz="2600" b="1" dirty="0">
+                <a:solidFill>
+                  <a:srgbClr val="E00BE5"/>
+                </a:solidFill>
+                <a:latin typeface="Courier New" panose="02070309020205020404" pitchFamily="49" charset="0"/>
+                <a:cs typeface="Courier New" panose="02070309020205020404" pitchFamily="49" charset="0"/>
+              </a:rPr>
+              <a:t>[1, 2, 3, 4, 5]</a:t>
+            </a:r>
+            <a:r>
+              <a:rPr lang="en-US" sz="2600" b="1" dirty="0">
+                <a:solidFill>
+                  <a:srgbClr val="00FF00"/>
+                </a:solidFill>
+                <a:latin typeface="Courier New" panose="02070309020205020404" pitchFamily="49" charset="0"/>
+                <a:cs typeface="Courier New" panose="02070309020205020404" pitchFamily="49" charset="0"/>
+              </a:rPr>
+              <a:t>)</a:t>
+            </a:r>
+            <a:endParaRPr lang="en-US" sz="2600" b="1" dirty="0">
+              <a:solidFill>
+                <a:srgbClr val="E00BE5"/>
+              </a:solidFill>
+              <a:latin typeface="Courier New" panose="02070309020205020404" pitchFamily="49" charset="0"/>
+              <a:cs typeface="Courier New" panose="02070309020205020404" pitchFamily="49" charset="0"/>
+            </a:endParaRPr>
+          </a:p>
+          <a:p>
+            <a:r>
+              <a:rPr lang="en-US" sz="2600" b="1" dirty="0">
+                <a:solidFill>
+                  <a:srgbClr val="00FF00"/>
+                </a:solidFill>
+                <a:latin typeface="Courier New" panose="02070309020205020404" pitchFamily="49" charset="0"/>
+                <a:cs typeface="Courier New" panose="02070309020205020404" pitchFamily="49" charset="0"/>
+              </a:rPr>
+              <a:t>104 bytes</a:t>
             </a:r>
           </a:p>
         </p:txBody>
@@ -11258,7 +12054,7 @@
     </p:spTree>
     <p:extLst>
       <p:ext uri="{BB962C8B-B14F-4D97-AF65-F5344CB8AC3E}">
-        <p14:creationId xmlns:p14="http://schemas.microsoft.com/office/powerpoint/2010/main" val="1650007063"/>
+        <p14:creationId xmlns:p14="http://schemas.microsoft.com/office/powerpoint/2010/main" val="93680278"/>
       </p:ext>
     </p:extLst>
   </p:cSld>
